--- a/spring15/slidesS15/gray-edges.pptx
+++ b/spring15/slidesS15/gray-edges.pptx
@@ -5,34 +5,36 @@
     <p:sldMasterId id="2147483650" r:id="rId1"/>
   </p:sldMasterIdLst>
   <p:notesMasterIdLst>
-    <p:notesMasterId r:id="rId19"/>
+    <p:notesMasterId r:id="rId21"/>
   </p:notesMasterIdLst>
   <p:handoutMasterIdLst>
-    <p:handoutMasterId r:id="rId20"/>
+    <p:handoutMasterId r:id="rId22"/>
   </p:handoutMasterIdLst>
   <p:sldIdLst>
     <p:sldId id="462" r:id="rId2"/>
     <p:sldId id="569" r:id="rId3"/>
     <p:sldId id="570" r:id="rId4"/>
     <p:sldId id="571" r:id="rId5"/>
-    <p:sldId id="572" r:id="rId6"/>
-    <p:sldId id="541" r:id="rId7"/>
-    <p:sldId id="540" r:id="rId8"/>
-    <p:sldId id="559" r:id="rId9"/>
-    <p:sldId id="562" r:id="rId10"/>
-    <p:sldId id="568" r:id="rId11"/>
-    <p:sldId id="561" r:id="rId12"/>
-    <p:sldId id="560" r:id="rId13"/>
-    <p:sldId id="565" r:id="rId14"/>
-    <p:sldId id="546" r:id="rId15"/>
-    <p:sldId id="566" r:id="rId16"/>
-    <p:sldId id="573" r:id="rId17"/>
-    <p:sldId id="574" r:id="rId18"/>
+    <p:sldId id="575" r:id="rId6"/>
+    <p:sldId id="572" r:id="rId7"/>
+    <p:sldId id="541" r:id="rId8"/>
+    <p:sldId id="540" r:id="rId9"/>
+    <p:sldId id="576" r:id="rId10"/>
+    <p:sldId id="578" r:id="rId11"/>
+    <p:sldId id="559" r:id="rId12"/>
+    <p:sldId id="577" r:id="rId13"/>
+    <p:sldId id="562" r:id="rId14"/>
+    <p:sldId id="568" r:id="rId15"/>
+    <p:sldId id="561" r:id="rId16"/>
+    <p:sldId id="560" r:id="rId17"/>
+    <p:sldId id="565" r:id="rId18"/>
+    <p:sldId id="546" r:id="rId19"/>
+    <p:sldId id="579" r:id="rId20"/>
   </p:sldIdLst>
   <p:sldSz cx="9144000" cy="6858000" type="letter"/>
   <p:notesSz cx="9601200" cy="7315200"/>
   <p:custDataLst>
-    <p:tags r:id="rId22"/>
+    <p:tags r:id="rId24"/>
   </p:custDataLst>
   <p:defaultTextStyle>
     <a:defPPr>
@@ -938,7 +940,191 @@
             <a:fld id="{28AF3390-8A7E-4880-B659-5568F047A0C1}" type="slidenum">
               <a:rPr lang="en-US"/>
               <a:pPr/>
-              <a:t>15</a:t>
+              <a:t>16</a:t>
+            </a:fld>
+            <a:endParaRPr lang="en-US"/>
+          </a:p>
+        </p:txBody>
+      </p:sp>
+      <p:sp>
+        <p:nvSpPr>
+          <p:cNvPr id="38915" name="Rectangle 2"/>
+          <p:cNvSpPr>
+            <a:spLocks noGrp="1" noRot="1" noChangeAspect="1" noChangeArrowheads="1" noTextEdit="1"/>
+          </p:cNvSpPr>
+          <p:nvPr>
+            <p:ph type="sldImg"/>
+          </p:nvPr>
+        </p:nvSpPr>
+        <p:spPr>
+          <a:xfrm>
+            <a:off x="2973388" y="549275"/>
+            <a:ext cx="3659187" cy="2743200"/>
+          </a:xfrm>
+          <a:ln/>
+        </p:spPr>
+      </p:sp>
+      <p:sp>
+        <p:nvSpPr>
+          <p:cNvPr id="38916" name="Rectangle 3"/>
+          <p:cNvSpPr>
+            <a:spLocks noGrp="1" noChangeArrowheads="1"/>
+          </p:cNvSpPr>
+          <p:nvPr>
+            <p:ph type="body" idx="1"/>
+          </p:nvPr>
+        </p:nvSpPr>
+        <p:spPr>
+          <a:noFill/>
+          <a:ln/>
+        </p:spPr>
+        <p:txBody>
+          <a:bodyPr/>
+          <a:lstStyle/>
+          <a:p>
+            <a:pPr eaLnBrk="1" hangingPunct="1"/>
+            <a:endParaRPr lang="en-US" smtClean="0"/>
+          </a:p>
+        </p:txBody>
+      </p:sp>
+    </p:spTree>
+  </p:cSld>
+  <p:clrMapOvr>
+    <a:masterClrMapping/>
+  </p:clrMapOvr>
+</p:notes>
+</file>
+
+<file path=ppt/notesSlides/notesSlide11.xml><?xml version="1.0" encoding="utf-8"?>
+<p:notes xmlns:a="http://schemas.openxmlformats.org/drawingml/2006/main" xmlns:r="http://schemas.openxmlformats.org/officeDocument/2006/relationships" xmlns:p="http://schemas.openxmlformats.org/presentationml/2006/main">
+  <p:cSld>
+    <p:spTree>
+      <p:nvGrpSpPr>
+        <p:cNvPr id="1" name=""/>
+        <p:cNvGrpSpPr/>
+        <p:nvPr/>
+      </p:nvGrpSpPr>
+      <p:grpSpPr>
+        <a:xfrm>
+          <a:off x="0" y="0"/>
+          <a:ext cx="0" cy="0"/>
+          <a:chOff x="0" y="0"/>
+          <a:chExt cx="0" cy="0"/>
+        </a:xfrm>
+      </p:grpSpPr>
+      <p:sp>
+        <p:nvSpPr>
+          <p:cNvPr id="38914" name="Rectangle 7"/>
+          <p:cNvSpPr>
+            <a:spLocks noGrp="1" noChangeArrowheads="1"/>
+          </p:cNvSpPr>
+          <p:nvPr>
+            <p:ph type="sldNum" sz="quarter" idx="5"/>
+          </p:nvPr>
+        </p:nvSpPr>
+        <p:spPr>
+          <a:noFill/>
+        </p:spPr>
+        <p:txBody>
+          <a:bodyPr/>
+          <a:lstStyle/>
+          <a:p>
+            <a:fld id="{28AF3390-8A7E-4880-B659-5568F047A0C1}" type="slidenum">
+              <a:rPr lang="en-US"/>
+              <a:pPr/>
+              <a:t>17</a:t>
+            </a:fld>
+            <a:endParaRPr lang="en-US"/>
+          </a:p>
+        </p:txBody>
+      </p:sp>
+      <p:sp>
+        <p:nvSpPr>
+          <p:cNvPr id="38915" name="Rectangle 2"/>
+          <p:cNvSpPr>
+            <a:spLocks noGrp="1" noRot="1" noChangeAspect="1" noChangeArrowheads="1" noTextEdit="1"/>
+          </p:cNvSpPr>
+          <p:nvPr>
+            <p:ph type="sldImg"/>
+          </p:nvPr>
+        </p:nvSpPr>
+        <p:spPr>
+          <a:xfrm>
+            <a:off x="2973388" y="549275"/>
+            <a:ext cx="3659187" cy="2743200"/>
+          </a:xfrm>
+          <a:ln/>
+        </p:spPr>
+      </p:sp>
+      <p:sp>
+        <p:nvSpPr>
+          <p:cNvPr id="38916" name="Rectangle 3"/>
+          <p:cNvSpPr>
+            <a:spLocks noGrp="1" noChangeArrowheads="1"/>
+          </p:cNvSpPr>
+          <p:nvPr>
+            <p:ph type="body" idx="1"/>
+          </p:nvPr>
+        </p:nvSpPr>
+        <p:spPr>
+          <a:noFill/>
+          <a:ln/>
+        </p:spPr>
+        <p:txBody>
+          <a:bodyPr/>
+          <a:lstStyle/>
+          <a:p>
+            <a:pPr eaLnBrk="1" hangingPunct="1"/>
+            <a:endParaRPr lang="en-US" smtClean="0"/>
+          </a:p>
+        </p:txBody>
+      </p:sp>
+    </p:spTree>
+  </p:cSld>
+  <p:clrMapOvr>
+    <a:masterClrMapping/>
+  </p:clrMapOvr>
+</p:notes>
+</file>
+
+<file path=ppt/notesSlides/notesSlide12.xml><?xml version="1.0" encoding="utf-8"?>
+<p:notes xmlns:a="http://schemas.openxmlformats.org/drawingml/2006/main" xmlns:r="http://schemas.openxmlformats.org/officeDocument/2006/relationships" xmlns:p="http://schemas.openxmlformats.org/presentationml/2006/main">
+  <p:cSld>
+    <p:spTree>
+      <p:nvGrpSpPr>
+        <p:cNvPr id="1" name=""/>
+        <p:cNvGrpSpPr/>
+        <p:nvPr/>
+      </p:nvGrpSpPr>
+      <p:grpSpPr>
+        <a:xfrm>
+          <a:off x="0" y="0"/>
+          <a:ext cx="0" cy="0"/>
+          <a:chOff x="0" y="0"/>
+          <a:chExt cx="0" cy="0"/>
+        </a:xfrm>
+      </p:grpSpPr>
+      <p:sp>
+        <p:nvSpPr>
+          <p:cNvPr id="38914" name="Rectangle 7"/>
+          <p:cNvSpPr>
+            <a:spLocks noGrp="1" noChangeArrowheads="1"/>
+          </p:cNvSpPr>
+          <p:nvPr>
+            <p:ph type="sldNum" sz="quarter" idx="5"/>
+          </p:nvPr>
+        </p:nvSpPr>
+        <p:spPr>
+          <a:noFill/>
+        </p:spPr>
+        <p:txBody>
+          <a:bodyPr/>
+          <a:lstStyle/>
+          <a:p>
+            <a:fld id="{28AF3390-8A7E-4880-B659-5568F047A0C1}" type="slidenum">
+              <a:rPr lang="en-US"/>
+              <a:pPr/>
+              <a:t>18</a:t>
             </a:fld>
             <a:endParaRPr lang="en-US"/>
           </a:p>
@@ -1030,7 +1216,7 @@
             <a:fld id="{28AF3390-8A7E-4880-B659-5568F047A0C1}" type="slidenum">
               <a:rPr lang="en-US"/>
               <a:pPr/>
-              <a:t>6</a:t>
+              <a:t>7</a:t>
             </a:fld>
             <a:endParaRPr lang="en-US"/>
           </a:p>
@@ -1122,7 +1308,7 @@
             <a:fld id="{28AF3390-8A7E-4880-B659-5568F047A0C1}" type="slidenum">
               <a:rPr lang="en-US"/>
               <a:pPr/>
-              <a:t>7</a:t>
+              <a:t>8</a:t>
             </a:fld>
             <a:endParaRPr lang="en-US"/>
           </a:p>
@@ -1214,7 +1400,7 @@
             <a:fld id="{28AF3390-8A7E-4880-B659-5568F047A0C1}" type="slidenum">
               <a:rPr lang="en-US"/>
               <a:pPr/>
-              <a:t>8</a:t>
+              <a:t>9</a:t>
             </a:fld>
             <a:endParaRPr lang="en-US"/>
           </a:p>
@@ -1306,7 +1492,7 @@
             <a:fld id="{28AF3390-8A7E-4880-B659-5568F047A0C1}" type="slidenum">
               <a:rPr lang="en-US"/>
               <a:pPr/>
-              <a:t>9</a:t>
+              <a:t>10</a:t>
             </a:fld>
             <a:endParaRPr lang="en-US"/>
           </a:p>
@@ -1674,7 +1860,7 @@
             <a:fld id="{28AF3390-8A7E-4880-B659-5568F047A0C1}" type="slidenum">
               <a:rPr lang="en-US"/>
               <a:pPr/>
-              <a:t>14</a:t>
+              <a:t>15</a:t>
             </a:fld>
             <a:endParaRPr lang="en-US"/>
           </a:p>
@@ -3061,22 +3247,7 @@
                 <a:uFillTx/>
                 <a:latin typeface="Comic Sans MS" pitchFamily="66" charset="0"/>
               </a:rPr>
-              <a:t>Albert R Meyer       March 22, </a:t>
-            </a:r>
-            <a:r>
-              <a:rPr kumimoji="0" lang="en-US" sz="1200" b="0" i="0" u="none" strike="noStrike" kern="1200" cap="none" spc="0" normalizeH="0" baseline="0" noProof="0" dirty="0" smtClean="0">
-                <a:ln>
-                  <a:noFill/>
-                </a:ln>
-                <a:solidFill>
-                  <a:schemeClr val="tx1"/>
-                </a:solidFill>
-                <a:effectLst/>
-                <a:uLnTx/>
-                <a:uFillTx/>
-                <a:latin typeface="Comic Sans MS" pitchFamily="66" charset="0"/>
-              </a:rPr>
-              <a:t>2015</a:t>
+              <a:t>Albert R Meyer       March 22, 2015</a:t>
             </a:r>
             <a:endParaRPr kumimoji="0" lang="en-US" sz="1200" b="0" i="0" u="none" strike="noStrike" kern="1200" cap="none" spc="0" normalizeH="0" baseline="0" noProof="0" dirty="0">
               <a:ln>
@@ -3967,6 +4138,1389 @@
       </p:grpSpPr>
       <p:sp>
         <p:nvSpPr>
+          <p:cNvPr id="19" name="Slide Number Placeholder 3"/>
+          <p:cNvSpPr>
+            <a:spLocks noGrp="1"/>
+          </p:cNvSpPr>
+          <p:nvPr>
+            <p:ph type="sldNum" sz="quarter" idx="4294967295"/>
+          </p:nvPr>
+        </p:nvSpPr>
+        <p:spPr>
+          <a:xfrm>
+            <a:off x="8095441" y="6583363"/>
+            <a:ext cx="1048559" cy="276999"/>
+          </a:xfrm>
+          <a:prstGeom prst="rect">
+            <a:avLst/>
+          </a:prstGeom>
+        </p:spPr>
+        <p:txBody>
+          <a:bodyPr/>
+          <a:lstStyle/>
+          <a:p>
+            <a:pPr algn="l">
+              <a:defRPr/>
+            </a:pPr>
+            <a:r>
+              <a:rPr lang="en-US" sz="1200" dirty="0" smtClean="0"/>
+              <a:t>connected.</a:t>
+            </a:r>
+            <a:fld id="{19EC3EF5-AAAB-406F-8B8B-2285D28F7116}" type="slidenum">
+              <a:rPr lang="en-US" sz="1200" smtClean="0"/>
+              <a:pPr algn="l">
+                <a:defRPr/>
+              </a:pPr>
+              <a:t>10</a:t>
+            </a:fld>
+            <a:endParaRPr lang="en-US" sz="1200" dirty="0"/>
+          </a:p>
+        </p:txBody>
+      </p:sp>
+      <p:sp>
+        <p:nvSpPr>
+          <p:cNvPr id="28" name="Rectangle 2"/>
+          <p:cNvSpPr>
+            <a:spLocks noGrp="1" noChangeArrowheads="1"/>
+          </p:cNvSpPr>
+          <p:nvPr>
+            <p:ph type="title"/>
+          </p:nvPr>
+        </p:nvSpPr>
+        <p:spPr>
+          <a:xfrm>
+            <a:off x="1524000" y="76200"/>
+            <a:ext cx="7086600" cy="990600"/>
+          </a:xfrm>
+        </p:spPr>
+        <p:txBody>
+          <a:bodyPr/>
+          <a:lstStyle/>
+          <a:p>
+            <a:pPr algn="l"/>
+            <a:r>
+              <a:rPr lang="en-US" sz="4800" dirty="0" smtClean="0"/>
+              <a:t>Lemma 11.11.11</a:t>
+            </a:r>
+            <a:endParaRPr lang="en-US" sz="4800" dirty="0"/>
+          </a:p>
+        </p:txBody>
+      </p:sp>
+      <p:sp>
+        <p:nvSpPr>
+          <p:cNvPr id="23" name="TextBox 22"/>
+          <p:cNvSpPr txBox="1"/>
+          <p:nvPr/>
+        </p:nvSpPr>
+        <p:spPr>
+          <a:xfrm>
+            <a:off x="381000" y="1548348"/>
+            <a:ext cx="8382000" cy="1015663"/>
+          </a:xfrm>
+          <a:prstGeom prst="rect">
+            <a:avLst/>
+          </a:prstGeom>
+          <a:noFill/>
+        </p:spPr>
+        <p:txBody>
+          <a:bodyPr wrap="square" rtlCol="0">
+            <a:spAutoFit/>
+          </a:bodyPr>
+          <a:lstStyle/>
+          <a:p>
+            <a:r>
+              <a:rPr lang="en-US" sz="6000" dirty="0" smtClean="0">
+                <a:solidFill>
+                  <a:schemeClr val="tx2"/>
+                </a:solidFill>
+                <a:latin typeface="Comic Sans MS"/>
+                <a:cs typeface="Comic Sans MS"/>
+              </a:rPr>
+              <a:t>If </a:t>
+            </a:r>
+            <a:r>
+              <a:rPr lang="en-US" sz="6000" dirty="0" smtClean="0">
+                <a:solidFill>
+                  <a:schemeClr val="accent5">
+                    <a:lumMod val="50000"/>
+                  </a:schemeClr>
+                </a:solidFill>
+                <a:latin typeface="Comic Sans MS"/>
+                <a:cs typeface="Comic Sans MS"/>
+              </a:rPr>
+              <a:t>F</a:t>
+            </a:r>
+            <a:r>
+              <a:rPr lang="en-US" sz="6000" dirty="0" smtClean="0">
+                <a:solidFill>
+                  <a:schemeClr val="tx2"/>
+                </a:solidFill>
+                <a:latin typeface="Comic Sans MS"/>
+                <a:cs typeface="Comic Sans MS"/>
+              </a:rPr>
+              <a:t> </a:t>
+            </a:r>
+            <a:r>
+              <a:rPr lang="en-US" sz="6000" dirty="0" smtClean="0">
+                <a:solidFill>
+                  <a:schemeClr val="tx2"/>
+                </a:solidFill>
+                <a:latin typeface="Comic Sans MS"/>
+                <a:cs typeface="Comic Sans MS"/>
+              </a:rPr>
+              <a:t>is a pre-MST</a:t>
+            </a:r>
+            <a:endParaRPr lang="en-US" sz="6000" dirty="0" smtClean="0">
+              <a:latin typeface="Comic Sans MS"/>
+              <a:cs typeface="Comic Sans MS"/>
+            </a:endParaRPr>
+          </a:p>
+        </p:txBody>
+      </p:sp>
+    </p:spTree>
+    <p:extLst>
+      <p:ext uri="{BB962C8B-B14F-4D97-AF65-F5344CB8AC3E}">
+        <p14:creationId xmlns:p14="http://schemas.microsoft.com/office/powerpoint/2010/main" val="3336113834"/>
+      </p:ext>
+    </p:extLst>
+  </p:cSld>
+  <p:clrMapOvr>
+    <a:masterClrMapping/>
+  </p:clrMapOvr>
+  <mc:AlternateContent xmlns:mc="http://schemas.openxmlformats.org/markup-compatibility/2006" xmlns:p14="http://schemas.microsoft.com/office/powerpoint/2010/main">
+    <mc:Choice Requires="p14">
+      <p:transition spd="slow" p14:dur="900" advClick="0">
+        <p:fade/>
+      </p:transition>
+    </mc:Choice>
+    <mc:Fallback xmlns="">
+      <p:transition xmlns:p14="http://schemas.microsoft.com/office/powerpoint/2010/main" spd="slow" advClick="0">
+        <p:fade/>
+      </p:transition>
+    </mc:Fallback>
+  </mc:AlternateContent>
+  <p:timing>
+    <p:tnLst>
+      <p:par>
+        <p:cTn xmlns:p14="http://schemas.microsoft.com/office/powerpoint/2010/main" id="1" dur="indefinite" restart="never" nodeType="tmRoot">
+          <p:childTnLst>
+            <p:seq concurrent="1" nextAc="seek">
+              <p:cTn id="2" dur="indefinite" nodeType="mainSeq">
+                <p:childTnLst>
+                  <p:par>
+                    <p:cTn id="3" fill="hold">
+                      <p:stCondLst>
+                        <p:cond delay="indefinite"/>
+                      </p:stCondLst>
+                      <p:childTnLst>
+                        <p:par>
+                          <p:cTn id="4" fill="hold">
+                            <p:stCondLst>
+                              <p:cond delay="0"/>
+                            </p:stCondLst>
+                            <p:childTnLst>
+                              <p:par>
+                                <p:cTn id="5" presetID="9" presetClass="entr" presetSubtype="0" fill="hold" grpId="0" nodeType="clickEffect">
+                                  <p:stCondLst>
+                                    <p:cond delay="0"/>
+                                  </p:stCondLst>
+                                  <p:childTnLst>
+                                    <p:set>
+                                      <p:cBhvr>
+                                        <p:cTn id="6" dur="1" fill="hold">
+                                          <p:stCondLst>
+                                            <p:cond delay="0"/>
+                                          </p:stCondLst>
+                                        </p:cTn>
+                                        <p:tgtEl>
+                                          <p:spTgt spid="23">
+                                            <p:txEl>
+                                              <p:pRg st="0" end="0"/>
+                                            </p:txEl>
+                                          </p:spTgt>
+                                        </p:tgtEl>
+                                        <p:attrNameLst>
+                                          <p:attrName>style.visibility</p:attrName>
+                                        </p:attrNameLst>
+                                      </p:cBhvr>
+                                      <p:to>
+                                        <p:strVal val="visible"/>
+                                      </p:to>
+                                    </p:set>
+                                    <p:animEffect transition="in" filter="dissolve">
+                                      <p:cBhvr>
+                                        <p:cTn id="7" dur="500"/>
+                                        <p:tgtEl>
+                                          <p:spTgt spid="23">
+                                            <p:txEl>
+                                              <p:pRg st="0" end="0"/>
+                                            </p:txEl>
+                                          </p:spTgt>
+                                        </p:tgtEl>
+                                      </p:cBhvr>
+                                    </p:animEffect>
+                                  </p:childTnLst>
+                                </p:cTn>
+                              </p:par>
+                            </p:childTnLst>
+                          </p:cTn>
+                        </p:par>
+                      </p:childTnLst>
+                    </p:cTn>
+                  </p:par>
+                </p:childTnLst>
+              </p:cTn>
+              <p:prevCondLst>
+                <p:cond evt="onPrev" delay="0">
+                  <p:tgtEl>
+                    <p:sldTgt/>
+                  </p:tgtEl>
+                </p:cond>
+              </p:prevCondLst>
+              <p:nextCondLst>
+                <p:cond evt="onNext" delay="0">
+                  <p:tgtEl>
+                    <p:sldTgt/>
+                  </p:tgtEl>
+                </p:cond>
+              </p:nextCondLst>
+            </p:seq>
+          </p:childTnLst>
+        </p:cTn>
+      </p:par>
+    </p:tnLst>
+    <p:bldLst>
+      <p:bldP spid="23" grpId="0" build="p"/>
+    </p:bldLst>
+  </p:timing>
+</p:sld>
+</file>
+
+<file path=ppt/slides/slide11.xml><?xml version="1.0" encoding="utf-8"?>
+<p:sld xmlns:a="http://schemas.openxmlformats.org/drawingml/2006/main" xmlns:r="http://schemas.openxmlformats.org/officeDocument/2006/relationships" xmlns:p="http://schemas.openxmlformats.org/presentationml/2006/main">
+  <p:cSld>
+    <p:spTree>
+      <p:nvGrpSpPr>
+        <p:cNvPr id="1" name=""/>
+        <p:cNvGrpSpPr/>
+        <p:nvPr/>
+      </p:nvGrpSpPr>
+      <p:grpSpPr>
+        <a:xfrm>
+          <a:off x="0" y="0"/>
+          <a:ext cx="0" cy="0"/>
+          <a:chOff x="0" y="0"/>
+          <a:chExt cx="0" cy="0"/>
+        </a:xfrm>
+      </p:grpSpPr>
+      <p:sp>
+        <p:nvSpPr>
+          <p:cNvPr id="19" name="Slide Number Placeholder 3"/>
+          <p:cNvSpPr>
+            <a:spLocks noGrp="1"/>
+          </p:cNvSpPr>
+          <p:nvPr>
+            <p:ph type="sldNum" sz="quarter" idx="4294967295"/>
+          </p:nvPr>
+        </p:nvSpPr>
+        <p:spPr>
+          <a:xfrm>
+            <a:off x="8095441" y="6583363"/>
+            <a:ext cx="1048559" cy="276999"/>
+          </a:xfrm>
+          <a:prstGeom prst="rect">
+            <a:avLst/>
+          </a:prstGeom>
+        </p:spPr>
+        <p:txBody>
+          <a:bodyPr/>
+          <a:lstStyle/>
+          <a:p>
+            <a:pPr algn="l">
+              <a:defRPr/>
+            </a:pPr>
+            <a:r>
+              <a:rPr lang="en-US" sz="1200" dirty="0" smtClean="0"/>
+              <a:t>connected.</a:t>
+            </a:r>
+            <a:fld id="{19EC3EF5-AAAB-406F-8B8B-2285D28F7116}" type="slidenum">
+              <a:rPr lang="en-US" sz="1200" smtClean="0"/>
+              <a:pPr algn="l">
+                <a:defRPr/>
+              </a:pPr>
+              <a:t>11</a:t>
+            </a:fld>
+            <a:endParaRPr lang="en-US" sz="1200" dirty="0"/>
+          </a:p>
+        </p:txBody>
+      </p:sp>
+      <p:sp>
+        <p:nvSpPr>
+          <p:cNvPr id="28" name="Rectangle 2"/>
+          <p:cNvSpPr>
+            <a:spLocks noGrp="1" noChangeArrowheads="1"/>
+          </p:cNvSpPr>
+          <p:nvPr>
+            <p:ph type="title"/>
+          </p:nvPr>
+        </p:nvSpPr>
+        <p:spPr>
+          <a:xfrm>
+            <a:off x="1524000" y="76200"/>
+            <a:ext cx="7086600" cy="990600"/>
+          </a:xfrm>
+        </p:spPr>
+        <p:txBody>
+          <a:bodyPr/>
+          <a:lstStyle/>
+          <a:p>
+            <a:pPr algn="l"/>
+            <a:r>
+              <a:rPr lang="en-US" sz="4800" dirty="0" smtClean="0"/>
+              <a:t>Lemma 11.11.11</a:t>
+            </a:r>
+            <a:endParaRPr lang="en-US" sz="4800" dirty="0"/>
+          </a:p>
+        </p:txBody>
+      </p:sp>
+      <p:sp>
+        <p:nvSpPr>
+          <p:cNvPr id="23" name="TextBox 22"/>
+          <p:cNvSpPr txBox="1"/>
+          <p:nvPr/>
+        </p:nvSpPr>
+        <p:spPr>
+          <a:xfrm>
+            <a:off x="381000" y="1548348"/>
+            <a:ext cx="8382000" cy="2862322"/>
+          </a:xfrm>
+          <a:prstGeom prst="rect">
+            <a:avLst/>
+          </a:prstGeom>
+          <a:noFill/>
+        </p:spPr>
+        <p:txBody>
+          <a:bodyPr wrap="square" rtlCol="0">
+            <a:spAutoFit/>
+          </a:bodyPr>
+          <a:lstStyle/>
+          <a:p>
+            <a:r>
+              <a:rPr lang="en-US" sz="6000" dirty="0" smtClean="0">
+                <a:solidFill>
+                  <a:schemeClr val="tx2"/>
+                </a:solidFill>
+                <a:latin typeface="Comic Sans MS"/>
+                <a:cs typeface="Comic Sans MS"/>
+              </a:rPr>
+              <a:t>If </a:t>
+            </a:r>
+            <a:r>
+              <a:rPr lang="en-US" sz="6000" dirty="0" smtClean="0">
+                <a:solidFill>
+                  <a:schemeClr val="accent5">
+                    <a:lumMod val="50000"/>
+                  </a:schemeClr>
+                </a:solidFill>
+                <a:latin typeface="Comic Sans MS"/>
+                <a:cs typeface="Comic Sans MS"/>
+              </a:rPr>
+              <a:t>F</a:t>
+            </a:r>
+            <a:r>
+              <a:rPr lang="en-US" sz="6000" dirty="0" smtClean="0">
+                <a:solidFill>
+                  <a:schemeClr val="tx2"/>
+                </a:solidFill>
+                <a:latin typeface="Comic Sans MS"/>
+                <a:cs typeface="Comic Sans MS"/>
+              </a:rPr>
+              <a:t> </a:t>
+            </a:r>
+            <a:r>
+              <a:rPr lang="en-US" sz="6000" dirty="0" smtClean="0">
+                <a:solidFill>
+                  <a:schemeClr val="tx2"/>
+                </a:solidFill>
+                <a:latin typeface="Comic Sans MS"/>
+                <a:cs typeface="Comic Sans MS"/>
+              </a:rPr>
+              <a:t>is a pre-MST and </a:t>
+            </a:r>
+            <a:r>
+              <a:rPr lang="en-US" sz="6000" dirty="0" smtClean="0">
+                <a:solidFill>
+                  <a:schemeClr val="accent5">
+                    <a:lumMod val="50000"/>
+                  </a:schemeClr>
+                </a:solidFill>
+                <a:latin typeface="Comic Sans MS"/>
+                <a:cs typeface="Comic Sans MS"/>
+              </a:rPr>
+              <a:t>e</a:t>
+            </a:r>
+            <a:r>
+              <a:rPr lang="en-US" sz="6000" dirty="0" smtClean="0">
+                <a:solidFill>
+                  <a:schemeClr val="tx2"/>
+                </a:solidFill>
+                <a:latin typeface="Comic Sans MS"/>
+                <a:cs typeface="Comic Sans MS"/>
+              </a:rPr>
+              <a:t> is an extending edge for </a:t>
+            </a:r>
+            <a:r>
+              <a:rPr lang="en-US" sz="6000" dirty="0" smtClean="0">
+                <a:solidFill>
+                  <a:srgbClr val="0000F1"/>
+                </a:solidFill>
+                <a:latin typeface="Comic Sans MS"/>
+                <a:cs typeface="Comic Sans MS"/>
+              </a:rPr>
+              <a:t>F</a:t>
+            </a:r>
+            <a:endParaRPr lang="en-US" sz="6000" dirty="0" smtClean="0">
+              <a:latin typeface="Comic Sans MS"/>
+              <a:cs typeface="Comic Sans MS"/>
+            </a:endParaRPr>
+          </a:p>
+        </p:txBody>
+      </p:sp>
+    </p:spTree>
+    <p:extLst>
+      <p:ext uri="{BB962C8B-B14F-4D97-AF65-F5344CB8AC3E}">
+        <p14:creationId xmlns:p14="http://schemas.microsoft.com/office/powerpoint/2010/main" val="927739457"/>
+      </p:ext>
+    </p:extLst>
+  </p:cSld>
+  <p:clrMapOvr>
+    <a:masterClrMapping/>
+  </p:clrMapOvr>
+  <mc:AlternateContent xmlns:mc="http://schemas.openxmlformats.org/markup-compatibility/2006" xmlns:p14="http://schemas.microsoft.com/office/powerpoint/2010/main">
+    <mc:Choice Requires="p14">
+      <p:transition spd="slow" p14:dur="900" advClick="0">
+        <p:fade/>
+      </p:transition>
+    </mc:Choice>
+    <mc:Fallback xmlns="">
+      <p:transition xmlns:p14="http://schemas.microsoft.com/office/powerpoint/2010/main" spd="slow" advClick="0">
+        <p:fade/>
+      </p:transition>
+    </mc:Fallback>
+  </mc:AlternateContent>
+  <p:timing>
+    <p:tnLst>
+      <p:par>
+        <p:cTn xmlns:p14="http://schemas.microsoft.com/office/powerpoint/2010/main" id="1" dur="indefinite" restart="never" nodeType="tmRoot">
+          <p:childTnLst>
+            <p:seq concurrent="1" nextAc="seek">
+              <p:cTn id="2" dur="indefinite" nodeType="mainSeq">
+                <p:childTnLst>
+                  <p:par>
+                    <p:cTn id="3" fill="hold">
+                      <p:stCondLst>
+                        <p:cond delay="indefinite"/>
+                      </p:stCondLst>
+                      <p:childTnLst>
+                        <p:par>
+                          <p:cTn id="4" fill="hold">
+                            <p:stCondLst>
+                              <p:cond delay="0"/>
+                            </p:stCondLst>
+                            <p:childTnLst>
+                              <p:par>
+                                <p:cTn id="5" presetID="9" presetClass="entr" presetSubtype="0" fill="hold" grpId="0" nodeType="clickEffect">
+                                  <p:stCondLst>
+                                    <p:cond delay="0"/>
+                                  </p:stCondLst>
+                                  <p:childTnLst>
+                                    <p:set>
+                                      <p:cBhvr>
+                                        <p:cTn id="6" dur="1" fill="hold">
+                                          <p:stCondLst>
+                                            <p:cond delay="0"/>
+                                          </p:stCondLst>
+                                        </p:cTn>
+                                        <p:tgtEl>
+                                          <p:spTgt spid="23">
+                                            <p:txEl>
+                                              <p:pRg st="0" end="0"/>
+                                            </p:txEl>
+                                          </p:spTgt>
+                                        </p:tgtEl>
+                                        <p:attrNameLst>
+                                          <p:attrName>style.visibility</p:attrName>
+                                        </p:attrNameLst>
+                                      </p:cBhvr>
+                                      <p:to>
+                                        <p:strVal val="visible"/>
+                                      </p:to>
+                                    </p:set>
+                                    <p:animEffect transition="in" filter="dissolve">
+                                      <p:cBhvr>
+                                        <p:cTn id="7" dur="500"/>
+                                        <p:tgtEl>
+                                          <p:spTgt spid="23">
+                                            <p:txEl>
+                                              <p:pRg st="0" end="0"/>
+                                            </p:txEl>
+                                          </p:spTgt>
+                                        </p:tgtEl>
+                                      </p:cBhvr>
+                                    </p:animEffect>
+                                  </p:childTnLst>
+                                </p:cTn>
+                              </p:par>
+                            </p:childTnLst>
+                          </p:cTn>
+                        </p:par>
+                      </p:childTnLst>
+                    </p:cTn>
+                  </p:par>
+                </p:childTnLst>
+              </p:cTn>
+              <p:prevCondLst>
+                <p:cond evt="onPrev" delay="0">
+                  <p:tgtEl>
+                    <p:sldTgt/>
+                  </p:tgtEl>
+                </p:cond>
+              </p:prevCondLst>
+              <p:nextCondLst>
+                <p:cond evt="onNext" delay="0">
+                  <p:tgtEl>
+                    <p:sldTgt/>
+                  </p:tgtEl>
+                </p:cond>
+              </p:nextCondLst>
+            </p:seq>
+          </p:childTnLst>
+        </p:cTn>
+      </p:par>
+    </p:tnLst>
+    <p:bldLst>
+      <p:bldP spid="23" grpId="0" build="p"/>
+    </p:bldLst>
+  </p:timing>
+</p:sld>
+</file>
+
+<file path=ppt/slides/slide12.xml><?xml version="1.0" encoding="utf-8"?>
+<p:sld xmlns:a="http://schemas.openxmlformats.org/drawingml/2006/main" xmlns:r="http://schemas.openxmlformats.org/officeDocument/2006/relationships" xmlns:p="http://schemas.openxmlformats.org/presentationml/2006/main">
+  <p:cSld>
+    <p:spTree>
+      <p:nvGrpSpPr>
+        <p:cNvPr id="1" name=""/>
+        <p:cNvGrpSpPr/>
+        <p:nvPr/>
+      </p:nvGrpSpPr>
+      <p:grpSpPr>
+        <a:xfrm>
+          <a:off x="0" y="0"/>
+          <a:ext cx="0" cy="0"/>
+          <a:chOff x="0" y="0"/>
+          <a:chExt cx="0" cy="0"/>
+        </a:xfrm>
+      </p:grpSpPr>
+      <p:sp>
+        <p:nvSpPr>
+          <p:cNvPr id="19" name="Slide Number Placeholder 3"/>
+          <p:cNvSpPr>
+            <a:spLocks noGrp="1"/>
+          </p:cNvSpPr>
+          <p:nvPr>
+            <p:ph type="sldNum" sz="quarter" idx="4294967295"/>
+          </p:nvPr>
+        </p:nvSpPr>
+        <p:spPr>
+          <a:xfrm>
+            <a:off x="8095441" y="6583363"/>
+            <a:ext cx="1048559" cy="276999"/>
+          </a:xfrm>
+          <a:prstGeom prst="rect">
+            <a:avLst/>
+          </a:prstGeom>
+        </p:spPr>
+        <p:txBody>
+          <a:bodyPr/>
+          <a:lstStyle/>
+          <a:p>
+            <a:pPr algn="l">
+              <a:defRPr/>
+            </a:pPr>
+            <a:r>
+              <a:rPr lang="en-US" sz="1200" dirty="0" smtClean="0"/>
+              <a:t>connected.</a:t>
+            </a:r>
+            <a:fld id="{19EC3EF5-AAAB-406F-8B8B-2285D28F7116}" type="slidenum">
+              <a:rPr lang="en-US" sz="1200" smtClean="0"/>
+              <a:pPr algn="l">
+                <a:defRPr/>
+              </a:pPr>
+              <a:t>12</a:t>
+            </a:fld>
+            <a:endParaRPr lang="en-US" sz="1200" dirty="0"/>
+          </a:p>
+        </p:txBody>
+      </p:sp>
+      <p:sp>
+        <p:nvSpPr>
+          <p:cNvPr id="28" name="Rectangle 2"/>
+          <p:cNvSpPr>
+            <a:spLocks noGrp="1" noChangeArrowheads="1"/>
+          </p:cNvSpPr>
+          <p:nvPr>
+            <p:ph type="title"/>
+          </p:nvPr>
+        </p:nvSpPr>
+        <p:spPr>
+          <a:xfrm>
+            <a:off x="1524000" y="76200"/>
+            <a:ext cx="7086600" cy="990600"/>
+          </a:xfrm>
+        </p:spPr>
+        <p:txBody>
+          <a:bodyPr/>
+          <a:lstStyle/>
+          <a:p>
+            <a:pPr algn="l"/>
+            <a:r>
+              <a:rPr lang="en-US" sz="4800" dirty="0" smtClean="0"/>
+              <a:t>Lemma 11.11.11</a:t>
+            </a:r>
+            <a:endParaRPr lang="en-US" sz="4800" dirty="0"/>
+          </a:p>
+        </p:txBody>
+      </p:sp>
+      <p:sp>
+        <p:nvSpPr>
+          <p:cNvPr id="23" name="TextBox 22"/>
+          <p:cNvSpPr txBox="1"/>
+          <p:nvPr/>
+        </p:nvSpPr>
+        <p:spPr>
+          <a:xfrm>
+            <a:off x="381000" y="1548348"/>
+            <a:ext cx="8382000" cy="3785652"/>
+          </a:xfrm>
+          <a:prstGeom prst="rect">
+            <a:avLst/>
+          </a:prstGeom>
+          <a:noFill/>
+        </p:spPr>
+        <p:txBody>
+          <a:bodyPr wrap="square" rtlCol="0">
+            <a:spAutoFit/>
+          </a:bodyPr>
+          <a:lstStyle/>
+          <a:p>
+            <a:r>
+              <a:rPr lang="en-US" sz="6000" dirty="0" smtClean="0">
+                <a:solidFill>
+                  <a:schemeClr val="tx2"/>
+                </a:solidFill>
+                <a:latin typeface="Comic Sans MS"/>
+                <a:cs typeface="Comic Sans MS"/>
+              </a:rPr>
+              <a:t>If </a:t>
+            </a:r>
+            <a:r>
+              <a:rPr lang="en-US" sz="6000" dirty="0" smtClean="0">
+                <a:solidFill>
+                  <a:schemeClr val="accent5">
+                    <a:lumMod val="50000"/>
+                  </a:schemeClr>
+                </a:solidFill>
+                <a:latin typeface="Comic Sans MS"/>
+                <a:cs typeface="Comic Sans MS"/>
+              </a:rPr>
+              <a:t>F</a:t>
+            </a:r>
+            <a:r>
+              <a:rPr lang="en-US" sz="6000" dirty="0" smtClean="0">
+                <a:solidFill>
+                  <a:schemeClr val="tx2"/>
+                </a:solidFill>
+                <a:latin typeface="Comic Sans MS"/>
+                <a:cs typeface="Comic Sans MS"/>
+              </a:rPr>
+              <a:t> </a:t>
+            </a:r>
+            <a:r>
+              <a:rPr lang="en-US" sz="6000" dirty="0" smtClean="0">
+                <a:solidFill>
+                  <a:schemeClr val="tx2"/>
+                </a:solidFill>
+                <a:latin typeface="Comic Sans MS"/>
+                <a:cs typeface="Comic Sans MS"/>
+              </a:rPr>
+              <a:t>is a pre-MST and </a:t>
+            </a:r>
+            <a:r>
+              <a:rPr lang="en-US" sz="6000" dirty="0" smtClean="0">
+                <a:solidFill>
+                  <a:schemeClr val="accent5">
+                    <a:lumMod val="50000"/>
+                  </a:schemeClr>
+                </a:solidFill>
+                <a:latin typeface="Comic Sans MS"/>
+                <a:cs typeface="Comic Sans MS"/>
+              </a:rPr>
+              <a:t>e</a:t>
+            </a:r>
+            <a:r>
+              <a:rPr lang="en-US" sz="6000" dirty="0" smtClean="0">
+                <a:solidFill>
+                  <a:schemeClr val="tx2"/>
+                </a:solidFill>
+                <a:latin typeface="Comic Sans MS"/>
+                <a:cs typeface="Comic Sans MS"/>
+              </a:rPr>
+              <a:t> is an extending edge for </a:t>
+            </a:r>
+            <a:r>
+              <a:rPr lang="en-US" sz="6000" dirty="0" smtClean="0">
+                <a:solidFill>
+                  <a:srgbClr val="0000F1"/>
+                </a:solidFill>
+                <a:latin typeface="Comic Sans MS"/>
+                <a:cs typeface="Comic Sans MS"/>
+              </a:rPr>
+              <a:t>F</a:t>
+            </a:r>
+            <a:r>
+              <a:rPr lang="en-US" sz="6000" dirty="0" smtClean="0">
+                <a:solidFill>
+                  <a:schemeClr val="tx2"/>
+                </a:solidFill>
+                <a:latin typeface="Comic Sans MS"/>
+                <a:cs typeface="Comic Sans MS"/>
+              </a:rPr>
+              <a:t>, then </a:t>
+            </a:r>
+            <a:r>
+              <a:rPr lang="en-US" sz="6000" dirty="0" smtClean="0">
+                <a:solidFill>
+                  <a:srgbClr val="0000F1"/>
+                </a:solidFill>
+                <a:latin typeface="Comic Sans MS"/>
+                <a:cs typeface="Comic Sans MS"/>
+              </a:rPr>
+              <a:t>F + e</a:t>
+            </a:r>
+          </a:p>
+          <a:p>
+            <a:r>
+              <a:rPr lang="en-US" sz="6000" dirty="0" smtClean="0">
+                <a:latin typeface="Comic Sans MS"/>
+                <a:cs typeface="Comic Sans MS"/>
+              </a:rPr>
+              <a:t>is a pre-MST</a:t>
+            </a:r>
+            <a:endParaRPr lang="en-US" sz="6000" dirty="0" smtClean="0">
+              <a:latin typeface="Comic Sans MS"/>
+              <a:cs typeface="Comic Sans MS"/>
+            </a:endParaRPr>
+          </a:p>
+        </p:txBody>
+      </p:sp>
+    </p:spTree>
+    <p:extLst>
+      <p:ext uri="{BB962C8B-B14F-4D97-AF65-F5344CB8AC3E}">
+        <p14:creationId xmlns:p14="http://schemas.microsoft.com/office/powerpoint/2010/main" val="4162088455"/>
+      </p:ext>
+    </p:extLst>
+  </p:cSld>
+  <p:clrMapOvr>
+    <a:masterClrMapping/>
+  </p:clrMapOvr>
+  <mc:AlternateContent xmlns:mc="http://schemas.openxmlformats.org/markup-compatibility/2006" xmlns:p14="http://schemas.microsoft.com/office/powerpoint/2010/main">
+    <mc:Choice Requires="p14">
+      <p:transition spd="slow" p14:dur="900" advClick="0">
+        <p:fade/>
+      </p:transition>
+    </mc:Choice>
+    <mc:Fallback xmlns="">
+      <p:transition xmlns:p14="http://schemas.microsoft.com/office/powerpoint/2010/main" spd="slow" advClick="0">
+        <p:fade/>
+      </p:transition>
+    </mc:Fallback>
+  </mc:AlternateContent>
+  <p:timing>
+    <p:tnLst>
+      <p:par>
+        <p:cTn xmlns:p14="http://schemas.microsoft.com/office/powerpoint/2010/main" id="1" dur="indefinite" restart="never" nodeType="tmRoot">
+          <p:childTnLst>
+            <p:seq concurrent="1" nextAc="seek">
+              <p:cTn id="2" dur="indefinite" nodeType="mainSeq">
+                <p:childTnLst>
+                  <p:par>
+                    <p:cTn id="3" fill="hold">
+                      <p:stCondLst>
+                        <p:cond delay="indefinite"/>
+                      </p:stCondLst>
+                      <p:childTnLst>
+                        <p:par>
+                          <p:cTn id="4" fill="hold">
+                            <p:stCondLst>
+                              <p:cond delay="0"/>
+                            </p:stCondLst>
+                            <p:childTnLst>
+                              <p:par>
+                                <p:cTn id="5" presetID="9" presetClass="entr" presetSubtype="0" fill="hold" grpId="0" nodeType="clickEffect">
+                                  <p:stCondLst>
+                                    <p:cond delay="0"/>
+                                  </p:stCondLst>
+                                  <p:childTnLst>
+                                    <p:set>
+                                      <p:cBhvr>
+                                        <p:cTn id="6" dur="1" fill="hold">
+                                          <p:stCondLst>
+                                            <p:cond delay="0"/>
+                                          </p:stCondLst>
+                                        </p:cTn>
+                                        <p:tgtEl>
+                                          <p:spTgt spid="23">
+                                            <p:txEl>
+                                              <p:pRg st="0" end="0"/>
+                                            </p:txEl>
+                                          </p:spTgt>
+                                        </p:tgtEl>
+                                        <p:attrNameLst>
+                                          <p:attrName>style.visibility</p:attrName>
+                                        </p:attrNameLst>
+                                      </p:cBhvr>
+                                      <p:to>
+                                        <p:strVal val="visible"/>
+                                      </p:to>
+                                    </p:set>
+                                    <p:animEffect transition="in" filter="dissolve">
+                                      <p:cBhvr>
+                                        <p:cTn id="7" dur="500"/>
+                                        <p:tgtEl>
+                                          <p:spTgt spid="23">
+                                            <p:txEl>
+                                              <p:pRg st="0" end="0"/>
+                                            </p:txEl>
+                                          </p:spTgt>
+                                        </p:tgtEl>
+                                      </p:cBhvr>
+                                    </p:animEffect>
+                                  </p:childTnLst>
+                                </p:cTn>
+                              </p:par>
+                            </p:childTnLst>
+                          </p:cTn>
+                        </p:par>
+                      </p:childTnLst>
+                    </p:cTn>
+                  </p:par>
+                  <p:par>
+                    <p:cTn id="8" fill="hold">
+                      <p:stCondLst>
+                        <p:cond delay="indefinite"/>
+                      </p:stCondLst>
+                      <p:childTnLst>
+                        <p:par>
+                          <p:cTn id="9" fill="hold">
+                            <p:stCondLst>
+                              <p:cond delay="0"/>
+                            </p:stCondLst>
+                            <p:childTnLst>
+                              <p:par>
+                                <p:cTn id="10" presetID="9" presetClass="entr" presetSubtype="0" fill="hold" grpId="0" nodeType="clickEffect">
+                                  <p:stCondLst>
+                                    <p:cond delay="0"/>
+                                  </p:stCondLst>
+                                  <p:childTnLst>
+                                    <p:set>
+                                      <p:cBhvr>
+                                        <p:cTn id="11" dur="1" fill="hold">
+                                          <p:stCondLst>
+                                            <p:cond delay="0"/>
+                                          </p:stCondLst>
+                                        </p:cTn>
+                                        <p:tgtEl>
+                                          <p:spTgt spid="23">
+                                            <p:txEl>
+                                              <p:pRg st="1" end="1"/>
+                                            </p:txEl>
+                                          </p:spTgt>
+                                        </p:tgtEl>
+                                        <p:attrNameLst>
+                                          <p:attrName>style.visibility</p:attrName>
+                                        </p:attrNameLst>
+                                      </p:cBhvr>
+                                      <p:to>
+                                        <p:strVal val="visible"/>
+                                      </p:to>
+                                    </p:set>
+                                    <p:animEffect transition="in" filter="dissolve">
+                                      <p:cBhvr>
+                                        <p:cTn id="12" dur="500"/>
+                                        <p:tgtEl>
+                                          <p:spTgt spid="23">
+                                            <p:txEl>
+                                              <p:pRg st="1" end="1"/>
+                                            </p:txEl>
+                                          </p:spTgt>
+                                        </p:tgtEl>
+                                      </p:cBhvr>
+                                    </p:animEffect>
+                                  </p:childTnLst>
+                                </p:cTn>
+                              </p:par>
+                            </p:childTnLst>
+                          </p:cTn>
+                        </p:par>
+                      </p:childTnLst>
+                    </p:cTn>
+                  </p:par>
+                </p:childTnLst>
+              </p:cTn>
+              <p:prevCondLst>
+                <p:cond evt="onPrev" delay="0">
+                  <p:tgtEl>
+                    <p:sldTgt/>
+                  </p:tgtEl>
+                </p:cond>
+              </p:prevCondLst>
+              <p:nextCondLst>
+                <p:cond evt="onNext" delay="0">
+                  <p:tgtEl>
+                    <p:sldTgt/>
+                  </p:tgtEl>
+                </p:cond>
+              </p:nextCondLst>
+            </p:seq>
+          </p:childTnLst>
+        </p:cTn>
+      </p:par>
+    </p:tnLst>
+    <p:bldLst>
+      <p:bldP spid="23" grpId="0" build="p"/>
+    </p:bldLst>
+  </p:timing>
+</p:sld>
+</file>
+
+<file path=ppt/slides/slide13.xml><?xml version="1.0" encoding="utf-8"?>
+<p:sld xmlns:a="http://schemas.openxmlformats.org/drawingml/2006/main" xmlns:r="http://schemas.openxmlformats.org/officeDocument/2006/relationships" xmlns:p="http://schemas.openxmlformats.org/presentationml/2006/main">
+  <p:cSld>
+    <p:spTree>
+      <p:nvGrpSpPr>
+        <p:cNvPr id="1" name=""/>
+        <p:cNvGrpSpPr/>
+        <p:nvPr/>
+      </p:nvGrpSpPr>
+      <p:grpSpPr>
+        <a:xfrm>
+          <a:off x="0" y="0"/>
+          <a:ext cx="0" cy="0"/>
+          <a:chOff x="0" y="0"/>
+          <a:chExt cx="0" cy="0"/>
+        </a:xfrm>
+      </p:grpSpPr>
+      <p:sp>
+        <p:nvSpPr>
+          <p:cNvPr id="19" name="Slide Number Placeholder 3"/>
+          <p:cNvSpPr>
+            <a:spLocks noGrp="1"/>
+          </p:cNvSpPr>
+          <p:nvPr>
+            <p:ph type="sldNum" sz="quarter" idx="4294967295"/>
+          </p:nvPr>
+        </p:nvSpPr>
+        <p:spPr>
+          <a:xfrm>
+            <a:off x="8095441" y="6583363"/>
+            <a:ext cx="1048559" cy="276999"/>
+          </a:xfrm>
+          <a:prstGeom prst="rect">
+            <a:avLst/>
+          </a:prstGeom>
+        </p:spPr>
+        <p:txBody>
+          <a:bodyPr/>
+          <a:lstStyle/>
+          <a:p>
+            <a:pPr>
+              <a:defRPr/>
+            </a:pPr>
+            <a:r>
+              <a:rPr lang="en-US" sz="1200" dirty="0" smtClean="0"/>
+              <a:t>connected.</a:t>
+            </a:r>
+            <a:fld id="{19EC3EF5-AAAB-406F-8B8B-2285D28F7116}" type="slidenum">
+              <a:rPr lang="en-US" sz="1200" smtClean="0"/>
+              <a:pPr>
+                <a:defRPr/>
+              </a:pPr>
+              <a:t>13</a:t>
+            </a:fld>
+            <a:endParaRPr lang="en-US" sz="1200" dirty="0"/>
+          </a:p>
+        </p:txBody>
+      </p:sp>
+      <p:sp>
+        <p:nvSpPr>
+          <p:cNvPr id="28" name="Rectangle 2"/>
+          <p:cNvSpPr>
+            <a:spLocks noGrp="1" noChangeArrowheads="1"/>
+          </p:cNvSpPr>
+          <p:nvPr>
+            <p:ph type="title"/>
+          </p:nvPr>
+        </p:nvSpPr>
+        <p:spPr>
+          <a:xfrm>
+            <a:off x="1524000" y="76200"/>
+            <a:ext cx="7086600" cy="990600"/>
+          </a:xfrm>
+        </p:spPr>
+        <p:txBody>
+          <a:bodyPr/>
+          <a:lstStyle/>
+          <a:p>
+            <a:r>
+              <a:rPr lang="en-US" sz="4800" dirty="0" smtClean="0"/>
+              <a:t>Proof</a:t>
+            </a:r>
+            <a:endParaRPr lang="en-US" sz="4000" dirty="0"/>
+          </a:p>
+        </p:txBody>
+      </p:sp>
+      <p:sp>
+        <p:nvSpPr>
+          <p:cNvPr id="23" name="TextBox 22"/>
+          <p:cNvSpPr txBox="1"/>
+          <p:nvPr/>
+        </p:nvSpPr>
+        <p:spPr>
+          <a:xfrm>
+            <a:off x="228600" y="1371600"/>
+            <a:ext cx="8610600" cy="3046988"/>
+          </a:xfrm>
+          <a:prstGeom prst="rect">
+            <a:avLst/>
+          </a:prstGeom>
+          <a:noFill/>
+        </p:spPr>
+        <p:txBody>
+          <a:bodyPr wrap="square" rtlCol="0">
+            <a:spAutoFit/>
+          </a:bodyPr>
+          <a:lstStyle/>
+          <a:p>
+            <a:r>
+              <a:rPr lang="en-US" sz="4800" dirty="0" smtClean="0">
+                <a:latin typeface="Comic Sans MS"/>
+                <a:cs typeface="Comic Sans MS"/>
+              </a:rPr>
+              <a:t>Say </a:t>
+            </a:r>
+            <a:r>
+              <a:rPr lang="en-US" sz="4800" dirty="0" smtClean="0">
+                <a:solidFill>
+                  <a:schemeClr val="accent1">
+                    <a:lumMod val="50000"/>
+                  </a:schemeClr>
+                </a:solidFill>
+                <a:latin typeface="Comic Sans MS"/>
+                <a:cs typeface="Comic Sans MS"/>
+              </a:rPr>
+              <a:t>F</a:t>
+            </a:r>
+            <a:r>
+              <a:rPr lang="en-US" sz="4800" dirty="0" smtClean="0">
+                <a:latin typeface="Comic Sans MS"/>
+                <a:cs typeface="Comic Sans MS"/>
+              </a:rPr>
+              <a:t> </a:t>
+            </a:r>
+            <a:r>
+              <a:rPr lang="en-US" sz="4800" dirty="0" smtClean="0">
+                <a:latin typeface="Comic Sans MS"/>
+                <a:cs typeface="Comic Sans MS"/>
+              </a:rPr>
+              <a:t>is a sub graph of </a:t>
+            </a:r>
+            <a:r>
+              <a:rPr lang="en-US" sz="4800" dirty="0" smtClean="0">
+                <a:latin typeface="Comic Sans MS"/>
+                <a:cs typeface="Comic Sans MS"/>
+              </a:rPr>
+              <a:t>an </a:t>
+            </a:r>
+            <a:r>
+              <a:rPr lang="en-US" sz="4800" dirty="0" smtClean="0">
+                <a:latin typeface="Comic Sans MS"/>
+                <a:cs typeface="Comic Sans MS"/>
+              </a:rPr>
+              <a:t>MST </a:t>
+            </a:r>
+            <a:r>
+              <a:rPr lang="en-US" sz="4800" dirty="0" smtClean="0">
+                <a:solidFill>
+                  <a:srgbClr val="0000E5"/>
+                </a:solidFill>
+                <a:latin typeface="Comic Sans MS"/>
+                <a:cs typeface="Comic Sans MS"/>
+              </a:rPr>
+              <a:t>M.</a:t>
+            </a:r>
+            <a:r>
+              <a:rPr lang="en-US" sz="4800" dirty="0">
+                <a:latin typeface="Comic Sans MS"/>
+                <a:cs typeface="Comic Sans MS"/>
+              </a:rPr>
+              <a:t> </a:t>
+            </a:r>
+            <a:r>
+              <a:rPr lang="en-US" sz="4800" dirty="0" smtClean="0">
+                <a:latin typeface="Comic Sans MS"/>
+                <a:cs typeface="Comic Sans MS"/>
+              </a:rPr>
+              <a:t> </a:t>
+            </a:r>
+            <a:r>
+              <a:rPr lang="en-US" sz="4800" dirty="0" smtClean="0">
+                <a:latin typeface="Comic Sans MS"/>
+                <a:cs typeface="Comic Sans MS"/>
+              </a:rPr>
+              <a:t>We </a:t>
+            </a:r>
+            <a:r>
+              <a:rPr lang="en-US" sz="4800" dirty="0" smtClean="0">
+                <a:latin typeface="Comic Sans MS"/>
+                <a:cs typeface="Comic Sans MS"/>
+              </a:rPr>
+              <a:t>want to show that </a:t>
+            </a:r>
+            <a:r>
+              <a:rPr lang="en-US" sz="4800" dirty="0" err="1" smtClean="0">
+                <a:solidFill>
+                  <a:srgbClr val="0000E5"/>
+                </a:solidFill>
+                <a:latin typeface="Comic Sans MS"/>
+                <a:cs typeface="Comic Sans MS"/>
+              </a:rPr>
+              <a:t>F+e</a:t>
+            </a:r>
+            <a:r>
+              <a:rPr lang="en-US" sz="4800" dirty="0" smtClean="0">
+                <a:latin typeface="Comic Sans MS"/>
+                <a:cs typeface="Comic Sans MS"/>
+              </a:rPr>
+              <a:t> is </a:t>
+            </a:r>
+            <a:r>
+              <a:rPr lang="en-US" sz="4800" dirty="0" smtClean="0">
+                <a:latin typeface="Comic Sans MS"/>
+                <a:cs typeface="Comic Sans MS"/>
+              </a:rPr>
+              <a:t>a </a:t>
+            </a:r>
+            <a:r>
+              <a:rPr lang="en-US" sz="4800" dirty="0" err="1" smtClean="0">
+                <a:latin typeface="Comic Sans MS"/>
+                <a:cs typeface="Comic Sans MS"/>
+              </a:rPr>
+              <a:t>subgraph</a:t>
+            </a:r>
+            <a:r>
+              <a:rPr lang="en-US" sz="4800" dirty="0" smtClean="0">
+                <a:latin typeface="Comic Sans MS"/>
+                <a:cs typeface="Comic Sans MS"/>
+              </a:rPr>
+              <a:t> of some MST.</a:t>
+            </a:r>
+            <a:endParaRPr lang="en-US" sz="4800" dirty="0" smtClean="0">
+              <a:latin typeface="Comic Sans MS"/>
+              <a:cs typeface="Comic Sans MS"/>
+            </a:endParaRPr>
+          </a:p>
+        </p:txBody>
+      </p:sp>
+      <p:sp>
+        <p:nvSpPr>
+          <p:cNvPr id="2" name="TextBox 1"/>
+          <p:cNvSpPr txBox="1"/>
+          <p:nvPr/>
+        </p:nvSpPr>
+        <p:spPr>
+          <a:xfrm>
+            <a:off x="76200" y="4495800"/>
+            <a:ext cx="8915400" cy="1015663"/>
+          </a:xfrm>
+          <a:prstGeom prst="rect">
+            <a:avLst/>
+          </a:prstGeom>
+          <a:noFill/>
+        </p:spPr>
+        <p:txBody>
+          <a:bodyPr wrap="square" rtlCol="0">
+            <a:spAutoFit/>
+          </a:bodyPr>
+          <a:lstStyle/>
+          <a:p>
+            <a:r>
+              <a:rPr lang="en-US" sz="6000" dirty="0" smtClean="0"/>
+              <a:t>If </a:t>
+            </a:r>
+            <a:r>
+              <a:rPr lang="en-US" sz="6000" dirty="0" smtClean="0">
+                <a:solidFill>
+                  <a:srgbClr val="0000E5"/>
+                </a:solidFill>
+              </a:rPr>
+              <a:t>e</a:t>
+            </a:r>
+            <a:r>
+              <a:rPr lang="en-US" sz="6000" dirty="0" smtClean="0"/>
+              <a:t> is in </a:t>
+            </a:r>
+            <a:r>
+              <a:rPr lang="en-US" sz="6000" dirty="0" smtClean="0">
+                <a:solidFill>
+                  <a:srgbClr val="0000E5"/>
+                </a:solidFill>
+              </a:rPr>
+              <a:t>M</a:t>
+            </a:r>
+            <a:r>
+              <a:rPr lang="en-US" sz="6000" dirty="0" smtClean="0"/>
+              <a:t>, we </a:t>
+            </a:r>
+            <a:r>
+              <a:rPr lang="en-US" sz="6000" dirty="0" smtClean="0"/>
+              <a:t>are done</a:t>
+            </a:r>
+            <a:endParaRPr lang="en-US" sz="6000" dirty="0"/>
+          </a:p>
+        </p:txBody>
+      </p:sp>
+    </p:spTree>
+    <p:extLst>
+      <p:ext uri="{BB962C8B-B14F-4D97-AF65-F5344CB8AC3E}">
+        <p14:creationId xmlns:p14="http://schemas.microsoft.com/office/powerpoint/2010/main" val="2337666963"/>
+      </p:ext>
+    </p:extLst>
+  </p:cSld>
+  <p:clrMapOvr>
+    <a:masterClrMapping/>
+  </p:clrMapOvr>
+  <p:transition xmlns:p14="http://schemas.microsoft.com/office/powerpoint/2010/main" spd="slow" advClick="0">
+    <p:fade thruBlk="1"/>
+  </p:transition>
+  <p:timing>
+    <p:tnLst>
+      <p:par>
+        <p:cTn xmlns:p14="http://schemas.microsoft.com/office/powerpoint/2010/main" id="1" dur="indefinite" restart="never" nodeType="tmRoot">
+          <p:childTnLst>
+            <p:seq concurrent="1" nextAc="seek">
+              <p:cTn id="2" dur="indefinite" nodeType="mainSeq">
+                <p:childTnLst>
+                  <p:par>
+                    <p:cTn id="3" fill="hold">
+                      <p:stCondLst>
+                        <p:cond delay="indefinite"/>
+                      </p:stCondLst>
+                      <p:childTnLst>
+                        <p:par>
+                          <p:cTn id="4" fill="hold">
+                            <p:stCondLst>
+                              <p:cond delay="0"/>
+                            </p:stCondLst>
+                            <p:childTnLst>
+                              <p:par>
+                                <p:cTn id="5" presetID="9" presetClass="entr" presetSubtype="0" fill="hold" grpId="0" nodeType="clickEffect">
+                                  <p:stCondLst>
+                                    <p:cond delay="0"/>
+                                  </p:stCondLst>
+                                  <p:childTnLst>
+                                    <p:set>
+                                      <p:cBhvr>
+                                        <p:cTn id="6" dur="1" fill="hold">
+                                          <p:stCondLst>
+                                            <p:cond delay="0"/>
+                                          </p:stCondLst>
+                                        </p:cTn>
+                                        <p:tgtEl>
+                                          <p:spTgt spid="2"/>
+                                        </p:tgtEl>
+                                        <p:attrNameLst>
+                                          <p:attrName>style.visibility</p:attrName>
+                                        </p:attrNameLst>
+                                      </p:cBhvr>
+                                      <p:to>
+                                        <p:strVal val="visible"/>
+                                      </p:to>
+                                    </p:set>
+                                    <p:animEffect transition="in" filter="dissolve">
+                                      <p:cBhvr>
+                                        <p:cTn id="7" dur="500"/>
+                                        <p:tgtEl>
+                                          <p:spTgt spid="2"/>
+                                        </p:tgtEl>
+                                      </p:cBhvr>
+                                    </p:animEffect>
+                                  </p:childTnLst>
+                                </p:cTn>
+                              </p:par>
+                            </p:childTnLst>
+                          </p:cTn>
+                        </p:par>
+                      </p:childTnLst>
+                    </p:cTn>
+                  </p:par>
+                </p:childTnLst>
+              </p:cTn>
+              <p:prevCondLst>
+                <p:cond evt="onPrev" delay="0">
+                  <p:tgtEl>
+                    <p:sldTgt/>
+                  </p:tgtEl>
+                </p:cond>
+              </p:prevCondLst>
+              <p:nextCondLst>
+                <p:cond evt="onNext" delay="0">
+                  <p:tgtEl>
+                    <p:sldTgt/>
+                  </p:tgtEl>
+                </p:cond>
+              </p:nextCondLst>
+            </p:seq>
+          </p:childTnLst>
+        </p:cTn>
+      </p:par>
+    </p:tnLst>
+    <p:bldLst>
+      <p:bldP spid="2" grpId="0"/>
+    </p:bldLst>
+  </p:timing>
+</p:sld>
+</file>
+
+<file path=ppt/slides/slide14.xml><?xml version="1.0" encoding="utf-8"?>
+<p:sld xmlns:a="http://schemas.openxmlformats.org/drawingml/2006/main" xmlns:r="http://schemas.openxmlformats.org/officeDocument/2006/relationships" xmlns:p="http://schemas.openxmlformats.org/presentationml/2006/main">
+  <p:cSld>
+    <p:spTree>
+      <p:nvGrpSpPr>
+        <p:cNvPr id="1" name=""/>
+        <p:cNvGrpSpPr/>
+        <p:nvPr/>
+      </p:nvGrpSpPr>
+      <p:grpSpPr>
+        <a:xfrm>
+          <a:off x="0" y="0"/>
+          <a:ext cx="0" cy="0"/>
+          <a:chOff x="0" y="0"/>
+          <a:chExt cx="0" cy="0"/>
+        </a:xfrm>
+      </p:grpSpPr>
+      <p:sp>
+        <p:nvSpPr>
           <p:cNvPr id="2" name="Title 1"/>
           <p:cNvSpPr>
             <a:spLocks noGrp="1"/>
@@ -3981,14 +5535,54 @@
           <a:lstStyle/>
           <a:p>
             <a:r>
-              <a:rPr lang="en-US" sz="4000" dirty="0" smtClean="0">
+              <a:rPr lang="en-US" dirty="0">
                 <a:solidFill>
                   <a:srgbClr val="000000"/>
                 </a:solidFill>
               </a:rPr>
-              <a:t>Proof (e not in M)</a:t>
-            </a:r>
-            <a:endParaRPr lang="en-US" sz="4000" dirty="0">
+              <a:t>C</a:t>
+            </a:r>
+            <a:r>
+              <a:rPr lang="en-US" dirty="0" smtClean="0">
+                <a:solidFill>
+                  <a:srgbClr val="000000"/>
+                </a:solidFill>
+              </a:rPr>
+              <a:t>ase: </a:t>
+            </a:r>
+            <a:r>
+              <a:rPr lang="en-US" dirty="0" smtClean="0">
+                <a:solidFill>
+                  <a:srgbClr val="0000E5"/>
+                </a:solidFill>
+              </a:rPr>
+              <a:t>e</a:t>
+            </a:r>
+            <a:r>
+              <a:rPr lang="en-US" dirty="0" smtClean="0">
+                <a:solidFill>
+                  <a:srgbClr val="000000"/>
+                </a:solidFill>
+              </a:rPr>
+              <a:t> </a:t>
+            </a:r>
+            <a:r>
+              <a:rPr lang="en-US" dirty="0" smtClean="0">
+                <a:solidFill>
+                  <a:srgbClr val="000000"/>
+                </a:solidFill>
+              </a:rPr>
+              <a:t>not in </a:t>
+            </a:r>
+            <a:r>
+              <a:rPr lang="en-US" dirty="0" smtClean="0">
+                <a:solidFill>
+                  <a:srgbClr val="0000E5"/>
+                </a:solidFill>
+              </a:rPr>
+              <a:t>M</a:t>
+            </a:r>
+            <a:endParaRPr lang="en-US" dirty="0">
               <a:solidFill>
                 <a:srgbClr val="000000"/>
               </a:solidFill>
@@ -4009,8 +5603,8 @@
         </p:nvSpPr>
         <p:spPr>
           <a:xfrm>
-            <a:off x="685800" y="1524000"/>
-            <a:ext cx="7772400" cy="4114800"/>
+            <a:off x="381000" y="1524000"/>
+            <a:ext cx="8382000" cy="4800600"/>
           </a:xfrm>
         </p:spPr>
         <p:txBody>
@@ -4018,26 +5612,126 @@
           <a:lstStyle/>
           <a:p>
             <a:r>
-              <a:rPr lang="en-US" dirty="0" smtClean="0"/>
-              <a:t>e has a white endpoint w and a black one b. Since e was not in M, now </a:t>
-            </a:r>
-            <a:r>
-              <a:rPr lang="en-US" dirty="0" err="1" smtClean="0"/>
+              <a:rPr lang="en-US" sz="4400" dirty="0" smtClean="0"/>
+              <a:t>Now</a:t>
+            </a:r>
+            <a:r>
+              <a:rPr lang="en-US" sz="4400" dirty="0" smtClean="0">
+                <a:solidFill>
+                  <a:srgbClr val="0000E5"/>
+                </a:solidFill>
+              </a:rPr>
+              <a:t> </a:t>
+            </a:r>
+            <a:r>
+              <a:rPr lang="en-US" sz="4400" dirty="0" err="1" smtClean="0">
+                <a:solidFill>
+                  <a:srgbClr val="0000E5"/>
+                </a:solidFill>
+              </a:rPr>
               <a:t>M+e</a:t>
             </a:r>
             <a:r>
-              <a:rPr lang="en-US" dirty="0" smtClean="0"/>
-              <a:t> has a cycle composed of some path p plus the edge </a:t>
-            </a:r>
-            <a:r>
-              <a:rPr lang="en-US" dirty="0" err="1" smtClean="0"/>
-              <a:t>e.Since</a:t>
-            </a:r>
-            <a:r>
-              <a:rPr lang="en-US" dirty="0" smtClean="0"/>
-              <a:t> p ends on w and b, it must have a gray edge, call it g.</a:t>
-            </a:r>
-            <a:endParaRPr lang="en-US" dirty="0"/>
+              <a:rPr lang="en-US" sz="4400" dirty="0" smtClean="0"/>
+              <a:t> </a:t>
+            </a:r>
+            <a:r>
+              <a:rPr lang="en-US" sz="4400" dirty="0" smtClean="0"/>
+              <a:t>has a cycle composed of some </a:t>
+            </a:r>
+            <a:r>
+              <a:rPr lang="en-US" sz="4400" dirty="0" smtClean="0"/>
+              <a:t>path     in</a:t>
+            </a:r>
+            <a:r>
+              <a:rPr lang="en-US" sz="4400" dirty="0" smtClean="0">
+                <a:solidFill>
+                  <a:schemeClr val="accent5">
+                    <a:lumMod val="50000"/>
+                  </a:schemeClr>
+                </a:solidFill>
+              </a:rPr>
+              <a:t> M</a:t>
+            </a:r>
+            <a:r>
+              <a:rPr lang="en-US" sz="4400" dirty="0" smtClean="0"/>
+              <a:t> </a:t>
+            </a:r>
+            <a:r>
+              <a:rPr lang="en-US" sz="4400" dirty="0" smtClean="0"/>
+              <a:t>plus the edge </a:t>
+            </a:r>
+            <a:r>
+              <a:rPr lang="en-US" sz="4400" dirty="0" smtClean="0">
+                <a:solidFill>
+                  <a:srgbClr val="0000F1"/>
+                </a:solidFill>
+              </a:rPr>
+              <a:t>e</a:t>
+            </a:r>
+            <a:r>
+              <a:rPr lang="en-US" sz="4400" dirty="0" smtClean="0"/>
+              <a:t>.  Since </a:t>
+            </a:r>
+            <a:r>
+              <a:rPr lang="en-US" sz="4400" dirty="0" smtClean="0">
+                <a:solidFill>
+                  <a:schemeClr val="accent1">
+                    <a:lumMod val="50000"/>
+                  </a:schemeClr>
+                </a:solidFill>
+              </a:rPr>
+              <a:t>e</a:t>
+            </a:r>
+            <a:r>
+              <a:rPr lang="en-US" sz="4400" dirty="0" smtClean="0"/>
+              <a:t> is gray </a:t>
+            </a:r>
+            <a:r>
+              <a:rPr lang="en-US" sz="4400" dirty="0" smtClean="0"/>
+              <a:t>in some coloring of </a:t>
+            </a:r>
+            <a:r>
+              <a:rPr lang="en-US" sz="4400" dirty="0" smtClean="0">
+                <a:solidFill>
+                  <a:srgbClr val="0000E5"/>
+                </a:solidFill>
+              </a:rPr>
+              <a:t>F</a:t>
+            </a:r>
+            <a:r>
+              <a:rPr lang="en-US" sz="4400" dirty="0" smtClean="0"/>
+              <a:t>, </a:t>
+            </a:r>
+            <a:r>
+              <a:rPr lang="en-US" sz="4400" dirty="0"/>
+              <a:t>t</a:t>
+            </a:r>
+            <a:r>
+              <a:rPr lang="en-US" sz="4400" dirty="0" smtClean="0"/>
+              <a:t>he ends of     would have different colors, so     must </a:t>
+            </a:r>
+            <a:r>
+              <a:rPr lang="en-US" sz="4400" dirty="0" smtClean="0"/>
+              <a:t>have a gray </a:t>
+            </a:r>
+            <a:r>
+              <a:rPr lang="en-US" sz="4400" dirty="0" smtClean="0"/>
+              <a:t>edge </a:t>
+            </a:r>
+            <a:r>
+              <a:rPr lang="en-US" sz="4400" dirty="0" smtClean="0">
+                <a:solidFill>
+                  <a:srgbClr val="0000E5"/>
+                </a:solidFill>
+              </a:rPr>
+              <a:t>g</a:t>
+            </a:r>
+            <a:r>
+              <a:rPr lang="en-US" sz="4400" dirty="0" smtClean="0"/>
+              <a:t>.</a:t>
+            </a:r>
+            <a:endParaRPr lang="en-US" sz="4400" dirty="0"/>
           </a:p>
         </p:txBody>
       </p:sp>
@@ -4068,12 +5762,183 @@
               <a:pPr>
                 <a:defRPr/>
               </a:pPr>
-              <a:t>10</a:t>
+              <a:t>14</a:t>
             </a:fld>
             <a:endParaRPr lang="en-US" dirty="0"/>
           </a:p>
         </p:txBody>
       </p:sp>
+      <p:graphicFrame>
+        <p:nvGraphicFramePr>
+          <p:cNvPr id="5" name="Object 4"/>
+          <p:cNvGraphicFramePr>
+            <a:graphicFrameLocks noChangeAspect="1"/>
+          </p:cNvGraphicFramePr>
+          <p:nvPr>
+            <p:extLst>
+              <p:ext uri="{D42A27DB-BD31-4B8C-83A1-F6EECF244321}">
+                <p14:modId xmlns:p14="http://schemas.microsoft.com/office/powerpoint/2010/main" val="1875860477"/>
+              </p:ext>
+            </p:extLst>
+          </p:nvPr>
+        </p:nvGraphicFramePr>
+        <p:xfrm>
+          <a:off x="4343400" y="2071255"/>
+          <a:ext cx="609600" cy="1052945"/>
+        </p:xfrm>
+        <a:graphic>
+          <a:graphicData uri="http://schemas.openxmlformats.org/presentationml/2006/ole">
+            <mc:AlternateContent xmlns:mc="http://schemas.openxmlformats.org/markup-compatibility/2006">
+              <mc:Choice xmlns:v="urn:schemas-microsoft-com:vml" Requires="v">
+                <p:oleObj spid="_x0000_s1038" name="Equation" r:id="rId3" imgW="139700" imgH="241300" progId="Equation.DSMT4">
+                  <p:embed/>
+                </p:oleObj>
+              </mc:Choice>
+              <mc:Fallback>
+                <p:oleObj name="Equation" r:id="rId3" imgW="139700" imgH="241300" progId="Equation.DSMT4">
+                  <p:embed/>
+                  <p:pic>
+                    <p:nvPicPr>
+                      <p:cNvPr id="0" name=""/>
+                      <p:cNvPicPr/>
+                      <p:nvPr/>
+                    </p:nvPicPr>
+                    <p:blipFill>
+                      <a:blip r:embed="rId4"/>
+                      <a:stretch>
+                        <a:fillRect/>
+                      </a:stretch>
+                    </p:blipFill>
+                    <p:spPr>
+                      <a:xfrm>
+                        <a:off x="4343400" y="2071255"/>
+                        <a:ext cx="609600" cy="1052945"/>
+                      </a:xfrm>
+                      <a:prstGeom prst="rect">
+                        <a:avLst/>
+                      </a:prstGeom>
+                    </p:spPr>
+                  </p:pic>
+                </p:oleObj>
+              </mc:Fallback>
+            </mc:AlternateContent>
+          </a:graphicData>
+        </a:graphic>
+      </p:graphicFrame>
+      <p:graphicFrame>
+        <p:nvGraphicFramePr>
+          <p:cNvPr id="6" name="Object 5"/>
+          <p:cNvGraphicFramePr>
+            <a:graphicFrameLocks noChangeAspect="1"/>
+          </p:cNvGraphicFramePr>
+          <p:nvPr>
+            <p:extLst>
+              <p:ext uri="{D42A27DB-BD31-4B8C-83A1-F6EECF244321}">
+                <p14:modId xmlns:p14="http://schemas.microsoft.com/office/powerpoint/2010/main" val="4250099121"/>
+              </p:ext>
+            </p:extLst>
+          </p:nvPr>
+        </p:nvGraphicFramePr>
+        <p:xfrm>
+          <a:off x="1600200" y="4114800"/>
+          <a:ext cx="609600" cy="1052945"/>
+        </p:xfrm>
+        <a:graphic>
+          <a:graphicData uri="http://schemas.openxmlformats.org/presentationml/2006/ole">
+            <mc:AlternateContent xmlns:mc="http://schemas.openxmlformats.org/markup-compatibility/2006">
+              <mc:Choice xmlns:v="urn:schemas-microsoft-com:vml" Requires="v">
+                <p:oleObj spid="_x0000_s1039" name="Equation" r:id="rId5" imgW="139700" imgH="241300" progId="Equation.DSMT4">
+                  <p:embed/>
+                </p:oleObj>
+              </mc:Choice>
+              <mc:Fallback>
+                <p:oleObj name="Equation" r:id="rId5" imgW="139700" imgH="241300" progId="Equation.DSMT4">
+                  <p:embed/>
+                  <p:pic>
+                    <p:nvPicPr>
+                      <p:cNvPr id="0" name=""/>
+                      <p:cNvPicPr/>
+                      <p:nvPr/>
+                    </p:nvPicPr>
+                    <p:blipFill>
+                      <a:blip r:embed="rId4"/>
+                      <a:stretch>
+                        <a:fillRect/>
+                      </a:stretch>
+                    </p:blipFill>
+                    <p:spPr>
+                      <a:xfrm>
+                        <a:off x="1600200" y="4114800"/>
+                        <a:ext cx="609600" cy="1052945"/>
+                      </a:xfrm>
+                      <a:prstGeom prst="rect">
+                        <a:avLst/>
+                      </a:prstGeom>
+                    </p:spPr>
+                  </p:pic>
+                </p:oleObj>
+              </mc:Fallback>
+            </mc:AlternateContent>
+          </a:graphicData>
+        </a:graphic>
+      </p:graphicFrame>
+      <p:graphicFrame>
+        <p:nvGraphicFramePr>
+          <p:cNvPr id="7" name="Object 6"/>
+          <p:cNvGraphicFramePr>
+            <a:graphicFrameLocks noChangeAspect="1"/>
+          </p:cNvGraphicFramePr>
+          <p:nvPr>
+            <p:extLst>
+              <p:ext uri="{D42A27DB-BD31-4B8C-83A1-F6EECF244321}">
+                <p14:modId xmlns:p14="http://schemas.microsoft.com/office/powerpoint/2010/main" val="2860605895"/>
+              </p:ext>
+            </p:extLst>
+          </p:nvPr>
+        </p:nvGraphicFramePr>
+        <p:xfrm>
+          <a:off x="3352800" y="4724400"/>
+          <a:ext cx="609600" cy="1052945"/>
+        </p:xfrm>
+        <a:graphic>
+          <a:graphicData uri="http://schemas.openxmlformats.org/presentationml/2006/ole">
+            <mc:AlternateContent xmlns:mc="http://schemas.openxmlformats.org/markup-compatibility/2006">
+              <mc:Choice xmlns:v="urn:schemas-microsoft-com:vml" Requires="v">
+                <p:oleObj spid="_x0000_s1040" name="Equation" r:id="rId6" imgW="139700" imgH="241300" progId="Equation.DSMT4">
+                  <p:embed/>
+                </p:oleObj>
+              </mc:Choice>
+              <mc:Fallback>
+                <p:oleObj name="Equation" r:id="rId6" imgW="139700" imgH="241300" progId="Equation.DSMT4">
+                  <p:embed/>
+                  <p:pic>
+                    <p:nvPicPr>
+                      <p:cNvPr id="0" name=""/>
+                      <p:cNvPicPr/>
+                      <p:nvPr/>
+                    </p:nvPicPr>
+                    <p:blipFill>
+                      <a:blip r:embed="rId4"/>
+                      <a:stretch>
+                        <a:fillRect/>
+                      </a:stretch>
+                    </p:blipFill>
+                    <p:spPr>
+                      <a:xfrm>
+                        <a:off x="3352800" y="4724400"/>
+                        <a:ext cx="609600" cy="1052945"/>
+                      </a:xfrm>
+                      <a:prstGeom prst="rect">
+                        <a:avLst/>
+                      </a:prstGeom>
+                    </p:spPr>
+                  </p:pic>
+                </p:oleObj>
+              </mc:Fallback>
+            </mc:AlternateContent>
+          </a:graphicData>
+        </a:graphic>
+      </p:graphicFrame>
     </p:spTree>
     <p:extLst>
       <p:ext uri="{BB962C8B-B14F-4D97-AF65-F5344CB8AC3E}">
@@ -4106,7 +5971,7 @@
 </p:sld>
 </file>
 
-<file path=ppt/slides/slide11.xml><?xml version="1.0" encoding="utf-8"?>
+<file path=ppt/slides/slide15.xml><?xml version="1.0" encoding="utf-8"?>
 <p:sld xmlns:a="http://schemas.openxmlformats.org/drawingml/2006/main" xmlns:r="http://schemas.openxmlformats.org/officeDocument/2006/relationships" xmlns:p="http://schemas.openxmlformats.org/presentationml/2006/main">
   <p:cSld>
     <p:spTree>
@@ -4158,7 +6023,7 @@
               <a:pPr>
                 <a:defRPr/>
               </a:pPr>
-              <a:t>11</a:t>
+              <a:t>15</a:t>
             </a:fld>
             <a:endParaRPr lang="en-US" sz="1200" dirty="0"/>
           </a:p>
@@ -6144,7 +8009,7 @@
 </p:sld>
 </file>
 
-<file path=ppt/slides/slide12.xml><?xml version="1.0" encoding="utf-8"?>
+<file path=ppt/slides/slide16.xml><?xml version="1.0" encoding="utf-8"?>
 <p:sld xmlns:a="http://schemas.openxmlformats.org/drawingml/2006/main" xmlns:r="http://schemas.openxmlformats.org/officeDocument/2006/relationships" xmlns:p="http://schemas.openxmlformats.org/presentationml/2006/main">
   <p:cSld>
     <p:spTree>
@@ -6196,7 +8061,7 @@
               <a:pPr>
                 <a:defRPr/>
               </a:pPr>
-              <a:t>12</a:t>
+              <a:t>16</a:t>
             </a:fld>
             <a:endParaRPr lang="en-US" sz="1200" dirty="0"/>
           </a:p>
@@ -6238,8 +8103,8 @@
         </p:nvSpPr>
         <p:spPr>
           <a:xfrm>
-            <a:off x="762000" y="1752600"/>
-            <a:ext cx="7239000" cy="4031873"/>
+            <a:off x="533400" y="1447800"/>
+            <a:ext cx="8001000" cy="4247317"/>
           </a:xfrm>
           <a:prstGeom prst="rect">
             <a:avLst/>
@@ -6253,53 +8118,106 @@
           <a:lstStyle/>
           <a:p>
             <a:r>
-              <a:rPr lang="en-US" dirty="0" smtClean="0"/>
-              <a:t>Let M* = </a:t>
-            </a:r>
-            <a:r>
-              <a:rPr lang="en-US" dirty="0" err="1" smtClean="0"/>
-              <a:t>M+e-g</a:t>
-            </a:r>
-            <a:endParaRPr lang="en-US" dirty="0" smtClean="0"/>
-          </a:p>
-          <a:p>
-            <a:endParaRPr lang="en-US" dirty="0" smtClean="0"/>
-          </a:p>
-          <a:p>
-            <a:r>
-              <a:rPr lang="en-US" dirty="0" smtClean="0"/>
-              <a:t>g is a gray edge, so its not in F, so </a:t>
-            </a:r>
-          </a:p>
-          <a:p>
-            <a:r>
-              <a:rPr lang="en-US" dirty="0" err="1" smtClean="0"/>
+              <a:rPr lang="en-US" sz="5400" dirty="0" smtClean="0"/>
+              <a:t>Let </a:t>
+            </a:r>
+            <a:r>
+              <a:rPr lang="en-US" sz="5400" dirty="0" smtClean="0">
+                <a:solidFill>
+                  <a:srgbClr val="0000E5"/>
+                </a:solidFill>
+              </a:rPr>
+              <a:t>M* </a:t>
+            </a:r>
+            <a:r>
+              <a:rPr lang="en-US" sz="5400" dirty="0" smtClean="0"/>
+              <a:t>be </a:t>
+            </a:r>
+            <a:r>
+              <a:rPr lang="en-US" sz="5400" dirty="0" err="1" smtClean="0">
+                <a:solidFill>
+                  <a:srgbClr val="0000E5"/>
+                </a:solidFill>
+              </a:rPr>
+              <a:t>M+e-</a:t>
+            </a:r>
+            <a:r>
+              <a:rPr lang="en-US" sz="5400" dirty="0" err="1" smtClean="0">
+                <a:solidFill>
+                  <a:srgbClr val="0000E5"/>
+                </a:solidFill>
+              </a:rPr>
+              <a:t>g</a:t>
+            </a:r>
+            <a:r>
+              <a:rPr lang="en-US" sz="5400" dirty="0" smtClean="0"/>
+              <a:t>.  We claim that </a:t>
+            </a:r>
+            <a:r>
+              <a:rPr lang="en-US" sz="5400" dirty="0" smtClean="0">
+                <a:solidFill>
+                  <a:schemeClr val="accent5">
+                    <a:lumMod val="50000"/>
+                  </a:schemeClr>
+                </a:solidFill>
+              </a:rPr>
+              <a:t>M*</a:t>
+            </a:r>
+            <a:r>
+              <a:rPr lang="en-US" sz="5400" dirty="0" smtClean="0"/>
+              <a:t> is an MST, and it contains</a:t>
+            </a:r>
+          </a:p>
+          <a:p>
+            <a:r>
+              <a:rPr lang="en-US" sz="5400" dirty="0" err="1" smtClean="0">
+                <a:solidFill>
+                  <a:srgbClr val="0000F1"/>
+                </a:solidFill>
+              </a:rPr>
               <a:t>F+e</a:t>
             </a:r>
             <a:r>
-              <a:rPr lang="en-US" dirty="0" smtClean="0"/>
-              <a:t> is in M*.  </a:t>
-            </a:r>
-          </a:p>
-          <a:p>
-            <a:endParaRPr lang="en-US" dirty="0"/>
-          </a:p>
-          <a:p>
-            <a:r>
-              <a:rPr lang="en-US" dirty="0" smtClean="0"/>
-              <a:t>Therefore, if M* is a MST, then </a:t>
-            </a:r>
-            <a:r>
-              <a:rPr lang="en-US" dirty="0" err="1" smtClean="0"/>
+              <a:rPr lang="en-US" sz="5400" dirty="0" smtClean="0"/>
+              <a:t>, so</a:t>
+            </a:r>
+            <a:endParaRPr lang="en-US" sz="5400" dirty="0">
+              <a:solidFill>
+                <a:srgbClr val="0000F1"/>
+              </a:solidFill>
+            </a:endParaRPr>
+          </a:p>
+          <a:p>
+            <a:pPr algn="ctr"/>
+            <a:r>
+              <a:rPr lang="en-US" sz="5400" dirty="0" err="1" smtClean="0">
+                <a:solidFill>
+                  <a:srgbClr val="0000F1"/>
+                </a:solidFill>
+              </a:rPr>
               <a:t>F+e</a:t>
             </a:r>
             <a:r>
-              <a:rPr lang="en-US" dirty="0" smtClean="0"/>
-              <a:t> is a pre-MST, and the lemma holds.</a:t>
-            </a:r>
-          </a:p>
-          <a:p>
-            <a:endParaRPr lang="en-US" dirty="0"/>
+              <a:rPr lang="en-US" sz="5400" dirty="0" smtClean="0">
+                <a:solidFill>
+                  <a:srgbClr val="0000F1"/>
+                </a:solidFill>
+              </a:rPr>
+              <a:t> </a:t>
+            </a:r>
+            <a:r>
+              <a:rPr lang="en-US" sz="5400" dirty="0" smtClean="0">
+                <a:solidFill>
+                  <a:srgbClr val="000000"/>
+                </a:solidFill>
+              </a:rPr>
+              <a:t>is a pre-MST.</a:t>
+            </a:r>
+            <a:endParaRPr lang="en-US" sz="5400" dirty="0" smtClean="0">
+              <a:solidFill>
+                <a:srgbClr val="000000"/>
+              </a:solidFill>
+            </a:endParaRPr>
           </a:p>
         </p:txBody>
       </p:sp>
@@ -6335,7 +8253,7 @@
 </p:sld>
 </file>
 
-<file path=ppt/slides/slide13.xml><?xml version="1.0" encoding="utf-8"?>
+<file path=ppt/slides/slide17.xml><?xml version="1.0" encoding="utf-8"?>
 <p:sld xmlns:a="http://schemas.openxmlformats.org/drawingml/2006/main" xmlns:r="http://schemas.openxmlformats.org/officeDocument/2006/relationships" xmlns:p="http://schemas.openxmlformats.org/presentationml/2006/main">
   <p:cSld>
     <p:spTree>
@@ -6387,7 +8305,7 @@
               <a:pPr>
                 <a:defRPr/>
               </a:pPr>
-              <a:t>13</a:t>
+              <a:t>17</a:t>
             </a:fld>
             <a:endParaRPr lang="en-US" sz="1200" dirty="0"/>
           </a:p>
@@ -6401,8 +8319,8 @@
         </p:nvSpPr>
         <p:spPr>
           <a:xfrm>
-            <a:off x="533400" y="1752600"/>
-            <a:ext cx="7772400" cy="3157788"/>
+            <a:off x="685800" y="1920657"/>
+            <a:ext cx="7772400" cy="3108543"/>
           </a:xfrm>
           <a:prstGeom prst="rect">
             <a:avLst/>
@@ -6415,39 +8333,73 @@
           </a:bodyPr>
           <a:lstStyle/>
           <a:p>
+            <a:r>
+              <a:rPr lang="en-US" sz="6600" dirty="0" smtClean="0"/>
+              <a:t>By the </a:t>
+            </a:r>
+            <a:r>
+              <a:rPr lang="en-US" sz="6600" dirty="0" smtClean="0">
+                <a:solidFill>
+                  <a:srgbClr val="930093"/>
+                </a:solidFill>
+              </a:rPr>
+              <a:t>Lemma</a:t>
+            </a:r>
+            <a:r>
+              <a:rPr lang="en-US" sz="6600" dirty="0" smtClean="0"/>
+              <a:t>, </a:t>
+            </a:r>
+            <a:r>
+              <a:rPr lang="en-US" sz="6600" dirty="0" smtClean="0">
+                <a:solidFill>
+                  <a:schemeClr val="accent1">
+                    <a:lumMod val="50000"/>
+                  </a:schemeClr>
+                </a:solidFill>
+              </a:rPr>
+              <a:t>M*</a:t>
+            </a:r>
+            <a:r>
+              <a:rPr lang="en-US" sz="6600" dirty="0" smtClean="0"/>
+              <a:t> is a spanning tree.</a:t>
+            </a:r>
+            <a:endParaRPr lang="en-US" sz="6600" dirty="0"/>
+          </a:p>
+          <a:p>
             <a:pPr>
               <a:lnSpc>
                 <a:spcPct val="140000"/>
               </a:lnSpc>
             </a:pPr>
-            <a:r>
-              <a:rPr lang="en-US" sz="3600" dirty="0"/>
-              <a:t>Since g was on a cycle containing e, </a:t>
-            </a:r>
-            <a:r>
-              <a:rPr lang="en-US" sz="3600" dirty="0" smtClean="0"/>
-              <a:t> </a:t>
-            </a:r>
-            <a:r>
-              <a:rPr lang="en-US" sz="3600" dirty="0"/>
-              <a:t>removing g doesn’t disconnect anything, so </a:t>
-            </a:r>
-            <a:r>
-              <a:rPr lang="en-US" sz="3600" dirty="0" smtClean="0"/>
-              <a:t>M* is </a:t>
-            </a:r>
-            <a:r>
-              <a:rPr lang="en-US" sz="3600" dirty="0"/>
-              <a:t>still connected.</a:t>
-            </a:r>
-          </a:p>
-          <a:p>
-            <a:pPr>
-              <a:lnSpc>
-                <a:spcPct val="140000"/>
-              </a:lnSpc>
-            </a:pPr>
-            <a:endParaRPr lang="en-US" sz="3600" dirty="0"/>
+            <a:endParaRPr lang="en-US" sz="4800" dirty="0"/>
+          </a:p>
+        </p:txBody>
+      </p:sp>
+      <p:sp>
+        <p:nvSpPr>
+          <p:cNvPr id="5" name="Rectangle 2"/>
+          <p:cNvSpPr>
+            <a:spLocks noGrp="1" noChangeArrowheads="1"/>
+          </p:cNvSpPr>
+          <p:nvPr>
+            <p:ph type="title"/>
+          </p:nvPr>
+        </p:nvSpPr>
+        <p:spPr>
+          <a:xfrm>
+            <a:off x="1524000" y="76200"/>
+            <a:ext cx="7086600" cy="990600"/>
+          </a:xfrm>
+        </p:spPr>
+        <p:txBody>
+          <a:bodyPr/>
+          <a:lstStyle/>
+          <a:p>
+            <a:r>
+              <a:rPr lang="en-US" dirty="0" smtClean="0"/>
+              <a:t>Proof (cont.)</a:t>
+            </a:r>
+            <a:endParaRPr lang="en-US" dirty="0"/>
           </a:p>
         </p:txBody>
       </p:sp>
@@ -6483,7 +8435,7 @@
 </p:sld>
 </file>
 
-<file path=ppt/slides/slide14.xml><?xml version="1.0" encoding="utf-8"?>
+<file path=ppt/slides/slide18.xml><?xml version="1.0" encoding="utf-8"?>
 <p:sld xmlns:a="http://schemas.openxmlformats.org/drawingml/2006/main" xmlns:r="http://schemas.openxmlformats.org/officeDocument/2006/relationships" xmlns:p="http://schemas.openxmlformats.org/presentationml/2006/main">
   <p:cSld>
     <p:spTree>
@@ -6535,7 +8487,7 @@
               <a:pPr>
                 <a:defRPr/>
               </a:pPr>
-              <a:t>14</a:t>
+              <a:t>18</a:t>
             </a:fld>
             <a:endParaRPr lang="en-US" sz="1200" dirty="0"/>
           </a:p>
@@ -6549,8 +8501,8 @@
         </p:nvSpPr>
         <p:spPr>
           <a:xfrm>
-            <a:off x="304800" y="1600200"/>
-            <a:ext cx="8555893" cy="3970318"/>
+            <a:off x="756626" y="1295400"/>
+            <a:ext cx="7701574" cy="4538678"/>
           </a:xfrm>
           <a:prstGeom prst="rect">
             <a:avLst/>
@@ -6564,18 +8516,279 @@
           <a:lstStyle/>
           <a:p>
             <a:r>
-              <a:rPr lang="en-US" sz="3600" dirty="0" smtClean="0">
+              <a:rPr lang="en-US" sz="4400" dirty="0" smtClean="0">
                 <a:solidFill>
                   <a:srgbClr val="000000"/>
                 </a:solidFill>
                 <a:latin typeface="Comic Sans MS"/>
                 <a:cs typeface="Comic Sans MS"/>
               </a:rPr>
-              <a:t>M* has the same number of edges as M. </a:t>
-            </a:r>
-          </a:p>
-          <a:p>
-            <a:endParaRPr lang="en-US" sz="3600" dirty="0">
+              <a:t>Since </a:t>
+            </a:r>
+            <a:r>
+              <a:rPr lang="en-US" sz="4400" dirty="0" smtClean="0">
+                <a:solidFill>
+                  <a:schemeClr val="accent1">
+                    <a:lumMod val="50000"/>
+                  </a:schemeClr>
+                </a:solidFill>
+                <a:latin typeface="Comic Sans MS"/>
+                <a:cs typeface="Comic Sans MS"/>
+              </a:rPr>
+              <a:t>e</a:t>
+            </a:r>
+            <a:r>
+              <a:rPr lang="en-US" sz="4400" dirty="0" smtClean="0">
+                <a:solidFill>
+                  <a:srgbClr val="000000"/>
+                </a:solidFill>
+                <a:latin typeface="Comic Sans MS"/>
+                <a:cs typeface="Comic Sans MS"/>
+              </a:rPr>
+              <a:t> and </a:t>
+            </a:r>
+            <a:r>
+              <a:rPr lang="en-US" sz="4400" dirty="0" smtClean="0">
+                <a:solidFill>
+                  <a:srgbClr val="0000E5"/>
+                </a:solidFill>
+                <a:latin typeface="Comic Sans MS"/>
+                <a:cs typeface="Comic Sans MS"/>
+              </a:rPr>
+              <a:t>g</a:t>
+            </a:r>
+            <a:r>
+              <a:rPr lang="en-US" sz="4400" dirty="0" smtClean="0">
+                <a:solidFill>
+                  <a:srgbClr val="000000"/>
+                </a:solidFill>
+                <a:latin typeface="Comic Sans MS"/>
+                <a:cs typeface="Comic Sans MS"/>
+              </a:rPr>
+              <a:t> are both </a:t>
+            </a:r>
+            <a:r>
+              <a:rPr lang="en-US" sz="4400" dirty="0" smtClean="0">
+                <a:solidFill>
+                  <a:srgbClr val="000000"/>
+                </a:solidFill>
+                <a:latin typeface="Comic Sans MS"/>
+                <a:cs typeface="Comic Sans MS"/>
+              </a:rPr>
+              <a:t>gray, </a:t>
+            </a:r>
+            <a:r>
+              <a:rPr lang="en-US" sz="4400" dirty="0" smtClean="0">
+                <a:solidFill>
+                  <a:srgbClr val="000000"/>
+                </a:solidFill>
+                <a:latin typeface="Comic Sans MS"/>
+                <a:cs typeface="Comic Sans MS"/>
+              </a:rPr>
+              <a:t>and </a:t>
+            </a:r>
+            <a:r>
+              <a:rPr lang="en-US" sz="4400" dirty="0" smtClean="0">
+                <a:solidFill>
+                  <a:srgbClr val="0000E5"/>
+                </a:solidFill>
+                <a:latin typeface="Comic Sans MS"/>
+                <a:cs typeface="Comic Sans MS"/>
+              </a:rPr>
+              <a:t>e</a:t>
+            </a:r>
+            <a:r>
+              <a:rPr lang="en-US" sz="4400" dirty="0" smtClean="0">
+                <a:solidFill>
+                  <a:srgbClr val="000000"/>
+                </a:solidFill>
+                <a:latin typeface="Comic Sans MS"/>
+                <a:cs typeface="Comic Sans MS"/>
+              </a:rPr>
+              <a:t> was </a:t>
+            </a:r>
+            <a:r>
+              <a:rPr lang="en-US" sz="4400" dirty="0" smtClean="0">
+                <a:solidFill>
+                  <a:srgbClr val="000000"/>
+                </a:solidFill>
+                <a:latin typeface="Comic Sans MS"/>
+                <a:cs typeface="Comic Sans MS"/>
+              </a:rPr>
+              <a:t>min </a:t>
+            </a:r>
+            <a:r>
+              <a:rPr lang="en-US" sz="4400" dirty="0" smtClean="0">
+                <a:solidFill>
+                  <a:srgbClr val="000000"/>
+                </a:solidFill>
+                <a:latin typeface="Comic Sans MS"/>
+                <a:cs typeface="Comic Sans MS"/>
+              </a:rPr>
+              <a:t>weight among gray edges</a:t>
+            </a:r>
+            <a:r>
+              <a:rPr lang="en-US" sz="4400" dirty="0" smtClean="0">
+                <a:solidFill>
+                  <a:srgbClr val="000000"/>
+                </a:solidFill>
+                <a:latin typeface="Comic Sans MS"/>
+                <a:cs typeface="Comic Sans MS"/>
+              </a:rPr>
+              <a:t>, </a:t>
+            </a:r>
+            <a:r>
+              <a:rPr lang="en-US" sz="4400" dirty="0" smtClean="0">
+                <a:solidFill>
+                  <a:srgbClr val="0000E5"/>
+                </a:solidFill>
+                <a:latin typeface="Comic Sans MS"/>
+                <a:cs typeface="Comic Sans MS"/>
+              </a:rPr>
+              <a:t>w</a:t>
+            </a:r>
+            <a:r>
+              <a:rPr lang="en-US" sz="4400" dirty="0">
+                <a:solidFill>
+                  <a:srgbClr val="0000E5"/>
+                </a:solidFill>
+                <a:latin typeface="Comic Sans MS"/>
+                <a:cs typeface="Comic Sans MS"/>
+              </a:rPr>
+              <a:t>(e) </a:t>
+            </a:r>
+            <a:r>
+              <a:rPr lang="en-US" sz="4400" b="1" dirty="0" smtClean="0">
+                <a:solidFill>
+                  <a:srgbClr val="0000E5"/>
+                </a:solidFill>
+                <a:latin typeface="Euclid Symbol" charset="2"/>
+                <a:cs typeface="Euclid Symbol" charset="2"/>
+              </a:rPr>
+              <a:t>≤ </a:t>
+            </a:r>
+            <a:r>
+              <a:rPr lang="en-US" sz="4400" dirty="0" smtClean="0">
+                <a:solidFill>
+                  <a:srgbClr val="0000E5"/>
+                </a:solidFill>
+                <a:latin typeface="Comic Sans MS"/>
+                <a:cs typeface="Comic Sans MS"/>
+              </a:rPr>
+              <a:t>w(g)</a:t>
+            </a:r>
+            <a:r>
+              <a:rPr lang="en-US" sz="4400" dirty="0" smtClean="0">
+                <a:latin typeface="Comic Sans MS"/>
+                <a:cs typeface="Comic Sans MS"/>
+              </a:rPr>
+              <a:t>.  So</a:t>
+            </a:r>
+          </a:p>
+          <a:p>
+            <a:pPr algn="ctr">
+              <a:lnSpc>
+                <a:spcPct val="120000"/>
+              </a:lnSpc>
+            </a:pPr>
+            <a:r>
+              <a:rPr lang="en-US" sz="4400" dirty="0" smtClean="0">
+                <a:latin typeface="Comic Sans MS"/>
+                <a:cs typeface="Comic Sans MS"/>
+              </a:rPr>
+              <a:t> </a:t>
+            </a:r>
+            <a:r>
+              <a:rPr lang="en-US" sz="4400" dirty="0" smtClean="0">
+                <a:solidFill>
+                  <a:schemeClr val="accent1">
+                    <a:lumMod val="50000"/>
+                  </a:schemeClr>
+                </a:solidFill>
+                <a:latin typeface="Comic Sans MS"/>
+                <a:cs typeface="Comic Sans MS"/>
+              </a:rPr>
+              <a:t>w</a:t>
+            </a:r>
+            <a:r>
+              <a:rPr lang="en-US" sz="4400" dirty="0" smtClean="0">
+                <a:solidFill>
+                  <a:schemeClr val="accent1">
+                    <a:lumMod val="50000"/>
+                  </a:schemeClr>
+                </a:solidFill>
+                <a:latin typeface="Comic Sans MS"/>
+                <a:cs typeface="Comic Sans MS"/>
+              </a:rPr>
+              <a:t>(M*</a:t>
+            </a:r>
+            <a:r>
+              <a:rPr lang="en-US" sz="4400" dirty="0" smtClean="0">
+                <a:solidFill>
+                  <a:schemeClr val="accent1">
+                    <a:lumMod val="50000"/>
+                  </a:schemeClr>
+                </a:solidFill>
+                <a:latin typeface="Comic Sans MS"/>
+                <a:cs typeface="Comic Sans MS"/>
+              </a:rPr>
+              <a:t>) </a:t>
+            </a:r>
+            <a:r>
+              <a:rPr lang="en-US" sz="4400" b="1" dirty="0" smtClean="0">
+                <a:solidFill>
+                  <a:srgbClr val="0000E5"/>
+                </a:solidFill>
+                <a:latin typeface="Euclid Symbol" charset="2"/>
+                <a:cs typeface="Euclid Symbol" charset="2"/>
+              </a:rPr>
+              <a:t>≤ </a:t>
+            </a:r>
+            <a:r>
+              <a:rPr lang="en-US" sz="4400" dirty="0" smtClean="0">
+                <a:solidFill>
+                  <a:srgbClr val="0000E5"/>
+                </a:solidFill>
+                <a:latin typeface="Comic Sans MS"/>
+                <a:cs typeface="Comic Sans MS"/>
+              </a:rPr>
+              <a:t>w(M)</a:t>
+            </a:r>
+          </a:p>
+          <a:p>
+            <a:pPr>
+              <a:lnSpc>
+                <a:spcPct val="120000"/>
+              </a:lnSpc>
+            </a:pPr>
+            <a:r>
+              <a:rPr lang="en-US" sz="4400" dirty="0" smtClean="0">
+                <a:latin typeface="Comic Sans MS"/>
+                <a:cs typeface="Comic Sans MS"/>
+              </a:rPr>
+              <a:t>Therefore</a:t>
+            </a:r>
+            <a:r>
+              <a:rPr lang="en-US" sz="4400" dirty="0" smtClean="0">
+                <a:solidFill>
+                  <a:srgbClr val="0000E5"/>
+                </a:solidFill>
+                <a:latin typeface="Comic Sans MS"/>
+                <a:cs typeface="Comic Sans MS"/>
+              </a:rPr>
+              <a:t> M* </a:t>
+            </a:r>
+            <a:r>
+              <a:rPr lang="en-US" sz="4400" dirty="0" smtClean="0">
+                <a:solidFill>
+                  <a:srgbClr val="000000"/>
+                </a:solidFill>
+                <a:latin typeface="Comic Sans MS"/>
+                <a:cs typeface="Comic Sans MS"/>
+              </a:rPr>
+              <a:t>must be an MST.</a:t>
+            </a:r>
+            <a:endParaRPr lang="en-US" sz="4400" dirty="0" smtClean="0">
               <a:solidFill>
                 <a:srgbClr val="000000"/>
               </a:solidFill>
@@ -6583,37 +8796,33 @@
               <a:cs typeface="Comic Sans MS"/>
             </a:endParaRPr>
           </a:p>
-          <a:p>
-            <a:r>
-              <a:rPr lang="en-US" sz="3600" dirty="0" smtClean="0">
-                <a:solidFill>
-                  <a:srgbClr val="000000"/>
-                </a:solidFill>
-                <a:latin typeface="Comic Sans MS"/>
-                <a:cs typeface="Comic Sans MS"/>
-              </a:rPr>
-              <a:t>Lastly, since e and g are both gray and e was a min weight among gray edges, w(M*) = w(M)-w(g)+w(</a:t>
-            </a:r>
-            <a:r>
-              <a:rPr lang="en-US" sz="3600" dirty="0">
-                <a:solidFill>
-                  <a:srgbClr val="000000"/>
-                </a:solidFill>
-                <a:latin typeface="Comic Sans MS"/>
-                <a:cs typeface="Comic Sans MS"/>
-              </a:rPr>
-              <a:t>e</a:t>
-            </a:r>
-            <a:r>
-              <a:rPr lang="en-US" sz="3600" dirty="0" smtClean="0">
-                <a:solidFill>
-                  <a:srgbClr val="000000"/>
-                </a:solidFill>
-                <a:latin typeface="Comic Sans MS"/>
-                <a:cs typeface="Comic Sans MS"/>
-              </a:rPr>
-              <a:t>)≤w(M) since w(e) must be at least as small as w(g)</a:t>
-            </a:r>
+        </p:txBody>
+      </p:sp>
+      <p:sp>
+        <p:nvSpPr>
+          <p:cNvPr id="4" name="Rectangle 2"/>
+          <p:cNvSpPr>
+            <a:spLocks noGrp="1" noChangeArrowheads="1"/>
+          </p:cNvSpPr>
+          <p:nvPr>
+            <p:ph type="title"/>
+          </p:nvPr>
+        </p:nvSpPr>
+        <p:spPr>
+          <a:xfrm>
+            <a:off x="1524000" y="76200"/>
+            <a:ext cx="7086600" cy="990600"/>
+          </a:xfrm>
+        </p:spPr>
+        <p:txBody>
+          <a:bodyPr/>
+          <a:lstStyle/>
+          <a:p>
+            <a:r>
+              <a:rPr lang="en-US" dirty="0" smtClean="0"/>
+              <a:t>Proof (cont.)</a:t>
+            </a:r>
+            <a:endParaRPr lang="en-US" dirty="0"/>
           </a:p>
         </p:txBody>
       </p:sp>
@@ -6644,7 +8853,7 @@
 </p:sld>
 </file>
 
-<file path=ppt/slides/slide15.xml><?xml version="1.0" encoding="utf-8"?>
+<file path=ppt/slides/slide19.xml><?xml version="1.0" encoding="utf-8"?>
 <p:sld xmlns:a="http://schemas.openxmlformats.org/drawingml/2006/main" xmlns:r="http://schemas.openxmlformats.org/officeDocument/2006/relationships" xmlns:p="http://schemas.openxmlformats.org/presentationml/2006/main">
   <p:cSld>
     <p:spTree>
@@ -6663,170 +8872,6 @@
       </p:grpSpPr>
       <p:sp>
         <p:nvSpPr>
-          <p:cNvPr id="19" name="Slide Number Placeholder 3"/>
-          <p:cNvSpPr>
-            <a:spLocks noGrp="1"/>
-          </p:cNvSpPr>
-          <p:nvPr>
-            <p:ph type="sldNum" sz="quarter" idx="4294967295"/>
-          </p:nvPr>
-        </p:nvSpPr>
-        <p:spPr>
-          <a:xfrm>
-            <a:off x="8026161" y="6583363"/>
-            <a:ext cx="1117839" cy="276999"/>
-          </a:xfrm>
-          <a:prstGeom prst="rect">
-            <a:avLst/>
-          </a:prstGeom>
-        </p:spPr>
-        <p:txBody>
-          <a:bodyPr/>
-          <a:lstStyle/>
-          <a:p>
-            <a:pPr>
-              <a:defRPr/>
-            </a:pPr>
-            <a:r>
-              <a:rPr lang="en-US" sz="1200" dirty="0" smtClean="0"/>
-              <a:t>connected.</a:t>
-            </a:r>
-            <a:fld id="{19EC3EF5-AAAB-406F-8B8B-2285D28F7116}" type="slidenum">
-              <a:rPr lang="en-US" sz="1200" smtClean="0"/>
-              <a:pPr>
-                <a:defRPr/>
-              </a:pPr>
-              <a:t>15</a:t>
-            </a:fld>
-            <a:endParaRPr lang="en-US" sz="1200" dirty="0"/>
-          </a:p>
-        </p:txBody>
-      </p:sp>
-      <p:sp>
-        <p:nvSpPr>
-          <p:cNvPr id="11" name="Rectangle 2"/>
-          <p:cNvSpPr>
-            <a:spLocks noGrp="1" noChangeArrowheads="1"/>
-          </p:cNvSpPr>
-          <p:nvPr>
-            <p:ph type="title"/>
-          </p:nvPr>
-        </p:nvSpPr>
-        <p:spPr>
-          <a:xfrm>
-            <a:off x="1524000" y="76200"/>
-            <a:ext cx="7086600" cy="990600"/>
-          </a:xfrm>
-        </p:spPr>
-        <p:txBody>
-          <a:bodyPr/>
-          <a:lstStyle/>
-          <a:p>
-            <a:r>
-              <a:rPr lang="en-US" sz="4000" dirty="0" smtClean="0"/>
-              <a:t>Conclusion</a:t>
-            </a:r>
-            <a:endParaRPr lang="en-US" sz="4000" dirty="0"/>
-          </a:p>
-        </p:txBody>
-      </p:sp>
-      <p:sp>
-        <p:nvSpPr>
-          <p:cNvPr id="2" name="TextBox 1"/>
-          <p:cNvSpPr txBox="1"/>
-          <p:nvPr/>
-        </p:nvSpPr>
-        <p:spPr>
-          <a:xfrm>
-            <a:off x="914400" y="1981200"/>
-            <a:ext cx="7239000" cy="1569660"/>
-          </a:xfrm>
-          <a:prstGeom prst="rect">
-            <a:avLst/>
-          </a:prstGeom>
-          <a:noFill/>
-        </p:spPr>
-        <p:txBody>
-          <a:bodyPr wrap="square" rtlCol="0">
-            <a:spAutoFit/>
-          </a:bodyPr>
-          <a:lstStyle/>
-          <a:p>
-            <a:r>
-              <a:rPr lang="en-US" dirty="0" smtClean="0"/>
-              <a:t>Since M* is also an MST and it contains </a:t>
-            </a:r>
-            <a:r>
-              <a:rPr lang="en-US" dirty="0" err="1" smtClean="0"/>
-              <a:t>F+e</a:t>
-            </a:r>
-            <a:r>
-              <a:rPr lang="en-US" dirty="0" smtClean="0"/>
-              <a:t>, then </a:t>
-            </a:r>
-            <a:r>
-              <a:rPr lang="en-US" dirty="0" err="1" smtClean="0"/>
-              <a:t>F+e</a:t>
-            </a:r>
-            <a:r>
-              <a:rPr lang="en-US" dirty="0" smtClean="0"/>
-              <a:t> is a pre-MST and therefore e extends F.</a:t>
-            </a:r>
-            <a:endParaRPr lang="en-US" dirty="0"/>
-          </a:p>
-        </p:txBody>
-      </p:sp>
-    </p:spTree>
-    <p:extLst>
-      <p:ext uri="{BB962C8B-B14F-4D97-AF65-F5344CB8AC3E}">
-        <p14:creationId xmlns:p14="http://schemas.microsoft.com/office/powerpoint/2010/main" val="1698275011"/>
-      </p:ext>
-    </p:extLst>
-  </p:cSld>
-  <p:clrMapOvr>
-    <a:masterClrMapping/>
-  </p:clrMapOvr>
-  <mc:AlternateContent xmlns:mc="http://schemas.openxmlformats.org/markup-compatibility/2006" xmlns:p14="http://schemas.microsoft.com/office/powerpoint/2010/main">
-    <mc:Choice Requires="p14">
-      <p:transition spd="slow" p14:dur="900" advClick="0">
-        <p:fade/>
-      </p:transition>
-    </mc:Choice>
-    <mc:Fallback xmlns="">
-      <p:transition xmlns:p14="http://schemas.microsoft.com/office/powerpoint/2010/main" spd="slow" advClick="0">
-        <p:fade/>
-      </p:transition>
-    </mc:Fallback>
-  </mc:AlternateContent>
-  <p:timing>
-    <p:tnLst>
-      <p:par>
-        <p:cTn xmlns:p14="http://schemas.microsoft.com/office/powerpoint/2010/main" id="1" dur="indefinite" restart="never" nodeType="tmRoot"/>
-      </p:par>
-    </p:tnLst>
-  </p:timing>
-</p:sld>
-</file>
-
-<file path=ppt/slides/slide16.xml><?xml version="1.0" encoding="utf-8"?>
-<p:sld xmlns:a="http://schemas.openxmlformats.org/drawingml/2006/main" xmlns:r="http://schemas.openxmlformats.org/officeDocument/2006/relationships" xmlns:p="http://schemas.openxmlformats.org/presentationml/2006/main">
-  <p:cSld>
-    <p:spTree>
-      <p:nvGrpSpPr>
-        <p:cNvPr id="1" name=""/>
-        <p:cNvGrpSpPr/>
-        <p:nvPr/>
-      </p:nvGrpSpPr>
-      <p:grpSpPr>
-        <a:xfrm>
-          <a:off x="0" y="0"/>
-          <a:ext cx="0" cy="0"/>
-          <a:chOff x="0" y="0"/>
-          <a:chExt cx="0" cy="0"/>
-        </a:xfrm>
-      </p:grpSpPr>
-      <p:sp>
-        <p:nvSpPr>
           <p:cNvPr id="2" name="Title 1"/>
           <p:cNvSpPr>
             <a:spLocks noGrp="1"/>
@@ -6860,8 +8905,8 @@
         </p:nvSpPr>
         <p:spPr>
           <a:xfrm>
-            <a:off x="76200" y="2057400"/>
-            <a:ext cx="9372600" cy="1371600"/>
+            <a:off x="304800" y="1371600"/>
+            <a:ext cx="8458200" cy="2362200"/>
           </a:xfrm>
         </p:spPr>
         <p:txBody>
@@ -6869,10 +8914,42 @@
           <a:lstStyle/>
           <a:p>
             <a:r>
-              <a:rPr lang="en-US" dirty="0" smtClean="0"/>
-              <a:t>If all weights are distinct, then G has a unique MST.</a:t>
-            </a:r>
-            <a:endParaRPr lang="en-US" dirty="0"/>
+              <a:rPr lang="en-US" sz="4400" dirty="0" smtClean="0"/>
+              <a:t>If all weights are distinct, then </a:t>
+            </a:r>
+            <a:r>
+              <a:rPr lang="en-US" sz="4400" dirty="0" smtClean="0">
+                <a:solidFill>
+                  <a:srgbClr val="0000FF"/>
+                </a:solidFill>
+              </a:rPr>
+              <a:t>G</a:t>
+            </a:r>
+            <a:r>
+              <a:rPr lang="en-US" sz="4400" dirty="0" smtClean="0">
+                <a:solidFill>
+                  <a:srgbClr val="000000"/>
+                </a:solidFill>
+              </a:rPr>
+              <a:t> </a:t>
+            </a:r>
+            <a:r>
+              <a:rPr lang="en-US" sz="4400" dirty="0" smtClean="0"/>
+              <a:t>has a </a:t>
+            </a:r>
+            <a:r>
+              <a:rPr lang="en-US" sz="4400" dirty="0" smtClean="0">
+                <a:solidFill>
+                  <a:srgbClr val="FF00FF"/>
+                </a:solidFill>
+              </a:rPr>
+              <a:t>unique</a:t>
+            </a:r>
+            <a:r>
+              <a:rPr lang="en-US" sz="4400" dirty="0" smtClean="0"/>
+              <a:t> MST.</a:t>
+            </a:r>
+            <a:endParaRPr lang="en-US" sz="4400" dirty="0"/>
           </a:p>
         </p:txBody>
       </p:sp>
@@ -6903,7 +8980,7 @@
               <a:pPr>
                 <a:defRPr/>
               </a:pPr>
-              <a:t>16</a:t>
+              <a:t>19</a:t>
             </a:fld>
             <a:endParaRPr lang="en-US" dirty="0"/>
           </a:p>
@@ -6917,8 +8994,8 @@
         </p:nvSpPr>
         <p:spPr>
           <a:xfrm>
-            <a:off x="381000" y="3581400"/>
-            <a:ext cx="8229600" cy="2554545"/>
+            <a:off x="381000" y="2849701"/>
+            <a:ext cx="8229600" cy="3170099"/>
           </a:xfrm>
           <a:prstGeom prst="rect">
             <a:avLst/>
@@ -6932,34 +9009,179 @@
           <a:lstStyle/>
           <a:p>
             <a:r>
-              <a:rPr lang="en-US" sz="4000" dirty="0"/>
-              <a:t>Why? Observe: </a:t>
-            </a:r>
-          </a:p>
-          <a:p>
+              <a:rPr lang="en-US" sz="4000" dirty="0" smtClean="0"/>
+              <a:t>Because then </a:t>
+            </a:r>
             <a:r>
               <a:rPr lang="en-US" sz="4000" dirty="0">
                 <a:solidFill>
-                  <a:srgbClr val="000000"/>
+                  <a:srgbClr val="0000E5"/>
                 </a:solidFill>
+                <a:latin typeface="Comic Sans MS"/>
                 <a:cs typeface="Comic Sans MS"/>
               </a:rPr>
-              <a:t>w(M*) = w(M)-w(g)+w(e)≤w(M</a:t>
-            </a:r>
+              <a:t>w(e) </a:t>
+            </a:r>
+            <a:r>
+              <a:rPr lang="en-US" sz="4000" b="1" dirty="0" smtClean="0">
+                <a:solidFill>
+                  <a:srgbClr val="0000E5"/>
+                </a:solidFill>
+                <a:latin typeface="Euclid Symbol" charset="2"/>
+                <a:cs typeface="Euclid Symbol" charset="2"/>
+              </a:rPr>
+              <a:t>&lt; </a:t>
+            </a:r>
+            <a:r>
+              <a:rPr lang="en-US" sz="4000" dirty="0">
+                <a:solidFill>
+                  <a:srgbClr val="0000E5"/>
+                </a:solidFill>
+                <a:latin typeface="Comic Sans MS"/>
+                <a:cs typeface="Comic Sans MS"/>
+              </a:rPr>
+              <a:t>w(g)</a:t>
+            </a:r>
+            <a:r>
+              <a:rPr lang="en-US" sz="4000" dirty="0">
+                <a:latin typeface="Comic Sans MS"/>
+                <a:cs typeface="Comic Sans MS"/>
+              </a:rPr>
+              <a:t>, so</a:t>
+            </a:r>
+          </a:p>
+          <a:p>
+            <a:pPr algn="ctr"/>
+            <a:r>
+              <a:rPr lang="en-US" sz="4000" dirty="0">
+                <a:latin typeface="Comic Sans MS"/>
+                <a:cs typeface="Comic Sans MS"/>
+              </a:rPr>
+              <a:t> </a:t>
+            </a:r>
+            <a:r>
+              <a:rPr lang="en-US" sz="4000" dirty="0">
+                <a:solidFill>
+                  <a:schemeClr val="accent1">
+                    <a:lumMod val="50000"/>
+                  </a:schemeClr>
+                </a:solidFill>
+                <a:latin typeface="Comic Sans MS"/>
+                <a:cs typeface="Comic Sans MS"/>
+              </a:rPr>
+              <a:t>w(M*) </a:t>
+            </a:r>
+            <a:r>
+              <a:rPr lang="en-US" sz="4000" b="1" dirty="0" smtClean="0">
+                <a:solidFill>
+                  <a:srgbClr val="0000E5"/>
+                </a:solidFill>
+                <a:latin typeface="Euclid Symbol" charset="2"/>
+                <a:cs typeface="Euclid Symbol" charset="2"/>
+              </a:rPr>
+              <a:t>&lt; </a:t>
+            </a:r>
+            <a:r>
+              <a:rPr lang="en-US" sz="4000" dirty="0">
+                <a:solidFill>
+                  <a:srgbClr val="0000E5"/>
+                </a:solidFill>
+                <a:latin typeface="Comic Sans MS"/>
+                <a:cs typeface="Comic Sans MS"/>
+              </a:rPr>
+              <a:t>w(M</a:t>
+            </a:r>
+            <a:r>
+              <a:rPr lang="en-US" sz="4000" dirty="0" smtClean="0">
+                <a:solidFill>
+                  <a:srgbClr val="0000E5"/>
+                </a:solidFill>
+                <a:latin typeface="Comic Sans MS"/>
+                <a:cs typeface="Comic Sans MS"/>
+              </a:rPr>
+              <a:t>)</a:t>
+            </a:r>
+          </a:p>
+          <a:p>
+            <a:r>
+              <a:rPr lang="en-US" sz="4000" dirty="0" smtClean="0">
+                <a:latin typeface="Comic Sans MS"/>
+                <a:cs typeface="Comic Sans MS"/>
+              </a:rPr>
+              <a:t>contradicting min weight for</a:t>
+            </a:r>
+            <a:r>
+              <a:rPr lang="en-US" sz="4000" dirty="0" smtClean="0">
+                <a:solidFill>
+                  <a:srgbClr val="0000E5"/>
+                </a:solidFill>
+                <a:latin typeface="Comic Sans MS"/>
+                <a:cs typeface="Comic Sans MS"/>
+              </a:rPr>
+              <a:t> M.</a:t>
+            </a:r>
+          </a:p>
+          <a:p>
             <a:r>
               <a:rPr lang="en-US" sz="4000" dirty="0" smtClean="0">
                 <a:solidFill>
                   <a:srgbClr val="000000"/>
                 </a:solidFill>
+                <a:latin typeface="Comic Sans MS"/>
                 <a:cs typeface="Comic Sans MS"/>
               </a:rPr>
-              <a:t>)</a:t>
-            </a:r>
-          </a:p>
-          <a:p>
-            <a:endParaRPr lang="en-US" sz="4000" dirty="0"/>
-          </a:p>
-          <a:p>
+              <a:t>So all pre-MST </a:t>
+            </a:r>
+            <a:r>
+              <a:rPr lang="en-US" sz="4000" dirty="0" smtClean="0">
+                <a:solidFill>
+                  <a:srgbClr val="0000E5"/>
+                </a:solidFill>
+                <a:latin typeface="Comic Sans MS"/>
+                <a:cs typeface="Comic Sans MS"/>
+              </a:rPr>
+              <a:t>F </a:t>
+            </a:r>
+            <a:r>
+              <a:rPr lang="en-US" sz="4000" dirty="0" smtClean="0">
+                <a:solidFill>
+                  <a:srgbClr val="000000"/>
+                </a:solidFill>
+                <a:latin typeface="Comic Sans MS"/>
+                <a:cs typeface="Comic Sans MS"/>
+              </a:rPr>
+              <a:t>must be </a:t>
+            </a:r>
+            <a:r>
+              <a:rPr lang="en-US" sz="4000" dirty="0" err="1" smtClean="0">
+                <a:solidFill>
+                  <a:srgbClr val="000000"/>
+                </a:solidFill>
+                <a:latin typeface="Comic Sans MS"/>
+                <a:cs typeface="Comic Sans MS"/>
+              </a:rPr>
+              <a:t>subgraphs</a:t>
+            </a:r>
+            <a:r>
+              <a:rPr lang="en-US" sz="4000" dirty="0" smtClean="0">
+                <a:solidFill>
+                  <a:srgbClr val="000000"/>
+                </a:solidFill>
+                <a:latin typeface="Comic Sans MS"/>
+                <a:cs typeface="Comic Sans MS"/>
+              </a:rPr>
+              <a:t> of the same MST</a:t>
+            </a:r>
+            <a:r>
+              <a:rPr lang="en-US" sz="4000" dirty="0" smtClean="0">
+                <a:solidFill>
+                  <a:srgbClr val="0000E5"/>
+                </a:solidFill>
+                <a:latin typeface="Comic Sans MS"/>
+                <a:cs typeface="Comic Sans MS"/>
+              </a:rPr>
+              <a:t> M</a:t>
+            </a:r>
             <a:endParaRPr lang="en-US" sz="4000" dirty="0"/>
           </a:p>
         </p:txBody>
@@ -6967,25 +9189,16 @@
     </p:spTree>
     <p:extLst>
       <p:ext uri="{BB962C8B-B14F-4D97-AF65-F5344CB8AC3E}">
-        <p14:creationId xmlns:p14="http://schemas.microsoft.com/office/powerpoint/2010/main" val="2684110467"/>
+        <p14:creationId xmlns:p14="http://schemas.microsoft.com/office/powerpoint/2010/main" val="3475477639"/>
       </p:ext>
     </p:extLst>
   </p:cSld>
   <p:clrMapOvr>
     <a:masterClrMapping/>
   </p:clrMapOvr>
-  <mc:AlternateContent xmlns:mc="http://schemas.openxmlformats.org/markup-compatibility/2006" xmlns:p14="http://schemas.microsoft.com/office/powerpoint/2010/main">
-    <mc:Choice Requires="p14">
-      <p:transition spd="slow" p14:dur="900" advClick="0">
-        <p:fade/>
-      </p:transition>
-    </mc:Choice>
-    <mc:Fallback xmlns="">
-      <p:transition xmlns:p14="http://schemas.microsoft.com/office/powerpoint/2010/main" spd="slow" advClick="0">
-        <p:fade/>
-      </p:transition>
-    </mc:Fallback>
-  </mc:AlternateContent>
+  <p:transition xmlns:p14="http://schemas.microsoft.com/office/powerpoint/2010/main" spd="slow" advClick="0">
+    <p:fade thruBlk="1"/>
+  </p:transition>
   <p:timing>
     <p:tnLst>
       <p:par>
@@ -7007,7 +9220,7 @@
                             </p:stCondLst>
                             <p:childTnLst>
                               <p:par>
-                                <p:cTn id="5" presetID="9" presetClass="entr" presetSubtype="0" fill="hold" grpId="0" nodeType="clickEffect">
+                                <p:cTn id="5" presetID="10" presetClass="entr" presetSubtype="0" fill="hold" grpId="1" nodeType="clickEffect">
                                   <p:stCondLst>
                                     <p:cond delay="0"/>
                                   </p:stCondLst>
@@ -7020,7 +9233,11 @@
                                           </p:stCondLst>
                                         </p:cTn>
                                         <p:tgtEl>
-                                          <p:spTgt spid="5"/>
+                                          <p:spTgt spid="5">
+                                            <p:txEl>
+                                              <p:pRg st="0" end="0"/>
+                                            </p:txEl>
+                                          </p:spTgt>
                                         </p:tgtEl>
                                         <p:attrNameLst>
                                           <p:attrName>style.visibility</p:attrName>
@@ -7030,11 +9247,198 @@
                                         <p:strVal val="visible"/>
                                       </p:to>
                                     </p:set>
-                                    <p:animEffect transition="in" filter="dissolve">
+                                    <p:animEffect transition="in" filter="fade">
                                       <p:cBhvr>
                                         <p:cTn id="7" dur="500"/>
                                         <p:tgtEl>
-                                          <p:spTgt spid="5"/>
+                                          <p:spTgt spid="5">
+                                            <p:txEl>
+                                              <p:pRg st="0" end="0"/>
+                                            </p:txEl>
+                                          </p:spTgt>
+                                        </p:tgtEl>
+                                      </p:cBhvr>
+                                    </p:animEffect>
+                                  </p:childTnLst>
+                                </p:cTn>
+                              </p:par>
+                            </p:childTnLst>
+                          </p:cTn>
+                        </p:par>
+                      </p:childTnLst>
+                    </p:cTn>
+                  </p:par>
+                  <p:par>
+                    <p:cTn id="8" fill="hold">
+                      <p:stCondLst>
+                        <p:cond delay="indefinite"/>
+                      </p:stCondLst>
+                      <p:childTnLst>
+                        <p:par>
+                          <p:cTn id="9" fill="hold">
+                            <p:stCondLst>
+                              <p:cond delay="0"/>
+                            </p:stCondLst>
+                            <p:childTnLst>
+                              <p:par>
+                                <p:cTn id="10" presetID="10" presetClass="entr" presetSubtype="0" fill="hold" grpId="1" nodeType="clickEffect">
+                                  <p:stCondLst>
+                                    <p:cond delay="0"/>
+                                  </p:stCondLst>
+                                  <p:childTnLst>
+                                    <p:set>
+                                      <p:cBhvr>
+                                        <p:cTn id="11" dur="1" fill="hold">
+                                          <p:stCondLst>
+                                            <p:cond delay="0"/>
+                                          </p:stCondLst>
+                                        </p:cTn>
+                                        <p:tgtEl>
+                                          <p:spTgt spid="5">
+                                            <p:txEl>
+                                              <p:pRg st="1" end="1"/>
+                                            </p:txEl>
+                                          </p:spTgt>
+                                        </p:tgtEl>
+                                        <p:attrNameLst>
+                                          <p:attrName>style.visibility</p:attrName>
+                                        </p:attrNameLst>
+                                      </p:cBhvr>
+                                      <p:to>
+                                        <p:strVal val="visible"/>
+                                      </p:to>
+                                    </p:set>
+                                    <p:animEffect transition="in" filter="fade">
+                                      <p:cBhvr>
+                                        <p:cTn id="12" dur="500"/>
+                                        <p:tgtEl>
+                                          <p:spTgt spid="5">
+                                            <p:txEl>
+                                              <p:pRg st="1" end="1"/>
+                                            </p:txEl>
+                                          </p:spTgt>
+                                        </p:tgtEl>
+                                      </p:cBhvr>
+                                    </p:animEffect>
+                                  </p:childTnLst>
+                                </p:cTn>
+                              </p:par>
+                            </p:childTnLst>
+                          </p:cTn>
+                        </p:par>
+                      </p:childTnLst>
+                    </p:cTn>
+                  </p:par>
+                  <p:par>
+                    <p:cTn id="13" fill="hold">
+                      <p:stCondLst>
+                        <p:cond delay="indefinite"/>
+                      </p:stCondLst>
+                      <p:childTnLst>
+                        <p:par>
+                          <p:cTn id="14" fill="hold">
+                            <p:stCondLst>
+                              <p:cond delay="0"/>
+                            </p:stCondLst>
+                            <p:childTnLst>
+                              <p:par>
+                                <p:cTn id="15" presetID="10" presetClass="entr" presetSubtype="0" fill="hold" grpId="1" nodeType="clickEffect">
+                                  <p:stCondLst>
+                                    <p:cond delay="0"/>
+                                  </p:stCondLst>
+                                  <p:childTnLst>
+                                    <p:set>
+                                      <p:cBhvr>
+                                        <p:cTn id="16" dur="1" fill="hold">
+                                          <p:stCondLst>
+                                            <p:cond delay="0"/>
+                                          </p:stCondLst>
+                                        </p:cTn>
+                                        <p:tgtEl>
+                                          <p:spTgt spid="5">
+                                            <p:txEl>
+                                              <p:pRg st="2" end="2"/>
+                                            </p:txEl>
+                                          </p:spTgt>
+                                        </p:tgtEl>
+                                        <p:attrNameLst>
+                                          <p:attrName>style.visibility</p:attrName>
+                                        </p:attrNameLst>
+                                      </p:cBhvr>
+                                      <p:to>
+                                        <p:strVal val="visible"/>
+                                      </p:to>
+                                    </p:set>
+                                    <p:animEffect transition="in" filter="fade">
+                                      <p:cBhvr>
+                                        <p:cTn id="17" dur="500"/>
+                                        <p:tgtEl>
+                                          <p:spTgt spid="5">
+                                            <p:txEl>
+                                              <p:pRg st="2" end="2"/>
+                                            </p:txEl>
+                                          </p:spTgt>
+                                        </p:tgtEl>
+                                      </p:cBhvr>
+                                    </p:animEffect>
+                                  </p:childTnLst>
+                                </p:cTn>
+                              </p:par>
+                            </p:childTnLst>
+                          </p:cTn>
+                        </p:par>
+                      </p:childTnLst>
+                    </p:cTn>
+                  </p:par>
+                  <p:par>
+                    <p:cTn id="18" fill="hold">
+                      <p:stCondLst>
+                        <p:cond delay="indefinite"/>
+                      </p:stCondLst>
+                      <p:childTnLst>
+                        <p:par>
+                          <p:cTn id="19" fill="hold">
+                            <p:stCondLst>
+                              <p:cond delay="0"/>
+                            </p:stCondLst>
+                            <p:childTnLst>
+                              <p:par>
+                                <p:cTn id="20" presetID="10" presetClass="entr" presetSubtype="0" fill="hold" grpId="1" nodeType="clickEffect">
+                                  <p:stCondLst>
+                                    <p:cond delay="0"/>
+                                  </p:stCondLst>
+                                  <p:childTnLst>
+                                    <p:set>
+                                      <p:cBhvr>
+                                        <p:cTn id="21" dur="1" fill="hold">
+                                          <p:stCondLst>
+                                            <p:cond delay="0"/>
+                                          </p:stCondLst>
+                                        </p:cTn>
+                                        <p:tgtEl>
+                                          <p:spTgt spid="5">
+                                            <p:txEl>
+                                              <p:pRg st="3" end="3"/>
+                                            </p:txEl>
+                                          </p:spTgt>
+                                        </p:tgtEl>
+                                        <p:attrNameLst>
+                                          <p:attrName>style.visibility</p:attrName>
+                                        </p:attrNameLst>
+                                      </p:cBhvr>
+                                      <p:to>
+                                        <p:strVal val="visible"/>
+                                      </p:to>
+                                    </p:set>
+                                    <p:animEffect transition="in" filter="fade">
+                                      <p:cBhvr>
+                                        <p:cTn id="22" dur="500"/>
+                                        <p:tgtEl>
+                                          <p:spTgt spid="5">
+                                            <p:txEl>
+                                              <p:pRg st="3" end="3"/>
+                                            </p:txEl>
+                                          </p:spTgt>
                                         </p:tgtEl>
                                       </p:cBhvr>
                                     </p:animEffect>
@@ -7069,357 +9473,7 @@
       </p:par>
     </p:tnLst>
     <p:bldLst>
-      <p:bldP spid="5" grpId="0"/>
-    </p:bldLst>
-  </p:timing>
-</p:sld>
-</file>
-
-<file path=ppt/slides/slide17.xml><?xml version="1.0" encoding="utf-8"?>
-<p:sld xmlns:a="http://schemas.openxmlformats.org/drawingml/2006/main" xmlns:r="http://schemas.openxmlformats.org/officeDocument/2006/relationships" xmlns:p="http://schemas.openxmlformats.org/presentationml/2006/main">
-  <p:cSld>
-    <p:spTree>
-      <p:nvGrpSpPr>
-        <p:cNvPr id="1" name=""/>
-        <p:cNvGrpSpPr/>
-        <p:nvPr/>
-      </p:nvGrpSpPr>
-      <p:grpSpPr>
-        <a:xfrm>
-          <a:off x="0" y="0"/>
-          <a:ext cx="0" cy="0"/>
-          <a:chOff x="0" y="0"/>
-          <a:chExt cx="0" cy="0"/>
-        </a:xfrm>
-      </p:grpSpPr>
-      <p:sp>
-        <p:nvSpPr>
-          <p:cNvPr id="2" name="Title 1"/>
-          <p:cNvSpPr>
-            <a:spLocks noGrp="1"/>
-          </p:cNvSpPr>
-          <p:nvPr>
-            <p:ph type="title"/>
-          </p:nvPr>
-        </p:nvSpPr>
-        <p:spPr>
-          <a:xfrm>
-            <a:off x="1066800" y="381000"/>
-            <a:ext cx="8382000" cy="990600"/>
-          </a:xfrm>
-        </p:spPr>
-        <p:txBody>
-          <a:bodyPr/>
-          <a:lstStyle/>
-          <a:p>
-            <a:r>
-              <a:rPr lang="en-US" sz="3600" b="0" dirty="0">
-                <a:solidFill>
-                  <a:srgbClr val="000000"/>
-                </a:solidFill>
-                <a:cs typeface="Comic Sans MS"/>
-              </a:rPr>
-              <a:t>w(M*) = w(M)-w(g)+w(e)≤w(M)</a:t>
-            </a:r>
-            <a:br>
-              <a:rPr lang="en-US" sz="3600" b="0" dirty="0">
-                <a:solidFill>
-                  <a:srgbClr val="000000"/>
-                </a:solidFill>
-                <a:cs typeface="Comic Sans MS"/>
-              </a:rPr>
-            </a:br>
-            <a:endParaRPr lang="en-US" sz="3600" b="0" dirty="0"/>
-          </a:p>
-        </p:txBody>
-      </p:sp>
-      <p:sp>
-        <p:nvSpPr>
-          <p:cNvPr id="3" name="Content Placeholder 2"/>
-          <p:cNvSpPr>
-            <a:spLocks noGrp="1"/>
-          </p:cNvSpPr>
-          <p:nvPr>
-            <p:ph idx="1"/>
-          </p:nvPr>
-        </p:nvSpPr>
-        <p:spPr>
-          <a:xfrm>
-            <a:off x="76200" y="2057400"/>
-            <a:ext cx="8839200" cy="1524000"/>
-          </a:xfrm>
-        </p:spPr>
-        <p:txBody>
-          <a:bodyPr/>
-          <a:lstStyle/>
-          <a:p>
-            <a:r>
-              <a:rPr lang="en-US" dirty="0" smtClean="0"/>
-              <a:t>If all edge weights are distinct, then either w(e)&gt;w(g) or w(g)&lt;w(e).</a:t>
-            </a:r>
-          </a:p>
-          <a:p>
-            <a:endParaRPr lang="en-US" dirty="0"/>
-          </a:p>
-        </p:txBody>
-      </p:sp>
-      <p:sp>
-        <p:nvSpPr>
-          <p:cNvPr id="4" name="Slide Number Placeholder 3"/>
-          <p:cNvSpPr>
-            <a:spLocks noGrp="1"/>
-          </p:cNvSpPr>
-          <p:nvPr>
-            <p:ph type="sldNum" sz="quarter" idx="4"/>
-          </p:nvPr>
-        </p:nvSpPr>
-        <p:spPr/>
-        <p:txBody>
-          <a:bodyPr/>
-          <a:lstStyle/>
-          <a:p>
-            <a:pPr>
-              <a:defRPr/>
-            </a:pPr>
-            <a:r>
-              <a:rPr lang="en-US" smtClean="0"/>
-              <a:t>connected.</a:t>
-            </a:r>
-            <a:fld id="{D7F2FC53-1536-41A9-A9C1-2199CF803E30}" type="slidenum">
-              <a:rPr lang="en-US" smtClean="0"/>
-              <a:pPr>
-                <a:defRPr/>
-              </a:pPr>
-              <a:t>17</a:t>
-            </a:fld>
-            <a:endParaRPr lang="en-US" dirty="0"/>
-          </a:p>
-        </p:txBody>
-      </p:sp>
-      <p:sp>
-        <p:nvSpPr>
-          <p:cNvPr id="5" name="TextBox 4"/>
-          <p:cNvSpPr txBox="1"/>
-          <p:nvPr/>
-        </p:nvSpPr>
-        <p:spPr>
-          <a:xfrm>
-            <a:off x="381000" y="3657600"/>
-            <a:ext cx="8534400" cy="1323439"/>
-          </a:xfrm>
-          <a:prstGeom prst="rect">
-            <a:avLst/>
-          </a:prstGeom>
-          <a:noFill/>
-        </p:spPr>
-        <p:txBody>
-          <a:bodyPr wrap="square" rtlCol="0">
-            <a:spAutoFit/>
-          </a:bodyPr>
-          <a:lstStyle/>
-          <a:p>
-            <a:r>
-              <a:rPr lang="en-US" sz="4000" dirty="0"/>
-              <a:t>In the first case, M* is not a MST.</a:t>
-            </a:r>
-          </a:p>
-          <a:p>
-            <a:endParaRPr lang="en-US" sz="4000" dirty="0"/>
-          </a:p>
-        </p:txBody>
-      </p:sp>
-      <p:sp>
-        <p:nvSpPr>
-          <p:cNvPr id="6" name="TextBox 5"/>
-          <p:cNvSpPr txBox="1"/>
-          <p:nvPr/>
-        </p:nvSpPr>
-        <p:spPr>
-          <a:xfrm>
-            <a:off x="381000" y="4495800"/>
-            <a:ext cx="8153400" cy="1938992"/>
-          </a:xfrm>
-          <a:prstGeom prst="rect">
-            <a:avLst/>
-          </a:prstGeom>
-          <a:noFill/>
-        </p:spPr>
-        <p:txBody>
-          <a:bodyPr wrap="square" rtlCol="0">
-            <a:spAutoFit/>
-          </a:bodyPr>
-          <a:lstStyle/>
-          <a:p>
-            <a:r>
-              <a:rPr lang="en-US" sz="4000" dirty="0"/>
-              <a:t>In the second case, M was not a MST.</a:t>
-            </a:r>
-          </a:p>
-          <a:p>
-            <a:endParaRPr lang="en-US" sz="4000" dirty="0"/>
-          </a:p>
-        </p:txBody>
-      </p:sp>
-    </p:spTree>
-    <p:extLst>
-      <p:ext uri="{BB962C8B-B14F-4D97-AF65-F5344CB8AC3E}">
-        <p14:creationId xmlns:p14="http://schemas.microsoft.com/office/powerpoint/2010/main" val="1972442524"/>
-      </p:ext>
-    </p:extLst>
-  </p:cSld>
-  <p:clrMapOvr>
-    <a:masterClrMapping/>
-  </p:clrMapOvr>
-  <mc:AlternateContent xmlns:mc="http://schemas.openxmlformats.org/markup-compatibility/2006" xmlns:p14="http://schemas.microsoft.com/office/powerpoint/2010/main">
-    <mc:Choice Requires="p14">
-      <p:transition spd="slow" p14:dur="900" advClick="0">
-        <p:fade/>
-      </p:transition>
-    </mc:Choice>
-    <mc:Fallback xmlns="">
-      <p:transition xmlns:p14="http://schemas.microsoft.com/office/powerpoint/2010/main" spd="slow" advClick="0">
-        <p:fade/>
-      </p:transition>
-    </mc:Fallback>
-  </mc:AlternateContent>
-  <p:timing>
-    <p:tnLst>
-      <p:par>
-        <p:cTn xmlns:p14="http://schemas.microsoft.com/office/powerpoint/2010/main" id="1" dur="indefinite" restart="never" nodeType="tmRoot">
-          <p:childTnLst>
-            <p:seq concurrent="1" nextAc="seek">
-              <p:cTn id="2" dur="indefinite" nodeType="mainSeq">
-                <p:childTnLst>
-                  <p:par>
-                    <p:cTn id="3" fill="hold">
-                      <p:stCondLst>
-                        <p:cond delay="indefinite"/>
-                      </p:stCondLst>
-                      <p:childTnLst>
-                        <p:par>
-                          <p:cTn id="4" fill="hold">
-                            <p:stCondLst>
-                              <p:cond delay="0"/>
-                            </p:stCondLst>
-                            <p:childTnLst>
-                              <p:par>
-                                <p:cTn id="5" presetID="9" presetClass="entr" presetSubtype="0" fill="hold" grpId="0" nodeType="clickEffect">
-                                  <p:stCondLst>
-                                    <p:cond delay="0"/>
-                                  </p:stCondLst>
-                                  <p:childTnLst>
-                                    <p:set>
-                                      <p:cBhvr>
-                                        <p:cTn id="6" dur="1" fill="hold">
-                                          <p:stCondLst>
-                                            <p:cond delay="0"/>
-                                          </p:stCondLst>
-                                        </p:cTn>
-                                        <p:tgtEl>
-                                          <p:spTgt spid="5"/>
-                                        </p:tgtEl>
-                                        <p:attrNameLst>
-                                          <p:attrName>style.visibility</p:attrName>
-                                        </p:attrNameLst>
-                                      </p:cBhvr>
-                                      <p:to>
-                                        <p:strVal val="visible"/>
-                                      </p:to>
-                                    </p:set>
-                                    <p:animEffect transition="in" filter="dissolve">
-                                      <p:cBhvr>
-                                        <p:cTn id="7" dur="500"/>
-                                        <p:tgtEl>
-                                          <p:spTgt spid="5"/>
-                                        </p:tgtEl>
-                                      </p:cBhvr>
-                                    </p:animEffect>
-                                  </p:childTnLst>
-                                </p:cTn>
-                              </p:par>
-                            </p:childTnLst>
-                          </p:cTn>
-                        </p:par>
-                      </p:childTnLst>
-                    </p:cTn>
-                  </p:par>
-                  <p:par>
-                    <p:cTn id="8" fill="hold">
-                      <p:stCondLst>
-                        <p:cond delay="indefinite"/>
-                      </p:stCondLst>
-                      <p:childTnLst>
-                        <p:par>
-                          <p:cTn id="9" fill="hold">
-                            <p:stCondLst>
-                              <p:cond delay="0"/>
-                            </p:stCondLst>
-                            <p:childTnLst>
-                              <p:par>
-                                <p:cTn id="10" presetID="9" presetClass="entr" presetSubtype="0" fill="hold" grpId="0" nodeType="clickEffect">
-                                  <p:stCondLst>
-                                    <p:cond delay="0"/>
-                                  </p:stCondLst>
-                                  <p:childTnLst>
-                                    <p:set>
-                                      <p:cBhvr>
-                                        <p:cTn id="11" dur="1" fill="hold">
-                                          <p:stCondLst>
-                                            <p:cond delay="0"/>
-                                          </p:stCondLst>
-                                        </p:cTn>
-                                        <p:tgtEl>
-                                          <p:spTgt spid="6"/>
-                                        </p:tgtEl>
-                                        <p:attrNameLst>
-                                          <p:attrName>style.visibility</p:attrName>
-                                        </p:attrNameLst>
-                                      </p:cBhvr>
-                                      <p:to>
-                                        <p:strVal val="visible"/>
-                                      </p:to>
-                                    </p:set>
-                                    <p:animEffect transition="in" filter="dissolve">
-                                      <p:cBhvr>
-                                        <p:cTn id="12" dur="500"/>
-                                        <p:tgtEl>
-                                          <p:spTgt spid="6"/>
-                                        </p:tgtEl>
-                                      </p:cBhvr>
-                                    </p:animEffect>
-                                  </p:childTnLst>
-                                </p:cTn>
-                              </p:par>
-                            </p:childTnLst>
-                          </p:cTn>
-                        </p:par>
-                      </p:childTnLst>
-                    </p:cTn>
-                  </p:par>
-                </p:childTnLst>
-              </p:cTn>
-              <p:prevCondLst>
-                <p:cond evt="onPrev" delay="0">
-                  <p:tgtEl>
-                    <p:sldTgt/>
-                  </p:tgtEl>
-                </p:cond>
-              </p:prevCondLst>
-              <p:nextCondLst>
-                <p:cond evt="onNext" delay="0">
-                  <p:tgtEl>
-                    <p:sldTgt/>
-                  </p:tgtEl>
-                </p:cond>
-              </p:nextCondLst>
-            </p:seq>
-          </p:childTnLst>
-        </p:cTn>
-      </p:par>
-    </p:tnLst>
-    <p:bldLst>
-      <p:bldP spid="5" grpId="0"/>
-      <p:bldP spid="6" grpId="0"/>
+      <p:bldP spid="5" grpId="1" build="p"/>
     </p:bldLst>
   </p:timing>
 </p:sld>
@@ -9242,33 +11296,115 @@
           </a:p>
         </p:txBody>
       </p:sp>
-      <p:cxnSp>
-        <p:nvCxnSpPr>
-          <p:cNvPr id="145" name="Straight Connector 144"/>
-          <p:cNvCxnSpPr/>
+      <p:grpSp>
+        <p:nvGrpSpPr>
+          <p:cNvPr id="12" name="Group 11"/>
+          <p:cNvGrpSpPr/>
           <p:nvPr/>
-        </p:nvCxnSpPr>
-        <p:spPr bwMode="auto">
-          <a:xfrm flipH="1">
-            <a:off x="5540282" y="1730282"/>
-            <a:ext cx="1187636" cy="1187636"/>
+        </p:nvGrpSpPr>
+        <p:grpSpPr>
+          <a:xfrm>
+            <a:off x="5410200" y="2819400"/>
+            <a:ext cx="1371600" cy="838200"/>
+            <a:chOff x="5410200" y="2819400"/>
+            <a:chExt cx="1371600" cy="838200"/>
           </a:xfrm>
-          <a:prstGeom prst="line">
-            <a:avLst/>
-          </a:prstGeom>
-          <a:noFill/>
-          <a:ln w="38100" cap="flat" cmpd="sng" algn="ctr">
+        </p:grpSpPr>
+        <p:cxnSp>
+          <p:nvCxnSpPr>
+            <p:cNvPr id="145" name="Straight Connector 144"/>
+            <p:cNvCxnSpPr>
+              <a:endCxn id="8" idx="6"/>
+            </p:cNvCxnSpPr>
+            <p:nvPr/>
+          </p:nvCxnSpPr>
+          <p:spPr bwMode="auto">
+            <a:xfrm flipH="1" flipV="1">
+              <a:off x="5410200" y="2819400"/>
+              <a:ext cx="1295400" cy="762000"/>
+            </a:xfrm>
+            <a:prstGeom prst="line">
+              <a:avLst/>
+            </a:prstGeom>
+            <a:noFill/>
+            <a:ln w="38100" cap="flat" cmpd="sng" algn="ctr">
+              <a:solidFill>
+                <a:schemeClr val="tx1"/>
+              </a:solidFill>
+              <a:prstDash val="solid"/>
+              <a:round/>
+              <a:headEnd type="none" w="med" len="med"/>
+              <a:tailEnd type="none" w="lg" len="lg"/>
+            </a:ln>
+            <a:effectLst/>
+          </p:spPr>
+        </p:cxnSp>
+        <p:sp>
+          <p:nvSpPr>
+            <p:cNvPr id="42" name="Oval 41"/>
+            <p:cNvSpPr/>
+            <p:nvPr/>
+          </p:nvSpPr>
+          <p:spPr bwMode="auto">
+            <a:xfrm>
+              <a:off x="6629400" y="3505200"/>
+              <a:ext cx="152400" cy="152400"/>
+            </a:xfrm>
+            <a:prstGeom prst="ellipse">
+              <a:avLst/>
+            </a:prstGeom>
             <a:solidFill>
               <a:schemeClr val="tx1"/>
             </a:solidFill>
-            <a:prstDash val="solid"/>
-            <a:round/>
-            <a:headEnd type="none" w="med" len="med"/>
-            <a:tailEnd type="none" w="lg" len="lg"/>
-          </a:ln>
-          <a:effectLst/>
-        </p:spPr>
-      </p:cxnSp>
+            <a:ln w="31750" cap="flat" cmpd="sng" algn="ctr">
+              <a:solidFill>
+                <a:schemeClr val="tx1"/>
+              </a:solidFill>
+              <a:prstDash val="solid"/>
+              <a:round/>
+              <a:headEnd type="none" w="med" len="med"/>
+              <a:tailEnd type="triangle" w="lg" len="lg"/>
+            </a:ln>
+            <a:effectLst/>
+          </p:spPr>
+          <p:txBody>
+            <a:bodyPr vert="horz" wrap="square" lIns="91440" tIns="45720" rIns="91440" bIns="45720" numCol="1" rtlCol="0" anchor="t" anchorCtr="0" compatLnSpc="1">
+              <a:prstTxWarp prst="textNoShape">
+                <a:avLst/>
+              </a:prstTxWarp>
+            </a:bodyPr>
+            <a:lstStyle/>
+            <a:p>
+              <a:pPr marL="0" marR="0" indent="0" algn="l" defTabSz="914400" rtl="0" eaLnBrk="1" fontAlgn="base" latinLnBrk="0" hangingPunct="1">
+                <a:lnSpc>
+                  <a:spcPct val="100000"/>
+                </a:lnSpc>
+                <a:spcBef>
+                  <a:spcPct val="0"/>
+                </a:spcBef>
+                <a:spcAft>
+                  <a:spcPct val="0"/>
+                </a:spcAft>
+                <a:buClrTx/>
+                <a:buSzTx/>
+                <a:buFontTx/>
+                <a:buNone/>
+                <a:tabLst/>
+              </a:pPr>
+              <a:endParaRPr kumimoji="0" lang="en-US" sz="3200" b="0" i="0" u="none" strike="noStrike" cap="none" normalizeH="0" baseline="0" smtClean="0">
+                <a:ln>
+                  <a:noFill/>
+                </a:ln>
+                <a:solidFill>
+                  <a:schemeClr val="tx1"/>
+                </a:solidFill>
+                <a:effectLst/>
+                <a:latin typeface="Comic Sans MS" pitchFamily="66" charset="0"/>
+              </a:endParaRPr>
+            </a:p>
+          </p:txBody>
+        </p:sp>
+      </p:grpSp>
     </p:spTree>
     <p:extLst>
       <p:ext uri="{BB962C8B-B14F-4D97-AF65-F5344CB8AC3E}">
@@ -9833,10 +11969,18 @@
           <a:lstStyle/>
           <a:p>
             <a:r>
-              <a:rPr lang="en-US" dirty="0" smtClean="0"/>
-              <a:t>Definition</a:t>
-            </a:r>
-            <a:endParaRPr lang="en-US" dirty="0"/>
+              <a:rPr lang="en-US" sz="4800" dirty="0" smtClean="0">
+                <a:solidFill>
+                  <a:srgbClr val="FF00FF"/>
+                </a:solidFill>
+              </a:rPr>
+              <a:t>pre</a:t>
+            </a:r>
+            <a:r>
+              <a:rPr lang="en-US" sz="4800" dirty="0" smtClean="0"/>
+              <a:t>-MST’s</a:t>
+            </a:r>
+            <a:endParaRPr lang="en-US" sz="4800" dirty="0"/>
           </a:p>
         </p:txBody>
       </p:sp>
@@ -9850,16 +11994,89 @@
             <p:ph idx="1"/>
           </p:nvPr>
         </p:nvSpPr>
-        <p:spPr/>
+        <p:spPr>
+          <a:xfrm>
+            <a:off x="381000" y="1447800"/>
+            <a:ext cx="8686800" cy="4648200"/>
+          </a:xfrm>
+        </p:spPr>
         <p:txBody>
           <a:bodyPr/>
           <a:lstStyle/>
           <a:p>
             <a:r>
-              <a:rPr lang="en-US" dirty="0" smtClean="0"/>
-              <a:t>F is a pre-MST of weighted graph G if F is a spanning sub graph of a MST of G</a:t>
-            </a:r>
-            <a:endParaRPr lang="en-US" dirty="0"/>
+              <a:rPr lang="en-US" sz="5400" dirty="0" smtClean="0">
+                <a:solidFill>
+                  <a:schemeClr val="accent5">
+                    <a:lumMod val="50000"/>
+                  </a:schemeClr>
+                </a:solidFill>
+              </a:rPr>
+              <a:t>A</a:t>
+            </a:r>
+            <a:r>
+              <a:rPr lang="en-US" sz="5400" dirty="0" smtClean="0"/>
+              <a:t> </a:t>
+            </a:r>
+            <a:r>
+              <a:rPr lang="en-US" sz="5400" dirty="0" smtClean="0">
+                <a:solidFill>
+                  <a:srgbClr val="930093"/>
+                </a:solidFill>
+              </a:rPr>
+              <a:t>pre-MST</a:t>
+            </a:r>
+            <a:r>
+              <a:rPr lang="en-US" sz="5400" dirty="0" smtClean="0"/>
+              <a:t> of weighted graph </a:t>
+            </a:r>
+            <a:r>
+              <a:rPr lang="en-US" sz="5400" dirty="0" smtClean="0">
+                <a:solidFill>
+                  <a:srgbClr val="0000F1"/>
+                </a:solidFill>
+              </a:rPr>
+              <a:t>G</a:t>
+            </a:r>
+            <a:r>
+              <a:rPr lang="en-US" sz="5400" dirty="0" smtClean="0"/>
+              <a:t> </a:t>
+            </a:r>
+            <a:r>
+              <a:rPr lang="en-US" sz="5400" dirty="0" smtClean="0"/>
+              <a:t>is a spanning </a:t>
+            </a:r>
+            <a:r>
+              <a:rPr lang="en-US" sz="5400" dirty="0" err="1" smtClean="0"/>
+              <a:t>subgraph</a:t>
+            </a:r>
+            <a:r>
+              <a:rPr lang="en-US" sz="5400" dirty="0" smtClean="0"/>
+              <a:t> </a:t>
+            </a:r>
+            <a:r>
+              <a:rPr lang="en-US" sz="5400" dirty="0" smtClean="0"/>
+              <a:t>of a MST of </a:t>
+            </a:r>
+            <a:r>
+              <a:rPr lang="en-US" sz="5400" dirty="0" smtClean="0">
+                <a:solidFill>
+                  <a:srgbClr val="0000F1"/>
+                </a:solidFill>
+              </a:rPr>
+              <a:t>G</a:t>
+            </a:r>
+            <a:r>
+              <a:rPr lang="en-US" sz="5400" dirty="0" smtClean="0"/>
+              <a:t>.</a:t>
+            </a:r>
+          </a:p>
+          <a:p>
+            <a:r>
+              <a:rPr lang="en-US" sz="5400" dirty="0" smtClean="0"/>
+              <a:t>A pre-MST will be a forest.</a:t>
+            </a:r>
+            <a:endParaRPr lang="en-US" sz="5400" dirty="0"/>
           </a:p>
         </p:txBody>
       </p:sp>
@@ -9906,22 +12123,97 @@
   <p:clrMapOvr>
     <a:masterClrMapping/>
   </p:clrMapOvr>
-  <mc:AlternateContent xmlns:mc="http://schemas.openxmlformats.org/markup-compatibility/2006" xmlns:p14="http://schemas.microsoft.com/office/powerpoint/2010/main">
-    <mc:Choice Requires="p14">
-      <p:transition spd="slow" p14:dur="900" advClick="0">
-        <p:fade/>
-      </p:transition>
-    </mc:Choice>
-    <mc:Fallback xmlns="">
-      <p:transition xmlns:p14="http://schemas.microsoft.com/office/powerpoint/2010/main" spd="slow" advClick="0">
-        <p:fade/>
-      </p:transition>
-    </mc:Fallback>
-  </mc:AlternateContent>
+  <p:transition xmlns:p14="http://schemas.microsoft.com/office/powerpoint/2010/main" spd="slow" advClick="0">
+    <p:fade thruBlk="1"/>
+  </p:transition>
   <p:timing>
     <p:tnLst>
       <p:par>
-        <p:cTn xmlns:p14="http://schemas.microsoft.com/office/powerpoint/2010/main" id="1" dur="indefinite" restart="never" nodeType="tmRoot"/>
+        <p:cTn xmlns:p14="http://schemas.microsoft.com/office/powerpoint/2010/main" id="1" dur="indefinite" restart="never" nodeType="tmRoot">
+          <p:childTnLst>
+            <p:seq concurrent="1" nextAc="seek">
+              <p:cTn id="2" dur="indefinite" nodeType="mainSeq">
+                <p:childTnLst>
+                  <p:par>
+                    <p:cTn id="3" fill="hold">
+                      <p:stCondLst>
+                        <p:cond delay="indefinite"/>
+                      </p:stCondLst>
+                      <p:childTnLst>
+                        <p:par>
+                          <p:cTn id="4" fill="hold">
+                            <p:stCondLst>
+                              <p:cond delay="0"/>
+                            </p:stCondLst>
+                            <p:childTnLst>
+                              <p:par>
+                                <p:cTn id="5" presetID="10" presetClass="entr" presetSubtype="0" fill="hold" nodeType="clickEffect">
+                                  <p:stCondLst>
+                                    <p:cond delay="0"/>
+                                  </p:stCondLst>
+                                  <p:childTnLst>
+                                    <p:set>
+                                      <p:cBhvr>
+                                        <p:cTn id="6" dur="1" fill="hold">
+                                          <p:stCondLst>
+                                            <p:cond delay="0"/>
+                                          </p:stCondLst>
+                                        </p:cTn>
+                                        <p:tgtEl>
+                                          <p:spTgt spid="3">
+                                            <p:txEl>
+                                              <p:pRg st="1" end="1"/>
+                                            </p:txEl>
+                                          </p:spTgt>
+                                        </p:tgtEl>
+                                        <p:attrNameLst>
+                                          <p:attrName>style.visibility</p:attrName>
+                                        </p:attrNameLst>
+                                      </p:cBhvr>
+                                      <p:to>
+                                        <p:strVal val="visible"/>
+                                      </p:to>
+                                    </p:set>
+                                    <p:animEffect transition="in" filter="fade">
+                                      <p:cBhvr>
+                                        <p:cTn id="7" dur="500"/>
+                                        <p:tgtEl>
+                                          <p:spTgt spid="3">
+                                            <p:txEl>
+                                              <p:pRg st="1" end="1"/>
+                                            </p:txEl>
+                                          </p:spTgt>
+                                        </p:tgtEl>
+                                      </p:cBhvr>
+                                    </p:animEffect>
+                                  </p:childTnLst>
+                                </p:cTn>
+                              </p:par>
+                            </p:childTnLst>
+                          </p:cTn>
+                        </p:par>
+                      </p:childTnLst>
+                    </p:cTn>
+                  </p:par>
+                </p:childTnLst>
+              </p:cTn>
+              <p:prevCondLst>
+                <p:cond evt="onPrev" delay="0">
+                  <p:tgtEl>
+                    <p:sldTgt/>
+                  </p:tgtEl>
+                </p:cond>
+              </p:prevCondLst>
+              <p:nextCondLst>
+                <p:cond evt="onNext" delay="0">
+                  <p:tgtEl>
+                    <p:sldTgt/>
+                  </p:tgtEl>
+                </p:cond>
+              </p:nextCondLst>
+            </p:seq>
+          </p:childTnLst>
+        </p:cTn>
       </p:par>
     </p:tnLst>
   </p:timing>
@@ -9947,6 +12239,149 @@
       </p:grpSpPr>
       <p:sp>
         <p:nvSpPr>
+          <p:cNvPr id="2" name="Title 1"/>
+          <p:cNvSpPr>
+            <a:spLocks noGrp="1"/>
+          </p:cNvSpPr>
+          <p:nvPr>
+            <p:ph type="title"/>
+          </p:nvPr>
+        </p:nvSpPr>
+        <p:spPr/>
+        <p:txBody>
+          <a:bodyPr/>
+          <a:lstStyle/>
+          <a:p>
+            <a:r>
+              <a:rPr lang="en-US" sz="4800" dirty="0" smtClean="0">
+                <a:solidFill>
+                  <a:srgbClr val="FF00FF"/>
+                </a:solidFill>
+              </a:rPr>
+              <a:t>pre</a:t>
+            </a:r>
+            <a:r>
+              <a:rPr lang="en-US" sz="4800" dirty="0" smtClean="0"/>
+              <a:t>-MST’s</a:t>
+            </a:r>
+            <a:endParaRPr lang="en-US" sz="4800" dirty="0"/>
+          </a:p>
+        </p:txBody>
+      </p:sp>
+      <p:sp>
+        <p:nvSpPr>
+          <p:cNvPr id="3" name="Content Placeholder 2"/>
+          <p:cNvSpPr>
+            <a:spLocks noGrp="1"/>
+          </p:cNvSpPr>
+          <p:nvPr>
+            <p:ph idx="1"/>
+          </p:nvPr>
+        </p:nvSpPr>
+        <p:spPr>
+          <a:xfrm>
+            <a:off x="381000" y="1447800"/>
+            <a:ext cx="8686800" cy="4648200"/>
+          </a:xfrm>
+        </p:spPr>
+        <p:txBody>
+          <a:bodyPr/>
+          <a:lstStyle/>
+          <a:p>
+            <a:r>
+              <a:rPr lang="en-US" sz="5400" dirty="0" smtClean="0"/>
+              <a:t>The </a:t>
+            </a:r>
+            <a:r>
+              <a:rPr lang="en-US" sz="5400" dirty="0" smtClean="0">
+                <a:solidFill>
+                  <a:srgbClr val="930093"/>
+                </a:solidFill>
+              </a:rPr>
+              <a:t>smallest</a:t>
+            </a:r>
+            <a:r>
+              <a:rPr lang="en-US" sz="5400" dirty="0" smtClean="0"/>
+              <a:t> pre-MST of</a:t>
+            </a:r>
+            <a:r>
+              <a:rPr lang="en-US" sz="5400" dirty="0" smtClean="0">
+                <a:solidFill>
+                  <a:schemeClr val="accent5">
+                    <a:lumMod val="50000"/>
+                  </a:schemeClr>
+                </a:solidFill>
+              </a:rPr>
+              <a:t> G </a:t>
+            </a:r>
+            <a:r>
+              <a:rPr lang="en-US" sz="5400" dirty="0" smtClean="0">
+                <a:solidFill>
+                  <a:srgbClr val="000000"/>
+                </a:solidFill>
+              </a:rPr>
+              <a:t>is the “empty” spanning </a:t>
+            </a:r>
+            <a:r>
+              <a:rPr lang="en-US" sz="5400" dirty="0" err="1" smtClean="0">
+                <a:solidFill>
+                  <a:srgbClr val="000000"/>
+                </a:solidFill>
+              </a:rPr>
+              <a:t>subgraph</a:t>
+            </a:r>
+            <a:r>
+              <a:rPr lang="en-US" sz="5400" dirty="0" smtClean="0">
+                <a:solidFill>
+                  <a:srgbClr val="000000"/>
+                </a:solidFill>
+              </a:rPr>
+              <a:t>.  That is, the graph with vertices </a:t>
+            </a:r>
+            <a:r>
+              <a:rPr lang="en-US" sz="5400" dirty="0" smtClean="0">
+                <a:solidFill>
+                  <a:schemeClr val="accent1">
+                    <a:lumMod val="50000"/>
+                  </a:schemeClr>
+                </a:solidFill>
+              </a:rPr>
+              <a:t>V(G)</a:t>
+            </a:r>
+            <a:r>
+              <a:rPr lang="en-US" sz="5400" dirty="0" smtClean="0">
+                <a:solidFill>
+                  <a:srgbClr val="000000"/>
+                </a:solidFill>
+              </a:rPr>
+              <a:t> and </a:t>
+            </a:r>
+            <a:r>
+              <a:rPr lang="en-US" sz="5400" dirty="0" smtClean="0">
+                <a:solidFill>
+                  <a:srgbClr val="930093"/>
+                </a:solidFill>
+              </a:rPr>
+              <a:t>no edges</a:t>
+            </a:r>
+            <a:r>
+              <a:rPr lang="en-US" sz="5400" dirty="0" smtClean="0">
+                <a:solidFill>
+                  <a:srgbClr val="000000"/>
+                </a:solidFill>
+              </a:rPr>
+              <a:t>.</a:t>
+            </a:r>
+            <a:endParaRPr lang="en-US" sz="5400" dirty="0">
+              <a:solidFill>
+                <a:srgbClr val="000000"/>
+              </a:solidFill>
+            </a:endParaRPr>
+          </a:p>
+        </p:txBody>
+      </p:sp>
+      <p:sp>
+        <p:nvSpPr>
           <p:cNvPr id="4" name="Slide Number Placeholder 3"/>
           <p:cNvSpPr>
             <a:spLocks noGrp="1"/>
@@ -9973,6 +12408,79 @@
                 <a:defRPr/>
               </a:pPr>
               <a:t>5</a:t>
+            </a:fld>
+            <a:endParaRPr lang="en-US" dirty="0"/>
+          </a:p>
+        </p:txBody>
+      </p:sp>
+    </p:spTree>
+    <p:extLst>
+      <p:ext uri="{BB962C8B-B14F-4D97-AF65-F5344CB8AC3E}">
+        <p14:creationId xmlns:p14="http://schemas.microsoft.com/office/powerpoint/2010/main" val="3661866285"/>
+      </p:ext>
+    </p:extLst>
+  </p:cSld>
+  <p:clrMapOvr>
+    <a:masterClrMapping/>
+  </p:clrMapOvr>
+  <p:transition xmlns:p14="http://schemas.microsoft.com/office/powerpoint/2010/main" spd="slow" advClick="0">
+    <p:fade/>
+  </p:transition>
+  <p:timing>
+    <p:tnLst>
+      <p:par>
+        <p:cTn xmlns:p14="http://schemas.microsoft.com/office/powerpoint/2010/main" id="1" dur="indefinite" restart="never" nodeType="tmRoot"/>
+      </p:par>
+    </p:tnLst>
+  </p:timing>
+</p:sld>
+</file>
+
+<file path=ppt/slides/slide6.xml><?xml version="1.0" encoding="utf-8"?>
+<p:sld xmlns:a="http://schemas.openxmlformats.org/drawingml/2006/main" xmlns:r="http://schemas.openxmlformats.org/officeDocument/2006/relationships" xmlns:p="http://schemas.openxmlformats.org/presentationml/2006/main" show="0">
+  <p:cSld>
+    <p:spTree>
+      <p:nvGrpSpPr>
+        <p:cNvPr id="1" name=""/>
+        <p:cNvGrpSpPr/>
+        <p:nvPr/>
+      </p:nvGrpSpPr>
+      <p:grpSpPr>
+        <a:xfrm>
+          <a:off x="0" y="0"/>
+          <a:ext cx="0" cy="0"/>
+          <a:chOff x="0" y="0"/>
+          <a:chExt cx="0" cy="0"/>
+        </a:xfrm>
+      </p:grpSpPr>
+      <p:sp>
+        <p:nvSpPr>
+          <p:cNvPr id="4" name="Slide Number Placeholder 3"/>
+          <p:cNvSpPr>
+            <a:spLocks noGrp="1"/>
+          </p:cNvSpPr>
+          <p:nvPr>
+            <p:ph type="sldNum" sz="quarter" idx="4"/>
+          </p:nvPr>
+        </p:nvSpPr>
+        <p:spPr/>
+        <p:txBody>
+          <a:bodyPr/>
+          <a:lstStyle/>
+          <a:p>
+            <a:pPr>
+              <a:defRPr/>
+            </a:pPr>
+            <a:r>
+              <a:rPr lang="en-US" smtClean="0"/>
+              <a:t>connected.</a:t>
+            </a:r>
+            <a:fld id="{D7F2FC53-1536-41A9-A9C1-2199CF803E30}" type="slidenum">
+              <a:rPr lang="en-US" smtClean="0"/>
+              <a:pPr>
+                <a:defRPr/>
+              </a:pPr>
+              <a:t>6</a:t>
             </a:fld>
             <a:endParaRPr lang="en-US" dirty="0"/>
           </a:p>
@@ -11203,13 +13711,13 @@
   <p:clrMapOvr>
     <a:masterClrMapping/>
   </p:clrMapOvr>
-  <mc:AlternateContent xmlns:mc="http://schemas.openxmlformats.org/markup-compatibility/2006" xmlns:p14="http://schemas.microsoft.com/office/powerpoint/2010/main">
-    <mc:Choice Requires="p14">
+  <mc:AlternateContent xmlns:mc="http://schemas.openxmlformats.org/markup-compatibility/2006">
+    <mc:Choice xmlns:p14="http://schemas.microsoft.com/office/powerpoint/2010/main" Requires="p14">
       <p:transition spd="slow" p14:dur="900" advClick="0">
         <p:fade/>
       </p:transition>
     </mc:Choice>
-    <mc:Fallback xmlns="">
+    <mc:Fallback>
       <p:transition xmlns:p14="http://schemas.microsoft.com/office/powerpoint/2010/main" spd="slow" advClick="0">
         <p:fade/>
       </p:transition>
@@ -11988,7 +14496,7 @@
 </p:sld>
 </file>
 
-<file path=ppt/slides/slide6.xml><?xml version="1.0" encoding="utf-8"?>
+<file path=ppt/slides/slide7.xml><?xml version="1.0" encoding="utf-8"?>
 <p:sld xmlns:a="http://schemas.openxmlformats.org/drawingml/2006/main" xmlns:r="http://schemas.openxmlformats.org/officeDocument/2006/relationships" xmlns:p="http://schemas.openxmlformats.org/presentationml/2006/main">
   <p:cSld>
     <p:spTree>
@@ -12040,7 +14548,7 @@
               <a:pPr>
                 <a:defRPr/>
               </a:pPr>
-              <a:t>6</a:t>
+              <a:t>7</a:t>
             </a:fld>
             <a:endParaRPr lang="en-US" sz="1200" dirty="0"/>
           </a:p>
@@ -12105,45 +14613,35 @@
               </a:rPr>
               <a:t>Definition:</a:t>
             </a:r>
-          </a:p>
-          <a:p>
-            <a:pPr marL="342900" marR="0" lvl="0" indent="-342900" algn="l" defTabSz="914400" rtl="0" eaLnBrk="1" fontAlgn="base" latinLnBrk="0" hangingPunct="1">
-              <a:lnSpc>
-                <a:spcPct val="90000"/>
-              </a:lnSpc>
-              <a:spcBef>
-                <a:spcPct val="20000"/>
-              </a:spcBef>
-              <a:spcAft>
-                <a:spcPct val="0"/>
-              </a:spcAft>
-              <a:buClrTx/>
-              <a:buSzTx/>
-              <a:buFontTx/>
-              <a:buNone/>
-              <a:tabLst/>
-              <a:defRPr/>
-            </a:pPr>
-            <a:r>
-              <a:rPr lang="en-US" sz="3600" kern="0" dirty="0" smtClean="0">
+            <a:r>
+              <a:rPr lang="en-US" sz="4000" kern="0" dirty="0" smtClean="0">
+                <a:solidFill>
+                  <a:srgbClr val="930093"/>
+                </a:solidFill>
+                <a:latin typeface="+mn-lt"/>
+              </a:rPr>
+              <a:t> </a:t>
+            </a:r>
+            <a:r>
+              <a:rPr lang="en-US" sz="4000" kern="0" dirty="0" smtClean="0">
                 <a:solidFill>
                   <a:srgbClr val="0033CC"/>
                 </a:solidFill>
                 <a:latin typeface="+mn-lt"/>
               </a:rPr>
-              <a:t>A solid coloring </a:t>
-            </a:r>
-            <a:r>
-              <a:rPr lang="en-US" sz="3600" kern="0" dirty="0" smtClean="0">
+              <a:t>A </a:t>
+            </a:r>
+            <a:r>
+              <a:rPr lang="en-US" sz="4000" kern="0" dirty="0" smtClean="0">
                 <a:solidFill>
                   <a:srgbClr val="0033CC"/>
                 </a:solidFill>
                 <a:latin typeface="+mn-lt"/>
               </a:rPr>
-              <a:t>of a </a:t>
-            </a:r>
-            <a:r>
-              <a:rPr lang="en-US" sz="3600" kern="0" dirty="0" err="1" smtClean="0">
+              <a:t>solid coloring of a </a:t>
+            </a:r>
+            <a:r>
+              <a:rPr lang="en-US" sz="4000" kern="0" dirty="0" err="1" smtClean="0">
                 <a:solidFill>
                   <a:srgbClr val="0033CC"/>
                 </a:solidFill>
@@ -12152,24 +14650,24 @@
               <a:t>subgraph</a:t>
             </a:r>
             <a:r>
-              <a:rPr lang="en-US" sz="3600" kern="0" dirty="0" smtClean="0">
+              <a:rPr lang="en-US" sz="4000" kern="0" dirty="0" smtClean="0">
                 <a:solidFill>
                   <a:srgbClr val="0033CC"/>
                 </a:solidFill>
                 <a:latin typeface="+mn-lt"/>
               </a:rPr>
-              <a:t> F is </a:t>
-            </a:r>
-            <a:r>
-              <a:rPr lang="en-US" sz="3600" kern="0" dirty="0" smtClean="0">
+              <a:t> </a:t>
+            </a:r>
+            <a:r>
+              <a:rPr lang="en-US" sz="4000" kern="0" dirty="0" smtClean="0">
                 <a:solidFill>
                   <a:srgbClr val="0033CC"/>
                 </a:solidFill>
                 <a:latin typeface="+mn-lt"/>
               </a:rPr>
-              <a:t>one in which all the vertices in a connected component are the same color</a:t>
-            </a:r>
-            <a:endParaRPr kumimoji="0" lang="en-US" sz="3600" b="0" i="0" u="none" strike="noStrike" kern="0" cap="none" spc="0" normalizeH="0" baseline="0" noProof="0" dirty="0" smtClean="0">
+              <a:t>is one in which all the vertices in a connected component are the same color</a:t>
+            </a:r>
+            <a:endParaRPr kumimoji="0" lang="en-US" sz="4000" b="0" i="0" u="none" strike="noStrike" kern="0" cap="none" spc="0" normalizeH="0" baseline="0" noProof="0" dirty="0" smtClean="0">
               <a:ln>
                 <a:noFill/>
               </a:ln>
@@ -12180,8 +14678,6 @@
               <a:uLnTx/>
               <a:uFillTx/>
               <a:latin typeface="+mn-lt"/>
-              <a:ea typeface="+mn-ea"/>
-              <a:cs typeface="+mn-cs"/>
             </a:endParaRPr>
           </a:p>
         </p:txBody>
@@ -13692,7 +16188,7 @@
 </p:sld>
 </file>
 
-<file path=ppt/slides/slide7.xml><?xml version="1.0" encoding="utf-8"?>
+<file path=ppt/slides/slide8.xml><?xml version="1.0" encoding="utf-8"?>
 <p:sld xmlns:a="http://schemas.openxmlformats.org/drawingml/2006/main" xmlns:r="http://schemas.openxmlformats.org/officeDocument/2006/relationships" xmlns:p="http://schemas.openxmlformats.org/presentationml/2006/main">
   <p:cSld>
     <p:spTree>
@@ -13744,7 +16240,7 @@
               <a:pPr>
                 <a:defRPr/>
               </a:pPr>
-              <a:t>7</a:t>
+              <a:t>8</a:t>
             </a:fld>
             <a:endParaRPr lang="en-US" sz="1200" dirty="0"/>
           </a:p>
@@ -13763,7 +16259,7 @@
         <p:spPr>
           <a:xfrm>
             <a:off x="1371600" y="914400"/>
-            <a:ext cx="7467600" cy="2362200"/>
+            <a:ext cx="7772400" cy="3276600"/>
           </a:xfrm>
         </p:spPr>
         <p:txBody>
@@ -13778,30 +16274,90 @@
               <a:buNone/>
             </a:pPr>
             <a:r>
-              <a:rPr lang="en-US" sz="4400" dirty="0" smtClean="0">
+              <a:rPr lang="en-US" sz="3600" dirty="0" smtClean="0">
                 <a:solidFill>
-                  <a:schemeClr val="accent4"/>
+                  <a:srgbClr val="930093"/>
                 </a:solidFill>
               </a:rPr>
               <a:t>Definition:</a:t>
             </a:r>
-          </a:p>
-          <a:p>
-            <a:pPr eaLnBrk="1" hangingPunct="1">
-              <a:lnSpc>
-                <a:spcPct val="90000"/>
-              </a:lnSpc>
-              <a:buFontTx/>
-              <a:buNone/>
-            </a:pPr>
-            <a:r>
-              <a:rPr lang="en-US" sz="3600" dirty="0" smtClean="0">
+            <a:r>
+              <a:rPr lang="en-US" sz="4400" dirty="0" smtClean="0">
+                <a:solidFill>
+                  <a:srgbClr val="930093"/>
+                </a:solidFill>
+              </a:rPr>
+              <a:t> </a:t>
+            </a:r>
+            <a:r>
+              <a:rPr lang="en-US" sz="4400" dirty="0" smtClean="0">
                 <a:solidFill>
                   <a:srgbClr val="0033CC"/>
                 </a:solidFill>
               </a:rPr>
-              <a:t>A gray edge of a solid coloring is an edge with different-colored endpoints</a:t>
-            </a:r>
+              <a:t>A </a:t>
+            </a:r>
+            <a:r>
+              <a:rPr lang="en-US" sz="4400" dirty="0" smtClean="0">
+                <a:solidFill>
+                  <a:srgbClr val="930093"/>
+                </a:solidFill>
+              </a:rPr>
+              <a:t>gray edge</a:t>
+            </a:r>
+            <a:r>
+              <a:rPr lang="en-US" sz="4400" dirty="0" smtClean="0">
+                <a:solidFill>
+                  <a:srgbClr val="0033CC"/>
+                </a:solidFill>
+              </a:rPr>
+              <a:t> </a:t>
+            </a:r>
+            <a:r>
+              <a:rPr lang="en-US" sz="4400" dirty="0" smtClean="0">
+                <a:solidFill>
+                  <a:srgbClr val="0033CC"/>
+                </a:solidFill>
+              </a:rPr>
+              <a:t>for </a:t>
+            </a:r>
+            <a:r>
+              <a:rPr lang="en-US" sz="4400" dirty="0" smtClean="0">
+                <a:solidFill>
+                  <a:srgbClr val="0033CC"/>
+                </a:solidFill>
+              </a:rPr>
+              <a:t>a solid coloring is an edge </a:t>
+            </a:r>
+            <a:r>
+              <a:rPr lang="en-US" sz="4400" dirty="0" smtClean="0">
+                <a:solidFill>
+                  <a:srgbClr val="0033CC"/>
+                </a:solidFill>
+              </a:rPr>
+              <a:t>not in the </a:t>
+            </a:r>
+            <a:r>
+              <a:rPr lang="en-US" sz="4400" dirty="0" err="1" smtClean="0">
+                <a:solidFill>
+                  <a:srgbClr val="0033CC"/>
+                </a:solidFill>
+              </a:rPr>
+              <a:t>subgraph</a:t>
+            </a:r>
+            <a:r>
+              <a:rPr lang="en-US" sz="4400" dirty="0" smtClean="0">
+                <a:solidFill>
+                  <a:srgbClr val="0033CC"/>
+                </a:solidFill>
+              </a:rPr>
+              <a:t> whose endpoints have different colors.</a:t>
+            </a:r>
+            <a:endParaRPr lang="en-US" sz="4400" dirty="0" smtClean="0">
+              <a:solidFill>
+                <a:srgbClr val="0033CC"/>
+              </a:solidFill>
+            </a:endParaRPr>
           </a:p>
         </p:txBody>
       </p:sp>
@@ -14917,7 +17473,7 @@
 </p:sld>
 </file>
 
-<file path=ppt/slides/slide8.xml><?xml version="1.0" encoding="utf-8"?>
+<file path=ppt/slides/slide9.xml><?xml version="1.0" encoding="utf-8"?>
 <p:sld xmlns:a="http://schemas.openxmlformats.org/drawingml/2006/main" xmlns:r="http://schemas.openxmlformats.org/officeDocument/2006/relationships" xmlns:p="http://schemas.openxmlformats.org/presentationml/2006/main">
   <p:cSld>
     <p:spTree>
@@ -14957,7 +17513,7 @@
           <a:bodyPr/>
           <a:lstStyle/>
           <a:p>
-            <a:pPr algn="l">
+            <a:pPr>
               <a:defRPr/>
             </a:pPr>
             <a:r>
@@ -14966,10 +17522,10 @@
             </a:r>
             <a:fld id="{19EC3EF5-AAAB-406F-8B8B-2285D28F7116}" type="slidenum">
               <a:rPr lang="en-US" sz="1200" smtClean="0"/>
-              <a:pPr algn="l">
+              <a:pPr>
                 <a:defRPr/>
               </a:pPr>
-              <a:t>8</a:t>
+              <a:t>9</a:t>
             </a:fld>
             <a:endParaRPr lang="en-US" sz="1200" dirty="0"/>
           </a:p>
@@ -14977,7 +17533,138 @@
       </p:sp>
       <p:sp>
         <p:nvSpPr>
-          <p:cNvPr id="28" name="Rectangle 2"/>
+          <p:cNvPr id="5124" name="Rectangle 3"/>
+          <p:cNvSpPr>
+            <a:spLocks noGrp="1" noChangeArrowheads="1"/>
+          </p:cNvSpPr>
+          <p:nvPr>
+            <p:ph type="body" idx="1"/>
+          </p:nvPr>
+        </p:nvSpPr>
+        <p:spPr>
+          <a:xfrm>
+            <a:off x="228600" y="1600200"/>
+            <a:ext cx="8915400" cy="2286000"/>
+          </a:xfrm>
+        </p:spPr>
+        <p:txBody>
+          <a:bodyPr/>
+          <a:lstStyle/>
+          <a:p>
+            <a:pPr eaLnBrk="1" hangingPunct="1">
+              <a:lnSpc>
+                <a:spcPct val="90000"/>
+              </a:lnSpc>
+              <a:buFontTx/>
+              <a:buNone/>
+            </a:pPr>
+            <a:r>
+              <a:rPr lang="en-US" dirty="0" smtClean="0">
+                <a:solidFill>
+                  <a:srgbClr val="930093"/>
+                </a:solidFill>
+              </a:rPr>
+              <a:t>Definition: </a:t>
+            </a:r>
+            <a:r>
+              <a:rPr lang="en-US" dirty="0" smtClean="0">
+                <a:solidFill>
+                  <a:srgbClr val="0033CC"/>
+                </a:solidFill>
+              </a:rPr>
+              <a:t>An e</a:t>
+            </a:r>
+            <a:r>
+              <a:rPr lang="en-US" dirty="0" smtClean="0">
+                <a:solidFill>
+                  <a:srgbClr val="930093"/>
+                </a:solidFill>
+              </a:rPr>
+              <a:t>xtending </a:t>
+            </a:r>
+            <a:r>
+              <a:rPr lang="en-US" dirty="0" smtClean="0">
+                <a:solidFill>
+                  <a:srgbClr val="930093"/>
+                </a:solidFill>
+              </a:rPr>
+              <a:t>edge</a:t>
+            </a:r>
+            <a:r>
+              <a:rPr lang="en-US" dirty="0" smtClean="0">
+                <a:solidFill>
+                  <a:srgbClr val="0033CC"/>
+                </a:solidFill>
+              </a:rPr>
+              <a:t> </a:t>
+            </a:r>
+            <a:r>
+              <a:rPr lang="en-US" dirty="0" smtClean="0">
+                <a:solidFill>
+                  <a:srgbClr val="0033CC"/>
+                </a:solidFill>
+              </a:rPr>
+              <a:t>for a </a:t>
+            </a:r>
+            <a:r>
+              <a:rPr lang="en-US" dirty="0" err="1" smtClean="0">
+                <a:solidFill>
+                  <a:srgbClr val="0033CC"/>
+                </a:solidFill>
+              </a:rPr>
+              <a:t>subgraph</a:t>
+            </a:r>
+            <a:r>
+              <a:rPr lang="en-US" dirty="0" smtClean="0">
+                <a:solidFill>
+                  <a:srgbClr val="0033CC"/>
+                </a:solidFill>
+              </a:rPr>
+              <a:t> is an edge which is gray for </a:t>
+            </a:r>
+            <a:r>
+              <a:rPr lang="en-US" dirty="0" smtClean="0">
+                <a:solidFill>
+                  <a:srgbClr val="008000"/>
+                </a:solidFill>
+              </a:rPr>
+              <a:t>some</a:t>
+            </a:r>
+            <a:r>
+              <a:rPr lang="en-US" dirty="0" smtClean="0">
+                <a:solidFill>
+                  <a:srgbClr val="0033CC"/>
+                </a:solidFill>
+              </a:rPr>
+              <a:t> solid coloring of the </a:t>
+            </a:r>
+            <a:r>
+              <a:rPr lang="en-US" dirty="0" err="1" smtClean="0">
+                <a:solidFill>
+                  <a:srgbClr val="0033CC"/>
+                </a:solidFill>
+              </a:rPr>
+              <a:t>subgraph</a:t>
+            </a:r>
+            <a:r>
+              <a:rPr lang="en-US" dirty="0" smtClean="0">
+                <a:solidFill>
+                  <a:srgbClr val="0033CC"/>
+                </a:solidFill>
+              </a:rPr>
+              <a:t>.</a:t>
+            </a:r>
+            <a:endParaRPr lang="en-US" dirty="0" smtClean="0">
+              <a:solidFill>
+                <a:srgbClr val="0033CC"/>
+              </a:solidFill>
+            </a:endParaRPr>
+          </a:p>
+        </p:txBody>
+      </p:sp>
+      <p:sp>
+        <p:nvSpPr>
+          <p:cNvPr id="22" name="Rectangle 2"/>
           <p:cNvSpPr>
             <a:spLocks noGrp="1" noChangeArrowheads="1"/>
           </p:cNvSpPr>
@@ -14995,10 +17682,9 @@
           <a:bodyPr/>
           <a:lstStyle/>
           <a:p>
-            <a:pPr algn="l"/>
             <a:r>
               <a:rPr lang="en-US" sz="4800" dirty="0" smtClean="0"/>
-              <a:t>Lemma 11.11.11</a:t>
+              <a:t>Extending edges</a:t>
             </a:r>
             <a:endParaRPr lang="en-US" sz="4800" dirty="0"/>
           </a:p>
@@ -15006,43 +17692,986 @@
       </p:sp>
       <p:sp>
         <p:nvSpPr>
-          <p:cNvPr id="23" name="TextBox 22"/>
-          <p:cNvSpPr txBox="1"/>
+          <p:cNvPr id="5" name="Oval 4"/>
+          <p:cNvSpPr/>
           <p:nvPr/>
         </p:nvSpPr>
-        <p:spPr>
+        <p:spPr bwMode="auto">
           <a:xfrm>
-            <a:off x="990600" y="1066800"/>
-            <a:ext cx="7162800" cy="5078313"/>
+            <a:off x="2819400" y="4953000"/>
+            <a:ext cx="152400" cy="152400"/>
+          </a:xfrm>
+          <a:prstGeom prst="ellipse">
+            <a:avLst/>
+          </a:prstGeom>
+          <a:solidFill>
+            <a:schemeClr val="tx1"/>
+          </a:solidFill>
+          <a:ln w="31750" cap="flat" cmpd="sng" algn="ctr">
+            <a:solidFill>
+              <a:schemeClr val="tx1"/>
+            </a:solidFill>
+            <a:prstDash val="solid"/>
+            <a:round/>
+            <a:headEnd type="none" w="med" len="med"/>
+            <a:tailEnd type="triangle" w="lg" len="lg"/>
+          </a:ln>
+          <a:effectLst/>
+        </p:spPr>
+        <p:txBody>
+          <a:bodyPr vert="horz" wrap="square" lIns="91440" tIns="45720" rIns="91440" bIns="45720" numCol="1" rtlCol="0" anchor="t" anchorCtr="0" compatLnSpc="1">
+            <a:prstTxWarp prst="textNoShape">
+              <a:avLst/>
+            </a:prstTxWarp>
+          </a:bodyPr>
+          <a:lstStyle/>
+          <a:p>
+            <a:pPr marL="0" marR="0" indent="0" algn="l" defTabSz="914400" rtl="0" eaLnBrk="1" fontAlgn="base" latinLnBrk="0" hangingPunct="1">
+              <a:lnSpc>
+                <a:spcPct val="100000"/>
+              </a:lnSpc>
+              <a:spcBef>
+                <a:spcPct val="0"/>
+              </a:spcBef>
+              <a:spcAft>
+                <a:spcPct val="0"/>
+              </a:spcAft>
+              <a:buClrTx/>
+              <a:buSzTx/>
+              <a:buFontTx/>
+              <a:buNone/>
+              <a:tabLst/>
+            </a:pPr>
+            <a:endParaRPr kumimoji="0" lang="en-US" sz="3200" b="0" i="0" u="none" strike="noStrike" cap="none" normalizeH="0" baseline="0" smtClean="0">
+              <a:ln>
+                <a:noFill/>
+              </a:ln>
+              <a:solidFill>
+                <a:schemeClr val="tx1"/>
+              </a:solidFill>
+              <a:effectLst/>
+              <a:latin typeface="Comic Sans MS" pitchFamily="66" charset="0"/>
+            </a:endParaRPr>
+          </a:p>
+        </p:txBody>
+      </p:sp>
+      <p:sp>
+        <p:nvSpPr>
+          <p:cNvPr id="23" name="Oval 22"/>
+          <p:cNvSpPr/>
+          <p:nvPr/>
+        </p:nvSpPr>
+        <p:spPr bwMode="auto">
+          <a:xfrm>
+            <a:off x="762000" y="4572000"/>
+            <a:ext cx="152400" cy="152400"/>
+          </a:xfrm>
+          <a:prstGeom prst="ellipse">
+            <a:avLst/>
+          </a:prstGeom>
+          <a:solidFill>
+            <a:schemeClr val="tx1"/>
+          </a:solidFill>
+          <a:ln w="31750" cap="flat" cmpd="sng" algn="ctr">
+            <a:solidFill>
+              <a:schemeClr val="tx1"/>
+            </a:solidFill>
+            <a:prstDash val="solid"/>
+            <a:round/>
+            <a:headEnd type="none" w="med" len="med"/>
+            <a:tailEnd type="triangle" w="lg" len="lg"/>
+          </a:ln>
+          <a:effectLst/>
+        </p:spPr>
+        <p:txBody>
+          <a:bodyPr vert="horz" wrap="square" lIns="91440" tIns="45720" rIns="91440" bIns="45720" numCol="1" rtlCol="0" anchor="t" anchorCtr="0" compatLnSpc="1">
+            <a:prstTxWarp prst="textNoShape">
+              <a:avLst/>
+            </a:prstTxWarp>
+          </a:bodyPr>
+          <a:lstStyle/>
+          <a:p>
+            <a:pPr marL="0" marR="0" indent="0" algn="l" defTabSz="914400" rtl="0" eaLnBrk="1" fontAlgn="base" latinLnBrk="0" hangingPunct="1">
+              <a:lnSpc>
+                <a:spcPct val="100000"/>
+              </a:lnSpc>
+              <a:spcBef>
+                <a:spcPct val="0"/>
+              </a:spcBef>
+              <a:spcAft>
+                <a:spcPct val="0"/>
+              </a:spcAft>
+              <a:buClrTx/>
+              <a:buSzTx/>
+              <a:buFontTx/>
+              <a:buNone/>
+              <a:tabLst/>
+            </a:pPr>
+            <a:endParaRPr kumimoji="0" lang="en-US" sz="3200" b="0" i="0" u="none" strike="noStrike" cap="none" normalizeH="0" baseline="0" smtClean="0">
+              <a:ln>
+                <a:noFill/>
+              </a:ln>
+              <a:solidFill>
+                <a:schemeClr val="tx1"/>
+              </a:solidFill>
+              <a:effectLst/>
+              <a:latin typeface="Comic Sans MS" pitchFamily="66" charset="0"/>
+            </a:endParaRPr>
+          </a:p>
+        </p:txBody>
+      </p:sp>
+      <p:sp>
+        <p:nvSpPr>
+          <p:cNvPr id="24" name="Oval 23"/>
+          <p:cNvSpPr/>
+          <p:nvPr/>
+        </p:nvSpPr>
+        <p:spPr bwMode="auto">
+          <a:xfrm>
+            <a:off x="1676400" y="3581400"/>
+            <a:ext cx="152400" cy="152400"/>
+          </a:xfrm>
+          <a:prstGeom prst="ellipse">
+            <a:avLst/>
+          </a:prstGeom>
+          <a:solidFill>
+            <a:schemeClr val="tx1"/>
+          </a:solidFill>
+          <a:ln w="31750" cap="flat" cmpd="sng" algn="ctr">
+            <a:solidFill>
+              <a:schemeClr val="tx1"/>
+            </a:solidFill>
+            <a:prstDash val="solid"/>
+            <a:round/>
+            <a:headEnd type="none" w="med" len="med"/>
+            <a:tailEnd type="triangle" w="lg" len="lg"/>
+          </a:ln>
+          <a:effectLst/>
+        </p:spPr>
+        <p:txBody>
+          <a:bodyPr vert="horz" wrap="square" lIns="91440" tIns="45720" rIns="91440" bIns="45720" numCol="1" rtlCol="0" anchor="t" anchorCtr="0" compatLnSpc="1">
+            <a:prstTxWarp prst="textNoShape">
+              <a:avLst/>
+            </a:prstTxWarp>
+          </a:bodyPr>
+          <a:lstStyle/>
+          <a:p>
+            <a:pPr marL="0" marR="0" indent="0" algn="l" defTabSz="914400" rtl="0" eaLnBrk="1" fontAlgn="base" latinLnBrk="0" hangingPunct="1">
+              <a:lnSpc>
+                <a:spcPct val="100000"/>
+              </a:lnSpc>
+              <a:spcBef>
+                <a:spcPct val="0"/>
+              </a:spcBef>
+              <a:spcAft>
+                <a:spcPct val="0"/>
+              </a:spcAft>
+              <a:buClrTx/>
+              <a:buSzTx/>
+              <a:buFontTx/>
+              <a:buNone/>
+              <a:tabLst/>
+            </a:pPr>
+            <a:endParaRPr kumimoji="0" lang="en-US" sz="3200" b="0" i="0" u="none" strike="noStrike" cap="none" normalizeH="0" baseline="0" smtClean="0">
+              <a:ln>
+                <a:noFill/>
+              </a:ln>
+              <a:solidFill>
+                <a:schemeClr val="tx1"/>
+              </a:solidFill>
+              <a:effectLst/>
+              <a:latin typeface="Comic Sans MS" pitchFamily="66" charset="0"/>
+            </a:endParaRPr>
+          </a:p>
+        </p:txBody>
+      </p:sp>
+      <p:sp>
+        <p:nvSpPr>
+          <p:cNvPr id="25" name="Oval 24"/>
+          <p:cNvSpPr/>
+          <p:nvPr/>
+        </p:nvSpPr>
+        <p:spPr bwMode="auto">
+          <a:xfrm>
+            <a:off x="1371600" y="6019800"/>
+            <a:ext cx="152400" cy="152400"/>
+          </a:xfrm>
+          <a:prstGeom prst="ellipse">
+            <a:avLst/>
+          </a:prstGeom>
+          <a:solidFill>
+            <a:schemeClr val="tx1"/>
+          </a:solidFill>
+          <a:ln w="31750" cap="flat" cmpd="sng" algn="ctr">
+            <a:solidFill>
+              <a:schemeClr val="tx1"/>
+            </a:solidFill>
+            <a:prstDash val="solid"/>
+            <a:round/>
+            <a:headEnd type="none" w="med" len="med"/>
+            <a:tailEnd type="triangle" w="lg" len="lg"/>
+          </a:ln>
+          <a:effectLst/>
+        </p:spPr>
+        <p:txBody>
+          <a:bodyPr vert="horz" wrap="square" lIns="91440" tIns="45720" rIns="91440" bIns="45720" numCol="1" rtlCol="0" anchor="t" anchorCtr="0" compatLnSpc="1">
+            <a:prstTxWarp prst="textNoShape">
+              <a:avLst/>
+            </a:prstTxWarp>
+          </a:bodyPr>
+          <a:lstStyle/>
+          <a:p>
+            <a:pPr marL="0" marR="0" indent="0" algn="l" defTabSz="914400" rtl="0" eaLnBrk="1" fontAlgn="base" latinLnBrk="0" hangingPunct="1">
+              <a:lnSpc>
+                <a:spcPct val="100000"/>
+              </a:lnSpc>
+              <a:spcBef>
+                <a:spcPct val="0"/>
+              </a:spcBef>
+              <a:spcAft>
+                <a:spcPct val="0"/>
+              </a:spcAft>
+              <a:buClrTx/>
+              <a:buSzTx/>
+              <a:buFontTx/>
+              <a:buNone/>
+              <a:tabLst/>
+            </a:pPr>
+            <a:endParaRPr kumimoji="0" lang="en-US" sz="3200" b="0" i="0" u="none" strike="noStrike" cap="none" normalizeH="0" baseline="0" smtClean="0">
+              <a:ln>
+                <a:noFill/>
+              </a:ln>
+              <a:solidFill>
+                <a:schemeClr val="tx1"/>
+              </a:solidFill>
+              <a:effectLst/>
+              <a:latin typeface="Comic Sans MS" pitchFamily="66" charset="0"/>
+            </a:endParaRPr>
+          </a:p>
+        </p:txBody>
+      </p:sp>
+      <p:sp>
+        <p:nvSpPr>
+          <p:cNvPr id="28" name="Oval 27"/>
+          <p:cNvSpPr/>
+          <p:nvPr/>
+        </p:nvSpPr>
+        <p:spPr bwMode="auto">
+          <a:xfrm>
+            <a:off x="5410200" y="4800600"/>
+            <a:ext cx="152400" cy="152400"/>
+          </a:xfrm>
+          <a:prstGeom prst="ellipse">
+            <a:avLst/>
+          </a:prstGeom>
+          <a:solidFill>
+            <a:schemeClr val="bg1"/>
+          </a:solidFill>
+          <a:ln w="3175" cap="flat" cmpd="sng" algn="ctr">
+            <a:solidFill>
+              <a:schemeClr val="tx1"/>
+            </a:solidFill>
+            <a:prstDash val="solid"/>
+            <a:round/>
+            <a:headEnd type="none" w="med" len="med"/>
+            <a:tailEnd type="triangle" w="lg" len="lg"/>
+          </a:ln>
+          <a:effectLst/>
+        </p:spPr>
+        <p:txBody>
+          <a:bodyPr vert="horz" wrap="square" lIns="91440" tIns="45720" rIns="91440" bIns="45720" numCol="1" rtlCol="0" anchor="t" anchorCtr="0" compatLnSpc="1">
+            <a:prstTxWarp prst="textNoShape">
+              <a:avLst/>
+            </a:prstTxWarp>
+          </a:bodyPr>
+          <a:lstStyle/>
+          <a:p>
+            <a:pPr marL="0" marR="0" indent="0" algn="l" defTabSz="914400" rtl="0" eaLnBrk="1" fontAlgn="base" latinLnBrk="0" hangingPunct="1">
+              <a:lnSpc>
+                <a:spcPct val="100000"/>
+              </a:lnSpc>
+              <a:spcBef>
+                <a:spcPct val="0"/>
+              </a:spcBef>
+              <a:spcAft>
+                <a:spcPct val="0"/>
+              </a:spcAft>
+              <a:buClrTx/>
+              <a:buSzTx/>
+              <a:buFontTx/>
+              <a:buNone/>
+              <a:tabLst/>
+            </a:pPr>
+            <a:endParaRPr kumimoji="0" lang="en-US" sz="3200" b="0" i="0" u="none" strike="noStrike" cap="none" normalizeH="0" baseline="0" smtClean="0">
+              <a:ln>
+                <a:noFill/>
+              </a:ln>
+              <a:solidFill>
+                <a:schemeClr val="tx1"/>
+              </a:solidFill>
+              <a:effectLst/>
+              <a:latin typeface="Comic Sans MS" pitchFamily="66" charset="0"/>
+            </a:endParaRPr>
+          </a:p>
+        </p:txBody>
+      </p:sp>
+      <p:sp>
+        <p:nvSpPr>
+          <p:cNvPr id="29" name="Oval 28"/>
+          <p:cNvSpPr/>
+          <p:nvPr/>
+        </p:nvSpPr>
+        <p:spPr bwMode="auto">
+          <a:xfrm>
+            <a:off x="6705600" y="3505200"/>
+            <a:ext cx="152400" cy="152400"/>
+          </a:xfrm>
+          <a:prstGeom prst="ellipse">
+            <a:avLst/>
+          </a:prstGeom>
+          <a:solidFill>
+            <a:schemeClr val="bg1"/>
+          </a:solidFill>
+          <a:ln w="3175" cap="flat" cmpd="sng" algn="ctr">
+            <a:solidFill>
+              <a:schemeClr val="tx1"/>
+            </a:solidFill>
+            <a:prstDash val="solid"/>
+            <a:round/>
+            <a:headEnd type="none" w="med" len="med"/>
+            <a:tailEnd type="triangle" w="lg" len="lg"/>
+          </a:ln>
+          <a:effectLst/>
+        </p:spPr>
+        <p:txBody>
+          <a:bodyPr vert="horz" wrap="square" lIns="91440" tIns="45720" rIns="91440" bIns="45720" numCol="1" rtlCol="0" anchor="t" anchorCtr="0" compatLnSpc="1">
+            <a:prstTxWarp prst="textNoShape">
+              <a:avLst/>
+            </a:prstTxWarp>
+          </a:bodyPr>
+          <a:lstStyle/>
+          <a:p>
+            <a:pPr marL="0" marR="0" indent="0" algn="l" defTabSz="914400" rtl="0" eaLnBrk="1" fontAlgn="base" latinLnBrk="0" hangingPunct="1">
+              <a:lnSpc>
+                <a:spcPct val="100000"/>
+              </a:lnSpc>
+              <a:spcBef>
+                <a:spcPct val="0"/>
+              </a:spcBef>
+              <a:spcAft>
+                <a:spcPct val="0"/>
+              </a:spcAft>
+              <a:buClrTx/>
+              <a:buSzTx/>
+              <a:buFontTx/>
+              <a:buNone/>
+              <a:tabLst/>
+            </a:pPr>
+            <a:endParaRPr kumimoji="0" lang="en-US" sz="3200" b="0" i="0" u="none" strike="noStrike" cap="none" normalizeH="0" baseline="0" smtClean="0">
+              <a:ln>
+                <a:noFill/>
+              </a:ln>
+              <a:solidFill>
+                <a:schemeClr val="tx1"/>
+              </a:solidFill>
+              <a:effectLst/>
+              <a:latin typeface="Comic Sans MS" pitchFamily="66" charset="0"/>
+            </a:endParaRPr>
+          </a:p>
+        </p:txBody>
+      </p:sp>
+      <p:sp>
+        <p:nvSpPr>
+          <p:cNvPr id="30" name="Oval 29"/>
+          <p:cNvSpPr/>
+          <p:nvPr/>
+        </p:nvSpPr>
+        <p:spPr bwMode="auto">
+          <a:xfrm>
+            <a:off x="7239000" y="5334000"/>
+            <a:ext cx="152400" cy="152400"/>
+          </a:xfrm>
+          <a:prstGeom prst="ellipse">
+            <a:avLst/>
+          </a:prstGeom>
+          <a:solidFill>
+            <a:schemeClr val="bg1"/>
+          </a:solidFill>
+          <a:ln w="3175" cap="flat" cmpd="sng" algn="ctr">
+            <a:solidFill>
+              <a:schemeClr val="tx1"/>
+            </a:solidFill>
+            <a:prstDash val="solid"/>
+            <a:round/>
+            <a:headEnd type="none" w="med" len="med"/>
+            <a:tailEnd type="triangle" w="lg" len="lg"/>
+          </a:ln>
+          <a:effectLst/>
+        </p:spPr>
+        <p:txBody>
+          <a:bodyPr vert="horz" wrap="square" lIns="91440" tIns="45720" rIns="91440" bIns="45720" numCol="1" rtlCol="0" anchor="t" anchorCtr="0" compatLnSpc="1">
+            <a:prstTxWarp prst="textNoShape">
+              <a:avLst/>
+            </a:prstTxWarp>
+          </a:bodyPr>
+          <a:lstStyle/>
+          <a:p>
+            <a:pPr marL="0" marR="0" indent="0" algn="l" defTabSz="914400" rtl="0" eaLnBrk="1" fontAlgn="base" latinLnBrk="0" hangingPunct="1">
+              <a:lnSpc>
+                <a:spcPct val="100000"/>
+              </a:lnSpc>
+              <a:spcBef>
+                <a:spcPct val="0"/>
+              </a:spcBef>
+              <a:spcAft>
+                <a:spcPct val="0"/>
+              </a:spcAft>
+              <a:buClrTx/>
+              <a:buSzTx/>
+              <a:buFontTx/>
+              <a:buNone/>
+              <a:tabLst/>
+            </a:pPr>
+            <a:endParaRPr kumimoji="0" lang="en-US" sz="3200" b="0" i="0" u="none" strike="noStrike" cap="none" normalizeH="0" baseline="0" smtClean="0">
+              <a:ln>
+                <a:noFill/>
+              </a:ln>
+              <a:solidFill>
+                <a:schemeClr val="tx1"/>
+              </a:solidFill>
+              <a:effectLst/>
+              <a:latin typeface="Comic Sans MS" pitchFamily="66" charset="0"/>
+            </a:endParaRPr>
+          </a:p>
+        </p:txBody>
+      </p:sp>
+      <p:sp>
+        <p:nvSpPr>
+          <p:cNvPr id="31" name="Oval 30"/>
+          <p:cNvSpPr/>
+          <p:nvPr/>
+        </p:nvSpPr>
+        <p:spPr bwMode="auto">
+          <a:xfrm>
+            <a:off x="6248400" y="5943600"/>
+            <a:ext cx="152400" cy="152400"/>
+          </a:xfrm>
+          <a:prstGeom prst="ellipse">
+            <a:avLst/>
+          </a:prstGeom>
+          <a:solidFill>
+            <a:schemeClr val="bg1"/>
+          </a:solidFill>
+          <a:ln w="3175" cap="flat" cmpd="sng" algn="ctr">
+            <a:solidFill>
+              <a:schemeClr val="tx1"/>
+            </a:solidFill>
+            <a:prstDash val="solid"/>
+            <a:round/>
+            <a:headEnd type="none" w="med" len="med"/>
+            <a:tailEnd type="triangle" w="lg" len="lg"/>
+          </a:ln>
+          <a:effectLst/>
+        </p:spPr>
+        <p:txBody>
+          <a:bodyPr vert="horz" wrap="square" lIns="91440" tIns="45720" rIns="91440" bIns="45720" numCol="1" rtlCol="0" anchor="t" anchorCtr="0" compatLnSpc="1">
+            <a:prstTxWarp prst="textNoShape">
+              <a:avLst/>
+            </a:prstTxWarp>
+          </a:bodyPr>
+          <a:lstStyle/>
+          <a:p>
+            <a:pPr marL="0" marR="0" indent="0" algn="l" defTabSz="914400" rtl="0" eaLnBrk="1" fontAlgn="base" latinLnBrk="0" hangingPunct="1">
+              <a:lnSpc>
+                <a:spcPct val="100000"/>
+              </a:lnSpc>
+              <a:spcBef>
+                <a:spcPct val="0"/>
+              </a:spcBef>
+              <a:spcAft>
+                <a:spcPct val="0"/>
+              </a:spcAft>
+              <a:buClrTx/>
+              <a:buSzTx/>
+              <a:buFontTx/>
+              <a:buNone/>
+              <a:tabLst/>
+            </a:pPr>
+            <a:endParaRPr kumimoji="0" lang="en-US" sz="3200" b="0" i="0" u="none" strike="noStrike" cap="none" normalizeH="0" baseline="0" smtClean="0">
+              <a:ln>
+                <a:noFill/>
+              </a:ln>
+              <a:solidFill>
+                <a:schemeClr val="tx1"/>
+              </a:solidFill>
+              <a:effectLst/>
+              <a:latin typeface="Comic Sans MS" pitchFamily="66" charset="0"/>
+            </a:endParaRPr>
+          </a:p>
+        </p:txBody>
+      </p:sp>
+      <p:sp>
+        <p:nvSpPr>
+          <p:cNvPr id="13" name="Rectangle 12"/>
+          <p:cNvSpPr/>
+          <p:nvPr/>
+        </p:nvSpPr>
+        <p:spPr bwMode="auto">
+          <a:xfrm rot="19286400">
+            <a:off x="2298912" y="3536594"/>
+            <a:ext cx="47499" cy="1590612"/>
           </a:xfrm>
           <a:prstGeom prst="rect">
             <a:avLst/>
           </a:prstGeom>
-          <a:noFill/>
+          <a:solidFill>
+            <a:schemeClr val="tx1"/>
+          </a:solidFill>
+          <a:ln w="31750" cap="flat" cmpd="sng" algn="ctr">
+            <a:noFill/>
+            <a:prstDash val="solid"/>
+            <a:round/>
+            <a:headEnd type="none" w="med" len="med"/>
+            <a:tailEnd type="triangle" w="lg" len="lg"/>
+          </a:ln>
+          <a:effectLst/>
         </p:spPr>
         <p:txBody>
-          <a:bodyPr wrap="square" rtlCol="0">
-            <a:spAutoFit/>
+          <a:bodyPr vert="horz" wrap="square" lIns="91440" tIns="45720" rIns="91440" bIns="45720" numCol="1" rtlCol="0" anchor="t" anchorCtr="0" compatLnSpc="1">
+            <a:prstTxWarp prst="textNoShape">
+              <a:avLst/>
+            </a:prstTxWarp>
           </a:bodyPr>
           <a:lstStyle/>
           <a:p>
-            <a:r>
-              <a:rPr lang="en-US" sz="5400" dirty="0" smtClean="0">
-                <a:solidFill>
-                  <a:schemeClr val="tx2"/>
-                </a:solidFill>
-                <a:latin typeface="Comic Sans MS"/>
-                <a:cs typeface="Comic Sans MS"/>
-              </a:rPr>
-              <a:t>An edge extends a pre-minimum spanning tree F if it is a minimum weight gray edge in some solid coloring of F</a:t>
-            </a:r>
+            <a:pPr marL="0" marR="0" indent="0" algn="l" defTabSz="914400" rtl="0" eaLnBrk="1" fontAlgn="base" latinLnBrk="0" hangingPunct="1">
+              <a:lnSpc>
+                <a:spcPct val="100000"/>
+              </a:lnSpc>
+              <a:spcBef>
+                <a:spcPct val="0"/>
+              </a:spcBef>
+              <a:spcAft>
+                <a:spcPct val="0"/>
+              </a:spcAft>
+              <a:buClrTx/>
+              <a:buSzTx/>
+              <a:buFontTx/>
+              <a:buNone/>
+              <a:tabLst/>
+            </a:pPr>
+            <a:endParaRPr kumimoji="0" lang="en-US" sz="3200" b="0" i="0" u="none" strike="noStrike" cap="none" normalizeH="0" baseline="0" smtClean="0">
+              <a:ln>
+                <a:noFill/>
+              </a:ln>
+              <a:solidFill>
+                <a:schemeClr val="tx1"/>
+              </a:solidFill>
+              <a:effectLst/>
+              <a:latin typeface="Comic Sans MS" pitchFamily="66" charset="0"/>
+            </a:endParaRPr>
+          </a:p>
+        </p:txBody>
+      </p:sp>
+      <p:sp>
+        <p:nvSpPr>
+          <p:cNvPr id="37" name="Rectangle 36"/>
+          <p:cNvSpPr/>
+          <p:nvPr/>
+        </p:nvSpPr>
+        <p:spPr bwMode="auto">
+          <a:xfrm rot="13990827" flipH="1">
+            <a:off x="2193935" y="4707580"/>
+            <a:ext cx="45719" cy="1696619"/>
+          </a:xfrm>
+          <a:prstGeom prst="rect">
+            <a:avLst/>
+          </a:prstGeom>
+          <a:solidFill>
+            <a:schemeClr val="tx1"/>
+          </a:solidFill>
+          <a:ln w="31750" cap="flat" cmpd="sng" algn="ctr">
+            <a:noFill/>
+            <a:prstDash val="solid"/>
+            <a:round/>
+            <a:headEnd type="none" w="med" len="med"/>
+            <a:tailEnd type="triangle" w="lg" len="lg"/>
+          </a:ln>
+          <a:effectLst/>
+        </p:spPr>
+        <p:txBody>
+          <a:bodyPr vert="horz" wrap="square" lIns="91440" tIns="45720" rIns="91440" bIns="45720" numCol="1" rtlCol="0" anchor="t" anchorCtr="0" compatLnSpc="1">
+            <a:prstTxWarp prst="textNoShape">
+              <a:avLst/>
+            </a:prstTxWarp>
+          </a:bodyPr>
+          <a:lstStyle/>
+          <a:p>
+            <a:pPr marL="0" marR="0" indent="0" algn="l" defTabSz="914400" rtl="0" eaLnBrk="1" fontAlgn="base" latinLnBrk="0" hangingPunct="1">
+              <a:lnSpc>
+                <a:spcPct val="100000"/>
+              </a:lnSpc>
+              <a:spcBef>
+                <a:spcPct val="0"/>
+              </a:spcBef>
+              <a:spcAft>
+                <a:spcPct val="0"/>
+              </a:spcAft>
+              <a:buClrTx/>
+              <a:buSzTx/>
+              <a:buFontTx/>
+              <a:buNone/>
+              <a:tabLst/>
+            </a:pPr>
+            <a:endParaRPr kumimoji="0" lang="en-US" sz="3200" b="0" i="0" u="none" strike="noStrike" cap="none" normalizeH="0" baseline="0" smtClean="0">
+              <a:ln>
+                <a:noFill/>
+              </a:ln>
+              <a:solidFill>
+                <a:schemeClr val="tx1"/>
+              </a:solidFill>
+              <a:effectLst/>
+              <a:latin typeface="Comic Sans MS" pitchFamily="66" charset="0"/>
+            </a:endParaRPr>
+          </a:p>
+        </p:txBody>
+      </p:sp>
+      <p:sp>
+        <p:nvSpPr>
+          <p:cNvPr id="38" name="Rectangle 37"/>
+          <p:cNvSpPr/>
+          <p:nvPr/>
+        </p:nvSpPr>
+        <p:spPr bwMode="auto">
+          <a:xfrm rot="16718729">
+            <a:off x="1858579" y="3846461"/>
+            <a:ext cx="45719" cy="1940352"/>
+          </a:xfrm>
+          <a:prstGeom prst="rect">
+            <a:avLst/>
+          </a:prstGeom>
+          <a:solidFill>
+            <a:schemeClr val="tx1"/>
+          </a:solidFill>
+          <a:ln w="31750" cap="flat" cmpd="sng" algn="ctr">
+            <a:noFill/>
+            <a:prstDash val="solid"/>
+            <a:round/>
+            <a:headEnd type="none" w="med" len="med"/>
+            <a:tailEnd type="triangle" w="lg" len="lg"/>
+          </a:ln>
+          <a:effectLst/>
+        </p:spPr>
+        <p:txBody>
+          <a:bodyPr vert="horz" wrap="square" lIns="91440" tIns="45720" rIns="91440" bIns="45720" numCol="1" rtlCol="0" anchor="t" anchorCtr="0" compatLnSpc="1">
+            <a:prstTxWarp prst="textNoShape">
+              <a:avLst/>
+            </a:prstTxWarp>
+          </a:bodyPr>
+          <a:lstStyle/>
+          <a:p>
+            <a:pPr marL="0" marR="0" indent="0" algn="l" defTabSz="914400" rtl="0" eaLnBrk="1" fontAlgn="base" latinLnBrk="0" hangingPunct="1">
+              <a:lnSpc>
+                <a:spcPct val="100000"/>
+              </a:lnSpc>
+              <a:spcBef>
+                <a:spcPct val="0"/>
+              </a:spcBef>
+              <a:spcAft>
+                <a:spcPct val="0"/>
+              </a:spcAft>
+              <a:buClrTx/>
+              <a:buSzTx/>
+              <a:buFontTx/>
+              <a:buNone/>
+              <a:tabLst/>
+            </a:pPr>
+            <a:endParaRPr kumimoji="0" lang="en-US" sz="3200" b="0" i="0" u="none" strike="noStrike" cap="none" normalizeH="0" baseline="0" smtClean="0">
+              <a:ln>
+                <a:noFill/>
+              </a:ln>
+              <a:solidFill>
+                <a:schemeClr val="tx1"/>
+              </a:solidFill>
+              <a:effectLst/>
+              <a:latin typeface="Comic Sans MS" pitchFamily="66" charset="0"/>
+            </a:endParaRPr>
+          </a:p>
+        </p:txBody>
+      </p:sp>
+      <p:sp>
+        <p:nvSpPr>
+          <p:cNvPr id="39" name="Rectangle 38"/>
+          <p:cNvSpPr/>
+          <p:nvPr/>
+        </p:nvSpPr>
+        <p:spPr bwMode="auto">
+          <a:xfrm rot="2726405">
+            <a:off x="6091277" y="3359523"/>
+            <a:ext cx="54295" cy="1694987"/>
+          </a:xfrm>
+          <a:prstGeom prst="rect">
+            <a:avLst/>
+          </a:prstGeom>
+          <a:solidFill>
+            <a:schemeClr val="bg1"/>
+          </a:solidFill>
+          <a:ln w="3175" cap="flat" cmpd="sng" algn="ctr">
+            <a:solidFill>
+              <a:schemeClr val="tx1"/>
+            </a:solidFill>
+            <a:prstDash val="solid"/>
+            <a:round/>
+            <a:headEnd type="none" w="med" len="med"/>
+            <a:tailEnd type="triangle" w="lg" len="lg"/>
+          </a:ln>
+          <a:effectLst/>
+        </p:spPr>
+        <p:txBody>
+          <a:bodyPr vert="horz" wrap="square" lIns="91440" tIns="45720" rIns="91440" bIns="45720" numCol="1" rtlCol="0" anchor="t" anchorCtr="0" compatLnSpc="1">
+            <a:prstTxWarp prst="textNoShape">
+              <a:avLst/>
+            </a:prstTxWarp>
+          </a:bodyPr>
+          <a:lstStyle/>
+          <a:p>
+            <a:pPr marL="0" marR="0" indent="0" algn="l" defTabSz="914400" rtl="0" eaLnBrk="1" fontAlgn="base" latinLnBrk="0" hangingPunct="1">
+              <a:lnSpc>
+                <a:spcPct val="100000"/>
+              </a:lnSpc>
+              <a:spcBef>
+                <a:spcPct val="0"/>
+              </a:spcBef>
+              <a:spcAft>
+                <a:spcPct val="0"/>
+              </a:spcAft>
+              <a:buClrTx/>
+              <a:buSzTx/>
+              <a:buFontTx/>
+              <a:buNone/>
+              <a:tabLst/>
+            </a:pPr>
+            <a:endParaRPr kumimoji="0" lang="en-US" sz="3200" b="0" i="0" u="none" strike="noStrike" cap="none" normalizeH="0" baseline="0" smtClean="0">
+              <a:ln>
+                <a:noFill/>
+              </a:ln>
+              <a:solidFill>
+                <a:schemeClr val="tx1"/>
+              </a:solidFill>
+              <a:effectLst/>
+              <a:latin typeface="Comic Sans MS" pitchFamily="66" charset="0"/>
+            </a:endParaRPr>
+          </a:p>
+        </p:txBody>
+      </p:sp>
+      <p:sp>
+        <p:nvSpPr>
+          <p:cNvPr id="40" name="Rectangle 39"/>
+          <p:cNvSpPr/>
+          <p:nvPr/>
+        </p:nvSpPr>
+        <p:spPr bwMode="auto">
+          <a:xfrm rot="6355124">
+            <a:off x="6363384" y="4256474"/>
+            <a:ext cx="52378" cy="1745915"/>
+          </a:xfrm>
+          <a:prstGeom prst="rect">
+            <a:avLst/>
+          </a:prstGeom>
+          <a:solidFill>
+            <a:schemeClr val="bg1"/>
+          </a:solidFill>
+          <a:ln w="3175" cap="flat" cmpd="sng" algn="ctr">
+            <a:solidFill>
+              <a:schemeClr val="tx1"/>
+            </a:solidFill>
+            <a:prstDash val="solid"/>
+            <a:round/>
+            <a:headEnd type="none" w="med" len="med"/>
+            <a:tailEnd type="triangle" w="lg" len="lg"/>
+          </a:ln>
+          <a:effectLst/>
+        </p:spPr>
+        <p:txBody>
+          <a:bodyPr vert="horz" wrap="square" lIns="91440" tIns="45720" rIns="91440" bIns="45720" numCol="1" rtlCol="0" anchor="t" anchorCtr="0" compatLnSpc="1">
+            <a:prstTxWarp prst="textNoShape">
+              <a:avLst/>
+            </a:prstTxWarp>
+          </a:bodyPr>
+          <a:lstStyle/>
+          <a:p>
+            <a:pPr marL="0" marR="0" indent="0" algn="l" defTabSz="914400" rtl="0" eaLnBrk="1" fontAlgn="base" latinLnBrk="0" hangingPunct="1">
+              <a:lnSpc>
+                <a:spcPct val="100000"/>
+              </a:lnSpc>
+              <a:spcBef>
+                <a:spcPct val="0"/>
+              </a:spcBef>
+              <a:spcAft>
+                <a:spcPct val="0"/>
+              </a:spcAft>
+              <a:buClrTx/>
+              <a:buSzTx/>
+              <a:buFontTx/>
+              <a:buNone/>
+              <a:tabLst/>
+            </a:pPr>
+            <a:endParaRPr kumimoji="0" lang="en-US" sz="3200" b="0" i="0" u="none" strike="noStrike" cap="none" normalizeH="0" baseline="0" smtClean="0">
+              <a:ln>
+                <a:noFill/>
+              </a:ln>
+              <a:solidFill>
+                <a:schemeClr val="tx1"/>
+              </a:solidFill>
+              <a:effectLst/>
+              <a:latin typeface="Comic Sans MS" pitchFamily="66" charset="0"/>
+            </a:endParaRPr>
+          </a:p>
+        </p:txBody>
+      </p:sp>
+      <p:sp>
+        <p:nvSpPr>
+          <p:cNvPr id="41" name="Rectangle 40"/>
+          <p:cNvSpPr/>
+          <p:nvPr/>
+        </p:nvSpPr>
+        <p:spPr bwMode="auto">
+          <a:xfrm rot="8578314">
+            <a:off x="5904758" y="4802368"/>
+            <a:ext cx="45888" cy="1249714"/>
+          </a:xfrm>
+          <a:prstGeom prst="rect">
+            <a:avLst/>
+          </a:prstGeom>
+          <a:solidFill>
+            <a:schemeClr val="bg1"/>
+          </a:solidFill>
+          <a:ln w="3175" cap="flat" cmpd="sng" algn="ctr">
+            <a:solidFill>
+              <a:schemeClr val="tx1"/>
+            </a:solidFill>
+            <a:prstDash val="solid"/>
+            <a:round/>
+            <a:headEnd type="none" w="med" len="med"/>
+            <a:tailEnd type="triangle" w="lg" len="lg"/>
+          </a:ln>
+          <a:effectLst/>
+        </p:spPr>
+        <p:txBody>
+          <a:bodyPr vert="horz" wrap="square" lIns="91440" tIns="45720" rIns="91440" bIns="45720" numCol="1" rtlCol="0" anchor="t" anchorCtr="0" compatLnSpc="1">
+            <a:prstTxWarp prst="textNoShape">
+              <a:avLst/>
+            </a:prstTxWarp>
+          </a:bodyPr>
+          <a:lstStyle/>
+          <a:p>
+            <a:pPr marL="0" marR="0" indent="0" algn="l" defTabSz="914400" rtl="0" eaLnBrk="1" fontAlgn="base" latinLnBrk="0" hangingPunct="1">
+              <a:lnSpc>
+                <a:spcPct val="100000"/>
+              </a:lnSpc>
+              <a:spcBef>
+                <a:spcPct val="0"/>
+              </a:spcBef>
+              <a:spcAft>
+                <a:spcPct val="0"/>
+              </a:spcAft>
+              <a:buClrTx/>
+              <a:buSzTx/>
+              <a:buFontTx/>
+              <a:buNone/>
+              <a:tabLst/>
+            </a:pPr>
+            <a:endParaRPr kumimoji="0" lang="en-US" sz="3200" b="0" i="0" u="none" strike="noStrike" cap="none" normalizeH="0" baseline="0" smtClean="0">
+              <a:ln>
+                <a:noFill/>
+              </a:ln>
+              <a:solidFill>
+                <a:schemeClr val="tx1"/>
+              </a:solidFill>
+              <a:effectLst/>
+              <a:latin typeface="Comic Sans MS" pitchFamily="66" charset="0"/>
+            </a:endParaRPr>
+          </a:p>
+        </p:txBody>
+      </p:sp>
+      <p:sp>
+        <p:nvSpPr>
+          <p:cNvPr id="42" name="Rectangle 41"/>
+          <p:cNvSpPr/>
+          <p:nvPr/>
+        </p:nvSpPr>
+        <p:spPr bwMode="auto">
+          <a:xfrm rot="5230770">
+            <a:off x="4112257" y="3747203"/>
+            <a:ext cx="152217" cy="2411854"/>
+          </a:xfrm>
+          <a:prstGeom prst="rect">
+            <a:avLst/>
+          </a:prstGeom>
+          <a:gradFill flip="none" rotWithShape="1">
+            <a:gsLst>
+              <a:gs pos="0">
+                <a:schemeClr val="tx1"/>
+              </a:gs>
+              <a:gs pos="100000">
+                <a:schemeClr val="bg1"/>
+              </a:gs>
+            </a:gsLst>
+            <a:lin ang="16200000" scaled="0"/>
+            <a:tileRect/>
+          </a:gradFill>
+          <a:ln w="3175" cap="flat" cmpd="sng" algn="ctr">
+            <a:solidFill>
+              <a:schemeClr val="tx1"/>
+            </a:solidFill>
+            <a:prstDash val="solid"/>
+            <a:round/>
+            <a:headEnd type="none" w="med" len="med"/>
+            <a:tailEnd type="triangle" w="lg" len="lg"/>
+          </a:ln>
+          <a:effectLst/>
+        </p:spPr>
+        <p:txBody>
+          <a:bodyPr vert="horz" wrap="square" lIns="91440" tIns="45720" rIns="91440" bIns="45720" numCol="1" rtlCol="0" anchor="t" anchorCtr="0" compatLnSpc="1">
+            <a:prstTxWarp prst="textNoShape">
+              <a:avLst/>
+            </a:prstTxWarp>
+          </a:bodyPr>
+          <a:lstStyle/>
+          <a:p>
+            <a:pPr marL="0" marR="0" indent="0" algn="l" defTabSz="914400" rtl="0" eaLnBrk="1" fontAlgn="base" latinLnBrk="0" hangingPunct="1">
+              <a:lnSpc>
+                <a:spcPct val="100000"/>
+              </a:lnSpc>
+              <a:spcBef>
+                <a:spcPct val="0"/>
+              </a:spcBef>
+              <a:spcAft>
+                <a:spcPct val="0"/>
+              </a:spcAft>
+              <a:buClrTx/>
+              <a:buSzTx/>
+              <a:buFontTx/>
+              <a:buNone/>
+              <a:tabLst/>
+            </a:pPr>
+            <a:endParaRPr kumimoji="0" lang="en-US" sz="3200" b="0" i="0" u="none" strike="noStrike" cap="none" normalizeH="0" baseline="0" smtClean="0">
+              <a:ln>
+                <a:noFill/>
+              </a:ln>
+              <a:solidFill>
+                <a:schemeClr val="tx1"/>
+              </a:solidFill>
+              <a:effectLst/>
+              <a:latin typeface="Comic Sans MS" pitchFamily="66" charset="0"/>
+            </a:endParaRPr>
           </a:p>
         </p:txBody>
       </p:sp>
     </p:spTree>
     <p:extLst>
       <p:ext uri="{BB962C8B-B14F-4D97-AF65-F5344CB8AC3E}">
-        <p14:creationId xmlns:p14="http://schemas.microsoft.com/office/powerpoint/2010/main" val="927739457"/>
+        <p14:creationId xmlns:p14="http://schemas.microsoft.com/office/powerpoint/2010/main" val="63103978"/>
       </p:ext>
     </p:extLst>
   </p:cSld>
@@ -15095,11 +18724,7 @@
                                           </p:stCondLst>
                                         </p:cTn>
                                         <p:tgtEl>
-                                          <p:spTgt spid="23">
-                                            <p:txEl>
-                                              <p:pRg st="0" end="0"/>
-                                            </p:txEl>
-                                          </p:spTgt>
+                                          <p:spTgt spid="42"/>
                                         </p:tgtEl>
                                         <p:attrNameLst>
                                           <p:attrName>style.visibility</p:attrName>
@@ -15113,11 +18738,7 @@
                                       <p:cBhvr>
                                         <p:cTn id="7" dur="500"/>
                                         <p:tgtEl>
-                                          <p:spTgt spid="23">
-                                            <p:txEl>
-                                              <p:pRg st="0" end="0"/>
-                                            </p:txEl>
-                                          </p:spTgt>
+                                          <p:spTgt spid="42"/>
                                         </p:tgtEl>
                                       </p:cBhvr>
                                     </p:animEffect>
@@ -15152,302 +18773,7 @@
       </p:par>
     </p:tnLst>
     <p:bldLst>
-      <p:bldP spid="23" grpId="0" build="p"/>
-    </p:bldLst>
-  </p:timing>
-</p:sld>
-</file>
-
-<file path=ppt/slides/slide9.xml><?xml version="1.0" encoding="utf-8"?>
-<p:sld xmlns:a="http://schemas.openxmlformats.org/drawingml/2006/main" xmlns:r="http://schemas.openxmlformats.org/officeDocument/2006/relationships" xmlns:p="http://schemas.openxmlformats.org/presentationml/2006/main">
-  <p:cSld>
-    <p:spTree>
-      <p:nvGrpSpPr>
-        <p:cNvPr id="1" name=""/>
-        <p:cNvGrpSpPr/>
-        <p:nvPr/>
-      </p:nvGrpSpPr>
-      <p:grpSpPr>
-        <a:xfrm>
-          <a:off x="0" y="0"/>
-          <a:ext cx="0" cy="0"/>
-          <a:chOff x="0" y="0"/>
-          <a:chExt cx="0" cy="0"/>
-        </a:xfrm>
-      </p:grpSpPr>
-      <p:sp>
-        <p:nvSpPr>
-          <p:cNvPr id="19" name="Slide Number Placeholder 3"/>
-          <p:cNvSpPr>
-            <a:spLocks noGrp="1"/>
-          </p:cNvSpPr>
-          <p:nvPr>
-            <p:ph type="sldNum" sz="quarter" idx="4294967295"/>
-          </p:nvPr>
-        </p:nvSpPr>
-        <p:spPr>
-          <a:xfrm>
-            <a:off x="8095441" y="6583363"/>
-            <a:ext cx="1048559" cy="276999"/>
-          </a:xfrm>
-          <a:prstGeom prst="rect">
-            <a:avLst/>
-          </a:prstGeom>
-        </p:spPr>
-        <p:txBody>
-          <a:bodyPr/>
-          <a:lstStyle/>
-          <a:p>
-            <a:pPr>
-              <a:defRPr/>
-            </a:pPr>
-            <a:r>
-              <a:rPr lang="en-US" sz="1200" dirty="0" smtClean="0"/>
-              <a:t>connected.</a:t>
-            </a:r>
-            <a:fld id="{19EC3EF5-AAAB-406F-8B8B-2285D28F7116}" type="slidenum">
-              <a:rPr lang="en-US" sz="1200" smtClean="0"/>
-              <a:pPr>
-                <a:defRPr/>
-              </a:pPr>
-              <a:t>9</a:t>
-            </a:fld>
-            <a:endParaRPr lang="en-US" sz="1200" dirty="0"/>
-          </a:p>
-        </p:txBody>
-      </p:sp>
-      <p:sp>
-        <p:nvSpPr>
-          <p:cNvPr id="28" name="Rectangle 2"/>
-          <p:cNvSpPr>
-            <a:spLocks noGrp="1" noChangeArrowheads="1"/>
-          </p:cNvSpPr>
-          <p:nvPr>
-            <p:ph type="title"/>
-          </p:nvPr>
-        </p:nvSpPr>
-        <p:spPr>
-          <a:xfrm>
-            <a:off x="1524000" y="76200"/>
-            <a:ext cx="7086600" cy="990600"/>
-          </a:xfrm>
-        </p:spPr>
-        <p:txBody>
-          <a:bodyPr/>
-          <a:lstStyle/>
-          <a:p>
-            <a:r>
-              <a:rPr lang="en-US" sz="4800" dirty="0" smtClean="0"/>
-              <a:t>Proof</a:t>
-            </a:r>
-            <a:endParaRPr lang="en-US" sz="4000" dirty="0"/>
-          </a:p>
-        </p:txBody>
-      </p:sp>
-      <p:sp>
-        <p:nvSpPr>
-          <p:cNvPr id="23" name="TextBox 22"/>
-          <p:cNvSpPr txBox="1"/>
-          <p:nvPr/>
-        </p:nvSpPr>
-        <p:spPr>
-          <a:xfrm>
-            <a:off x="533400" y="1548348"/>
-            <a:ext cx="8305800" cy="2862322"/>
-          </a:xfrm>
-          <a:prstGeom prst="rect">
-            <a:avLst/>
-          </a:prstGeom>
-          <a:noFill/>
-        </p:spPr>
-        <p:txBody>
-          <a:bodyPr wrap="square" rtlCol="0">
-            <a:spAutoFit/>
-          </a:bodyPr>
-          <a:lstStyle/>
-          <a:p>
-            <a:r>
-              <a:rPr lang="en-US" sz="3600" dirty="0" smtClean="0">
-                <a:latin typeface="Comic Sans MS"/>
-                <a:cs typeface="Comic Sans MS"/>
-              </a:rPr>
-              <a:t>Start with a pre-MST F which is a sub graph of a MST M. </a:t>
-            </a:r>
-          </a:p>
-          <a:p>
-            <a:r>
-              <a:rPr lang="en-US" sz="3600" dirty="0" smtClean="0">
-                <a:latin typeface="Comic Sans MS"/>
-                <a:cs typeface="Comic Sans MS"/>
-              </a:rPr>
-              <a:t>e is a gray edge in a coloring of F.  </a:t>
-            </a:r>
-            <a:endParaRPr lang="en-US" sz="3600" dirty="0">
-              <a:latin typeface="Comic Sans MS"/>
-              <a:cs typeface="Comic Sans MS"/>
-            </a:endParaRPr>
-          </a:p>
-          <a:p>
-            <a:r>
-              <a:rPr lang="en-US" sz="3600" dirty="0" smtClean="0">
-                <a:latin typeface="Comic Sans MS"/>
-                <a:cs typeface="Comic Sans MS"/>
-              </a:rPr>
-              <a:t>We want to show that </a:t>
-            </a:r>
-            <a:r>
-              <a:rPr lang="en-US" sz="3600" dirty="0" err="1" smtClean="0">
-                <a:latin typeface="Comic Sans MS"/>
-                <a:cs typeface="Comic Sans MS"/>
-              </a:rPr>
-              <a:t>F+e</a:t>
-            </a:r>
-            <a:r>
-              <a:rPr lang="en-US" sz="3600" dirty="0" smtClean="0">
-                <a:latin typeface="Comic Sans MS"/>
-                <a:cs typeface="Comic Sans MS"/>
-              </a:rPr>
-              <a:t> is also a pre-MST and a sub graph of M.</a:t>
-            </a:r>
-          </a:p>
-        </p:txBody>
-      </p:sp>
-      <p:sp>
-        <p:nvSpPr>
-          <p:cNvPr id="2" name="TextBox 1"/>
-          <p:cNvSpPr txBox="1"/>
-          <p:nvPr/>
-        </p:nvSpPr>
-        <p:spPr>
-          <a:xfrm>
-            <a:off x="1143000" y="4800600"/>
-            <a:ext cx="7543800" cy="584776"/>
-          </a:xfrm>
-          <a:prstGeom prst="rect">
-            <a:avLst/>
-          </a:prstGeom>
-          <a:noFill/>
-        </p:spPr>
-        <p:txBody>
-          <a:bodyPr wrap="square" rtlCol="0">
-            <a:spAutoFit/>
-          </a:bodyPr>
-          <a:lstStyle/>
-          <a:p>
-            <a:r>
-              <a:rPr lang="en-US" dirty="0" smtClean="0"/>
-              <a:t>If e is in M, we are done.</a:t>
-            </a:r>
-            <a:endParaRPr lang="en-US" dirty="0"/>
-          </a:p>
-        </p:txBody>
-      </p:sp>
-    </p:spTree>
-    <p:extLst>
-      <p:ext uri="{BB962C8B-B14F-4D97-AF65-F5344CB8AC3E}">
-        <p14:creationId xmlns:p14="http://schemas.microsoft.com/office/powerpoint/2010/main" val="2337666963"/>
-      </p:ext>
-    </p:extLst>
-  </p:cSld>
-  <p:clrMapOvr>
-    <a:masterClrMapping/>
-  </p:clrMapOvr>
-  <mc:AlternateContent xmlns:mc="http://schemas.openxmlformats.org/markup-compatibility/2006" xmlns:p14="http://schemas.microsoft.com/office/powerpoint/2010/main">
-    <mc:Choice Requires="p14">
-      <p:transition spd="slow" p14:dur="900" advClick="0">
-        <p:fade/>
-      </p:transition>
-    </mc:Choice>
-    <mc:Fallback xmlns="">
-      <p:transition xmlns:p14="http://schemas.microsoft.com/office/powerpoint/2010/main" spd="slow" advClick="0">
-        <p:fade/>
-      </p:transition>
-    </mc:Fallback>
-  </mc:AlternateContent>
-  <p:timing>
-    <p:tnLst>
-      <p:par>
-        <p:cTn xmlns:p14="http://schemas.microsoft.com/office/powerpoint/2010/main" id="1" dur="indefinite" restart="never" nodeType="tmRoot">
-          <p:childTnLst>
-            <p:seq concurrent="1" nextAc="seek">
-              <p:cTn id="2" dur="indefinite" nodeType="mainSeq">
-                <p:childTnLst>
-                  <p:par>
-                    <p:cTn id="3" fill="hold">
-                      <p:stCondLst>
-                        <p:cond delay="indefinite"/>
-                      </p:stCondLst>
-                      <p:childTnLst>
-                        <p:par>
-                          <p:cTn id="4" fill="hold">
-                            <p:stCondLst>
-                              <p:cond delay="0"/>
-                            </p:stCondLst>
-                            <p:childTnLst>
-                              <p:par>
-                                <p:cTn id="5" presetID="9" presetClass="entr" presetSubtype="0" fill="hold" grpId="0" nodeType="clickEffect">
-                                  <p:stCondLst>
-                                    <p:cond delay="0"/>
-                                  </p:stCondLst>
-                                  <p:childTnLst>
-                                    <p:set>
-                                      <p:cBhvr>
-                                        <p:cTn id="6" dur="1" fill="hold">
-                                          <p:stCondLst>
-                                            <p:cond delay="0"/>
-                                          </p:stCondLst>
-                                        </p:cTn>
-                                        <p:tgtEl>
-                                          <p:spTgt spid="2"/>
-                                        </p:tgtEl>
-                                        <p:attrNameLst>
-                                          <p:attrName>style.visibility</p:attrName>
-                                        </p:attrNameLst>
-                                      </p:cBhvr>
-                                      <p:to>
-                                        <p:strVal val="visible"/>
-                                      </p:to>
-                                    </p:set>
-                                    <p:animEffect transition="in" filter="dissolve">
-                                      <p:cBhvr>
-                                        <p:cTn id="7" dur="500"/>
-                                        <p:tgtEl>
-                                          <p:spTgt spid="2"/>
-                                        </p:tgtEl>
-                                      </p:cBhvr>
-                                    </p:animEffect>
-                                  </p:childTnLst>
-                                </p:cTn>
-                              </p:par>
-                            </p:childTnLst>
-                          </p:cTn>
-                        </p:par>
-                      </p:childTnLst>
-                    </p:cTn>
-                  </p:par>
-                </p:childTnLst>
-              </p:cTn>
-              <p:prevCondLst>
-                <p:cond evt="onPrev" delay="0">
-                  <p:tgtEl>
-                    <p:sldTgt/>
-                  </p:tgtEl>
-                </p:cond>
-              </p:prevCondLst>
-              <p:nextCondLst>
-                <p:cond evt="onNext" delay="0">
-                  <p:tgtEl>
-                    <p:sldTgt/>
-                  </p:tgtEl>
-                </p:cond>
-              </p:nextCondLst>
-            </p:seq>
-          </p:childTnLst>
-        </p:cTn>
-      </p:par>
-    </p:tnLst>
-    <p:bldLst>
-      <p:bldP spid="2" grpId="0"/>
+      <p:bldP spid="42" grpId="0" animBg="1"/>
     </p:bldLst>
   </p:timing>
 </p:sld>
